--- a/slides/Introduction to Node.js.pptx
+++ b/slides/Introduction to Node.js.pptx
@@ -6,7 +6,7 @@
     <p:sldMasterId id="2147483662" r:id="rId2"/>
   </p:sldMasterIdLst>
   <p:notesMasterIdLst>
-    <p:notesMasterId r:id="rId68"/>
+    <p:notesMasterId r:id="rId75"/>
   </p:notesMasterIdLst>
   <p:sldIdLst>
     <p:sldId id="256" r:id="rId3"/>
@@ -73,7 +73,14 @@
     <p:sldId id="323" r:id="rId64"/>
     <p:sldId id="324" r:id="rId65"/>
     <p:sldId id="312" r:id="rId66"/>
-    <p:sldId id="325" r:id="rId67"/>
+    <p:sldId id="333" r:id="rId67"/>
+    <p:sldId id="334" r:id="rId68"/>
+    <p:sldId id="335" r:id="rId69"/>
+    <p:sldId id="336" r:id="rId70"/>
+    <p:sldId id="337" r:id="rId71"/>
+    <p:sldId id="338" r:id="rId72"/>
+    <p:sldId id="339" r:id="rId73"/>
+    <p:sldId id="340" r:id="rId74"/>
   </p:sldIdLst>
   <p:sldSz cx="12192000" cy="6858000"/>
   <p:notesSz cx="6858000" cy="9144000"/>
@@ -262,7 +269,7 @@
           <a:p>
             <a:fld id="{47191C74-6111-46D8-81BE-7574AEA0A196}" type="datetimeFigureOut">
               <a:rPr lang="en-US" smtClean="0"/>
-              <a:t>1/4/2017</a:t>
+              <a:t>2/24/2017</a:t>
             </a:fld>
             <a:endParaRPr lang="en-US"/>
           </a:p>
@@ -577,130 +584,6 @@
               <a:buFont typeface="Arial" panose="020B0604020202020204" pitchFamily="34" charset="0"/>
               <a:buChar char="•"/>
             </a:pPr>
-            <a:r>
-              <a:rPr lang="en-US" baseline="0" dirty="0" err="1"/>
-              <a:t>Kursen</a:t>
-            </a:r>
-            <a:r>
-              <a:rPr lang="en-US" baseline="0" dirty="0"/>
-              <a:t> </a:t>
-            </a:r>
-            <a:r>
-              <a:rPr lang="en-US" baseline="0" dirty="0" err="1"/>
-              <a:t>är</a:t>
-            </a:r>
-            <a:r>
-              <a:rPr lang="en-US" baseline="0" dirty="0"/>
-              <a:t> </a:t>
-            </a:r>
-            <a:r>
-              <a:rPr lang="en-US" baseline="0" dirty="0" err="1"/>
-              <a:t>uppbygd</a:t>
-            </a:r>
-            <a:r>
-              <a:rPr lang="en-US" baseline="0" dirty="0"/>
-              <a:t> i </a:t>
-            </a:r>
-            <a:r>
-              <a:rPr lang="en-US" baseline="0" dirty="0" err="1"/>
-              <a:t>moduler</a:t>
-            </a:r>
-            <a:endParaRPr lang="en-US" baseline="0" dirty="0"/>
-          </a:p>
-          <a:p>
-            <a:pPr marL="171450" indent="-171450">
-              <a:buFont typeface="Arial" panose="020B0604020202020204" pitchFamily="34" charset="0"/>
-              <a:buChar char="•"/>
-            </a:pPr>
-            <a:r>
-              <a:rPr lang="en-GB" dirty="0" err="1"/>
-              <a:t>Genomgång</a:t>
-            </a:r>
-            <a:r>
-              <a:rPr lang="en-GB" dirty="0"/>
-              <a:t> -&gt; Demo -&gt; </a:t>
-            </a:r>
-            <a:r>
-              <a:rPr lang="en-GB" dirty="0" err="1"/>
-              <a:t>excersice</a:t>
-            </a:r>
-            <a:endParaRPr lang="en-GB" dirty="0"/>
-          </a:p>
-          <a:p>
-            <a:pPr marL="171450" indent="-171450">
-              <a:buFont typeface="Arial" panose="020B0604020202020204" pitchFamily="34" charset="0"/>
-              <a:buChar char="•"/>
-            </a:pPr>
-            <a:r>
-              <a:rPr lang="en-GB" dirty="0"/>
-              <a:t>Ta </a:t>
-            </a:r>
-            <a:r>
-              <a:rPr lang="en-GB" dirty="0" err="1"/>
-              <a:t>upp</a:t>
-            </a:r>
-            <a:r>
-              <a:rPr lang="en-GB" dirty="0"/>
-              <a:t> problem i</a:t>
-            </a:r>
-            <a:r>
-              <a:rPr lang="en-GB" baseline="0" dirty="0"/>
-              <a:t> </a:t>
-            </a:r>
-            <a:r>
-              <a:rPr lang="en-GB" baseline="0" dirty="0" err="1"/>
-              <a:t>gruppen</a:t>
-            </a:r>
-            <a:r>
-              <a:rPr lang="en-GB" baseline="0" dirty="0"/>
-              <a:t>, </a:t>
-            </a:r>
-            <a:r>
-              <a:rPr lang="en-GB" baseline="0" dirty="0" err="1"/>
-              <a:t>lära</a:t>
-            </a:r>
-            <a:r>
-              <a:rPr lang="en-GB" baseline="0" dirty="0"/>
-              <a:t> </a:t>
-            </a:r>
-            <a:r>
-              <a:rPr lang="en-GB" baseline="0" dirty="0" err="1"/>
-              <a:t>av</a:t>
-            </a:r>
-            <a:r>
-              <a:rPr lang="en-GB" baseline="0" dirty="0"/>
-              <a:t>  </a:t>
-            </a:r>
-            <a:r>
-              <a:rPr lang="en-GB" baseline="0" dirty="0" err="1"/>
-              <a:t>varandra</a:t>
-            </a:r>
-            <a:endParaRPr lang="en-GB" baseline="0" dirty="0"/>
-          </a:p>
-          <a:p>
-            <a:pPr marL="171450" indent="-171450">
-              <a:buFont typeface="Arial" panose="020B0604020202020204" pitchFamily="34" charset="0"/>
-              <a:buChar char="•"/>
-            </a:pPr>
-            <a:r>
-              <a:rPr lang="en-GB" baseline="0" dirty="0" err="1"/>
-              <a:t>Röd</a:t>
-            </a:r>
-            <a:r>
-              <a:rPr lang="en-GB" baseline="0" dirty="0"/>
-              <a:t> </a:t>
-            </a:r>
-            <a:r>
-              <a:rPr lang="en-GB" baseline="0" dirty="0" err="1"/>
-              <a:t>tråd</a:t>
-            </a:r>
-            <a:endParaRPr lang="en-GB" baseline="0" dirty="0"/>
-          </a:p>
-          <a:p>
-            <a:pPr marL="171450" indent="-171450">
-              <a:buFont typeface="Arial" panose="020B0604020202020204" pitchFamily="34" charset="0"/>
-              <a:buChar char="•"/>
-            </a:pPr>
             <a:endParaRPr lang="en-GB" dirty="0"/>
           </a:p>
         </p:txBody>
@@ -1625,59 +1508,6 @@
           <a:bodyPr/>
           <a:lstStyle/>
           <a:p>
-            <a:r>
-              <a:rPr lang="en-US" dirty="0"/>
-              <a:t>Install:</a:t>
-            </a:r>
-          </a:p>
-          <a:p>
-            <a:r>
-              <a:rPr lang="en-US" dirty="0"/>
-              <a:t>Node.js</a:t>
-            </a:r>
-          </a:p>
-          <a:p>
-            <a:r>
-              <a:rPr lang="en-US" dirty="0"/>
-              <a:t>Postman</a:t>
-            </a:r>
-          </a:p>
-          <a:p>
-            <a:r>
-              <a:rPr lang="en-US" dirty="0" err="1"/>
-              <a:t>Fixa</a:t>
-            </a:r>
-            <a:r>
-              <a:rPr lang="en-US" baseline="0" dirty="0"/>
-              <a:t> </a:t>
-            </a:r>
-            <a:r>
-              <a:rPr lang="en-US" baseline="0" dirty="0" err="1"/>
-              <a:t>Github</a:t>
-            </a:r>
-            <a:r>
-              <a:rPr lang="en-US" baseline="0" dirty="0"/>
-              <a:t> </a:t>
-            </a:r>
-            <a:r>
-              <a:rPr lang="en-US" baseline="0" dirty="0" err="1"/>
-              <a:t>konto</a:t>
-            </a:r>
-            <a:endParaRPr lang="en-US" baseline="0" dirty="0"/>
-          </a:p>
-          <a:p>
-            <a:r>
-              <a:rPr lang="en-US" baseline="0" dirty="0" err="1"/>
-              <a:t>Fixa</a:t>
-            </a:r>
-            <a:r>
-              <a:rPr lang="en-US" baseline="0" dirty="0"/>
-              <a:t> Azure </a:t>
-            </a:r>
-            <a:r>
-              <a:rPr lang="en-US" baseline="0" dirty="0" err="1"/>
-              <a:t>konto</a:t>
-            </a:r>
             <a:endParaRPr lang="en-GB" dirty="0"/>
           </a:p>
         </p:txBody>
@@ -15981,7 +15811,7 @@
           <a:p>
             <a:fld id="{BA60C446-6CB1-44A3-A74E-6FB4AF0231F5}" type="datetimeFigureOut">
               <a:rPr lang="en-US" smtClean="0"/>
-              <a:t>1/4/2017</a:t>
+              <a:t>2/24/2017</a:t>
             </a:fld>
             <a:endParaRPr lang="en-US"/>
           </a:p>
@@ -17790,6 +17620,13 @@
               <a:rPr lang="sv-SE" dirty="0" err="1"/>
               <a:t>Out-sourcing</a:t>
             </a:r>
+            <a:endParaRPr lang="sv-SE" dirty="0"/>
+          </a:p>
+          <a:p>
+            <a:r>
+              <a:rPr lang="sv-SE" dirty="0"/>
+              <a:t>SOA</a:t>
+            </a:r>
             <a:endParaRPr lang="en-US" dirty="0"/>
           </a:p>
         </p:txBody>
@@ -18033,6 +17870,12 @@
             <a:r>
               <a:rPr lang="sv-SE" dirty="0"/>
               <a:t>Cloud</a:t>
+            </a:r>
+          </a:p>
+          <a:p>
+            <a:r>
+              <a:rPr lang="sv-SE" dirty="0"/>
+              <a:t>Micro services</a:t>
             </a:r>
             <a:endParaRPr lang="en-US" dirty="0"/>
           </a:p>
@@ -18411,6 +18254,20 @@
             <a:pPr lvl="1"/>
             <a:r>
               <a:rPr lang="en-US" dirty="0"/>
+              <a:t>Number</a:t>
+            </a:r>
+          </a:p>
+          <a:p>
+            <a:pPr lvl="1"/>
+            <a:r>
+              <a:rPr lang="en-US" dirty="0"/>
+              <a:t>String</a:t>
+            </a:r>
+          </a:p>
+          <a:p>
+            <a:pPr lvl="1"/>
+            <a:r>
+              <a:rPr lang="en-US" dirty="0"/>
               <a:t>Null</a:t>
             </a:r>
           </a:p>
@@ -18419,20 +18276,6 @@
             <a:r>
               <a:rPr lang="en-US" dirty="0"/>
               <a:t>Undefined</a:t>
-            </a:r>
-          </a:p>
-          <a:p>
-            <a:pPr lvl="1"/>
-            <a:r>
-              <a:rPr lang="en-US" dirty="0"/>
-              <a:t>Number</a:t>
-            </a:r>
-          </a:p>
-          <a:p>
-            <a:pPr lvl="1"/>
-            <a:r>
-              <a:rPr lang="en-US" dirty="0"/>
-              <a:t>String</a:t>
             </a:r>
           </a:p>
           <a:p>
@@ -19438,6 +19281,15 @@
             </a:pPr>
             <a:r>
               <a:rPr lang="sv-SE" dirty="0"/>
+              <a:t>a = 1;</a:t>
+            </a:r>
+          </a:p>
+          <a:p>
+            <a:pPr marL="457200" lvl="1" indent="0">
+              <a:buNone/>
+            </a:pPr>
+            <a:r>
+              <a:rPr lang="sv-SE" dirty="0"/>
               <a:t>a = a + 2;</a:t>
             </a:r>
           </a:p>
@@ -19567,7 +19419,7 @@
         </p:spPr>
         <p:txBody>
           <a:bodyPr vert="horz" lIns="91440" tIns="45720" rIns="91440" bIns="45720" rtlCol="0">
-            <a:normAutofit/>
+            <a:normAutofit fontScale="92500" lnSpcReduction="10000"/>
           </a:bodyPr>
           <a:lstStyle>
             <a:lvl1pPr marL="228600" indent="-228600" algn="l" defTabSz="914400" rtl="0" eaLnBrk="1" latinLnBrk="0" hangingPunct="1">
@@ -19835,7 +19687,71 @@
               <a:rPr lang="sv-SE" dirty="0">
                 <a:latin typeface="Consolas" panose="020B0609020204030204" pitchFamily="49" charset="0"/>
               </a:rPr>
-              <a:t>){…}</a:t>
+              <a:t>){</a:t>
+            </a:r>
+          </a:p>
+          <a:p>
+            <a:pPr marL="0" indent="0">
+              <a:buNone/>
+            </a:pPr>
+            <a:r>
+              <a:rPr lang="sv-SE" dirty="0">
+                <a:latin typeface="Consolas" panose="020B0609020204030204" pitchFamily="49" charset="0"/>
+              </a:rPr>
+              <a:t>  </a:t>
+            </a:r>
+            <a:r>
+              <a:rPr lang="sv-SE" dirty="0">
+                <a:solidFill>
+                  <a:schemeClr val="accent6"/>
+                </a:solidFill>
+                <a:latin typeface="Consolas" panose="020B0609020204030204" pitchFamily="49" charset="0"/>
+              </a:rPr>
+              <a:t>// </a:t>
+            </a:r>
+            <a:r>
+              <a:rPr lang="sv-SE" dirty="0" err="1">
+                <a:solidFill>
+                  <a:schemeClr val="accent6"/>
+                </a:solidFill>
+                <a:latin typeface="Consolas" panose="020B0609020204030204" pitchFamily="49" charset="0"/>
+              </a:rPr>
+              <a:t>handle</a:t>
+            </a:r>
+            <a:r>
+              <a:rPr lang="sv-SE" dirty="0">
+                <a:solidFill>
+                  <a:schemeClr val="accent6"/>
+                </a:solidFill>
+                <a:latin typeface="Consolas" panose="020B0609020204030204" pitchFamily="49" charset="0"/>
+              </a:rPr>
+              <a:t> </a:t>
+            </a:r>
+            <a:r>
+              <a:rPr lang="sv-SE" dirty="0" err="1">
+                <a:solidFill>
+                  <a:schemeClr val="accent6"/>
+                </a:solidFill>
+                <a:latin typeface="Consolas" panose="020B0609020204030204" pitchFamily="49" charset="0"/>
+              </a:rPr>
+              <a:t>error</a:t>
+            </a:r>
+            <a:endParaRPr lang="sv-SE" dirty="0">
+              <a:solidFill>
+                <a:schemeClr val="accent6"/>
+              </a:solidFill>
+              <a:latin typeface="Consolas" panose="020B0609020204030204" pitchFamily="49" charset="0"/>
+            </a:endParaRPr>
+          </a:p>
+          <a:p>
+            <a:pPr marL="0" indent="0">
+              <a:buNone/>
+            </a:pPr>
+            <a:r>
+              <a:rPr lang="sv-SE" dirty="0">
+                <a:latin typeface="Consolas" panose="020B0609020204030204" pitchFamily="49" charset="0"/>
+              </a:rPr>
+              <a:t>}</a:t>
             </a:r>
           </a:p>
         </p:txBody>
@@ -19886,7 +19802,7 @@
                                         <p:tgtEl>
                                           <p:spTgt spid="3">
                                             <p:txEl>
-                                              <p:pRg st="3" end="3"/>
+                                              <p:pRg st="4" end="4"/>
                                             </p:txEl>
                                           </p:spTgt>
                                         </p:tgtEl>
@@ -19904,7 +19820,7 @@
                                         <p:tgtEl>
                                           <p:spTgt spid="3">
                                             <p:txEl>
-                                              <p:pRg st="3" end="3"/>
+                                              <p:pRg st="4" end="4"/>
                                             </p:txEl>
                                           </p:spTgt>
                                         </p:tgtEl>
@@ -19929,7 +19845,7 @@
                                         <p:tgtEl>
                                           <p:spTgt spid="3">
                                             <p:txEl>
-                                              <p:pRg st="4" end="4"/>
+                                              <p:pRg st="5" end="5"/>
                                             </p:txEl>
                                           </p:spTgt>
                                         </p:tgtEl>
@@ -19947,7 +19863,7 @@
                                         <p:tgtEl>
                                           <p:spTgt spid="3">
                                             <p:txEl>
-                                              <p:pRg st="4" end="4"/>
+                                              <p:pRg st="5" end="5"/>
                                             </p:txEl>
                                           </p:spTgt>
                                         </p:tgtEl>
@@ -19972,7 +19888,7 @@
                                         <p:tgtEl>
                                           <p:spTgt spid="3">
                                             <p:txEl>
-                                              <p:pRg st="5" end="5"/>
+                                              <p:pRg st="6" end="6"/>
                                             </p:txEl>
                                           </p:spTgt>
                                         </p:tgtEl>
@@ -19990,7 +19906,7 @@
                                         <p:tgtEl>
                                           <p:spTgt spid="3">
                                             <p:txEl>
-                                              <p:pRg st="5" end="5"/>
+                                              <p:pRg st="6" end="6"/>
                                             </p:txEl>
                                           </p:spTgt>
                                         </p:tgtEl>
@@ -20015,7 +19931,7 @@
                                         <p:tgtEl>
                                           <p:spTgt spid="3">
                                             <p:txEl>
-                                              <p:pRg st="6" end="6"/>
+                                              <p:pRg st="7" end="7"/>
                                             </p:txEl>
                                           </p:spTgt>
                                         </p:tgtEl>
@@ -20033,7 +19949,7 @@
                                         <p:tgtEl>
                                           <p:spTgt spid="3">
                                             <p:txEl>
-                                              <p:pRg st="6" end="6"/>
+                                              <p:pRg st="7" end="7"/>
                                             </p:txEl>
                                           </p:spTgt>
                                         </p:tgtEl>
@@ -20058,7 +19974,7 @@
                                         <p:tgtEl>
                                           <p:spTgt spid="3">
                                             <p:txEl>
-                                              <p:pRg st="7" end="7"/>
+                                              <p:pRg st="8" end="8"/>
                                             </p:txEl>
                                           </p:spTgt>
                                         </p:tgtEl>
@@ -20076,7 +19992,7 @@
                                         <p:tgtEl>
                                           <p:spTgt spid="3">
                                             <p:txEl>
-                                              <p:pRg st="7" end="7"/>
+                                              <p:pRg st="8" end="8"/>
                                             </p:txEl>
                                           </p:spTgt>
                                         </p:tgtEl>
@@ -22551,7 +22467,7 @@
                 </a:solidFill>
                 <a:latin typeface="Consolas" panose="020B0609020204030204" pitchFamily="49" charset="0"/>
               </a:rPr>
-              <a:t> (a = 5; a &gt; 10; a++) {</a:t>
+              <a:t> (a = 5; a &lt; 10; a++) {</a:t>
             </a:r>
           </a:p>
           <a:p>
@@ -23550,7 +23466,7 @@
             <a:pPr algn="ctr"/>
             <a:r>
               <a:rPr lang="en-US" dirty="0"/>
-              <a:t>Accept this</a:t>
+              <a:t>Accept this…</a:t>
             </a:r>
           </a:p>
         </p:txBody>
@@ -26388,6 +26304,165 @@
           </p:txBody>
         </p:sp>
       </p:grpSp>
+      <p:grpSp>
+        <p:nvGrpSpPr>
+          <p:cNvPr id="11" name="Group 10"/>
+          <p:cNvGrpSpPr/>
+          <p:nvPr/>
+        </p:nvGrpSpPr>
+        <p:grpSpPr>
+          <a:xfrm>
+            <a:off x="2755075" y="1306286"/>
+            <a:ext cx="5035138" cy="3028109"/>
+            <a:chOff x="2755075" y="1306286"/>
+            <a:chExt cx="5035138" cy="3028109"/>
+          </a:xfrm>
+        </p:grpSpPr>
+        <p:sp>
+          <p:nvSpPr>
+            <p:cNvPr id="8" name="Rectangle 7"/>
+            <p:cNvSpPr/>
+            <p:nvPr/>
+          </p:nvSpPr>
+          <p:spPr>
+            <a:xfrm>
+              <a:off x="2755075" y="1306286"/>
+              <a:ext cx="5035138" cy="1666864"/>
+            </a:xfrm>
+            <a:prstGeom prst="rect">
+              <a:avLst/>
+            </a:prstGeom>
+            <a:solidFill>
+              <a:schemeClr val="tx1">
+                <a:alpha val="73000"/>
+              </a:schemeClr>
+            </a:solidFill>
+            <a:ln>
+              <a:noFill/>
+            </a:ln>
+          </p:spPr>
+          <p:style>
+            <a:lnRef idx="2">
+              <a:schemeClr val="accent1">
+                <a:shade val="50000"/>
+              </a:schemeClr>
+            </a:lnRef>
+            <a:fillRef idx="1">
+              <a:schemeClr val="accent1"/>
+            </a:fillRef>
+            <a:effectRef idx="0">
+              <a:schemeClr val="accent1"/>
+            </a:effectRef>
+            <a:fontRef idx="minor">
+              <a:schemeClr val="lt1"/>
+            </a:fontRef>
+          </p:style>
+          <p:txBody>
+            <a:bodyPr rtlCol="0" anchor="ctr"/>
+            <a:lstStyle/>
+            <a:p>
+              <a:pPr algn="ctr"/>
+              <a:endParaRPr lang="en-US"/>
+            </a:p>
+          </p:txBody>
+        </p:sp>
+        <p:sp>
+          <p:nvSpPr>
+            <p:cNvPr id="16" name="Rectangle 15"/>
+            <p:cNvSpPr/>
+            <p:nvPr/>
+          </p:nvSpPr>
+          <p:spPr>
+            <a:xfrm>
+              <a:off x="2957620" y="3052814"/>
+              <a:ext cx="866235" cy="470762"/>
+            </a:xfrm>
+            <a:prstGeom prst="rect">
+              <a:avLst/>
+            </a:prstGeom>
+            <a:solidFill>
+              <a:schemeClr val="tx1">
+                <a:alpha val="73000"/>
+              </a:schemeClr>
+            </a:solidFill>
+            <a:ln>
+              <a:noFill/>
+            </a:ln>
+          </p:spPr>
+          <p:style>
+            <a:lnRef idx="2">
+              <a:schemeClr val="accent1">
+                <a:shade val="50000"/>
+              </a:schemeClr>
+            </a:lnRef>
+            <a:fillRef idx="1">
+              <a:schemeClr val="accent1"/>
+            </a:fillRef>
+            <a:effectRef idx="0">
+              <a:schemeClr val="accent1"/>
+            </a:effectRef>
+            <a:fontRef idx="minor">
+              <a:schemeClr val="lt1"/>
+            </a:fontRef>
+          </p:style>
+          <p:txBody>
+            <a:bodyPr rtlCol="0" anchor="ctr"/>
+            <a:lstStyle/>
+            <a:p>
+              <a:pPr algn="ctr"/>
+              <a:endParaRPr lang="en-US"/>
+            </a:p>
+          </p:txBody>
+        </p:sp>
+        <p:sp>
+          <p:nvSpPr>
+            <p:cNvPr id="17" name="Rectangle 16"/>
+            <p:cNvSpPr/>
+            <p:nvPr/>
+          </p:nvSpPr>
+          <p:spPr>
+            <a:xfrm flipV="1">
+              <a:off x="3207665" y="3935413"/>
+              <a:ext cx="866235" cy="398982"/>
+            </a:xfrm>
+            <a:prstGeom prst="rect">
+              <a:avLst/>
+            </a:prstGeom>
+            <a:solidFill>
+              <a:schemeClr val="tx1">
+                <a:alpha val="73000"/>
+              </a:schemeClr>
+            </a:solidFill>
+            <a:ln>
+              <a:noFill/>
+            </a:ln>
+          </p:spPr>
+          <p:style>
+            <a:lnRef idx="2">
+              <a:schemeClr val="accent1">
+                <a:shade val="50000"/>
+              </a:schemeClr>
+            </a:lnRef>
+            <a:fillRef idx="1">
+              <a:schemeClr val="accent1"/>
+            </a:fillRef>
+            <a:effectRef idx="0">
+              <a:schemeClr val="accent1"/>
+            </a:effectRef>
+            <a:fontRef idx="minor">
+              <a:schemeClr val="lt1"/>
+            </a:fontRef>
+          </p:style>
+          <p:txBody>
+            <a:bodyPr rtlCol="0" anchor="ctr"/>
+            <a:lstStyle/>
+            <a:p>
+              <a:pPr algn="ctr"/>
+              <a:endParaRPr lang="en-US"/>
+            </a:p>
+          </p:txBody>
+        </p:sp>
+      </p:grpSp>
     </p:spTree>
     <p:extLst>
       <p:ext uri="{BB962C8B-B14F-4D97-AF65-F5344CB8AC3E}">
@@ -26447,6 +26522,59 @@
                                         <p:cTn id="7" dur="1000"/>
                                         <p:tgtEl>
                                           <p:spTgt spid="15"/>
+                                        </p:tgtEl>
+                                      </p:cBhvr>
+                                    </p:animEffect>
+                                  </p:childTnLst>
+                                </p:cTn>
+                              </p:par>
+                            </p:childTnLst>
+                          </p:cTn>
+                        </p:par>
+                      </p:childTnLst>
+                    </p:cTn>
+                  </p:par>
+                  <p:par>
+                    <p:cTn id="8" fill="hold">
+                      <p:stCondLst>
+                        <p:cond delay="indefinite"/>
+                      </p:stCondLst>
+                      <p:childTnLst>
+                        <p:par>
+                          <p:cTn id="9" fill="hold">
+                            <p:stCondLst>
+                              <p:cond delay="0"/>
+                            </p:stCondLst>
+                            <p:childTnLst>
+                              <p:par>
+                                <p:cTn id="10" presetID="10" presetClass="entr" presetSubtype="0" fill="hold" nodeType="clickEffect">
+                                  <p:stCondLst>
+                                    <p:cond delay="0"/>
+                                  </p:stCondLst>
+                                  <p:childTnLst>
+                                    <p:set>
+                                      <p:cBhvr>
+                                        <p:cTn id="11" dur="1" fill="hold">
+                                          <p:stCondLst>
+                                            <p:cond delay="0"/>
+                                          </p:stCondLst>
+                                        </p:cTn>
+                                        <p:tgtEl>
+                                          <p:spTgt spid="11"/>
+                                        </p:tgtEl>
+                                        <p:attrNameLst>
+                                          <p:attrName>style.visibility</p:attrName>
+                                        </p:attrNameLst>
+                                      </p:cBhvr>
+                                      <p:to>
+                                        <p:strVal val="visible"/>
+                                      </p:to>
+                                    </p:set>
+                                    <p:animEffect transition="in" filter="fade">
+                                      <p:cBhvr>
+                                        <p:cTn id="12" dur="500"/>
+                                        <p:tgtEl>
+                                          <p:spTgt spid="11"/>
                                         </p:tgtEl>
                                       </p:cBhvr>
                                     </p:animEffect>
@@ -41392,12 +41520,772 @@
       </p:sp>
       <p:sp>
         <p:nvSpPr>
-          <p:cNvPr id="3" name="Content Placeholder 2"/>
+          <p:cNvPr id="4" name="Rectangle: Rounded Corners 3"/>
+          <p:cNvSpPr/>
+          <p:nvPr/>
+        </p:nvSpPr>
+        <p:spPr>
+          <a:xfrm>
+            <a:off x="2346400" y="2378758"/>
+            <a:ext cx="1526796" cy="461395"/>
+          </a:xfrm>
+          <a:prstGeom prst="roundRect">
+            <a:avLst/>
+          </a:prstGeom>
+          <a:noFill/>
+          <a:ln>
+            <a:solidFill>
+              <a:schemeClr val="tx1"/>
+            </a:solidFill>
+          </a:ln>
+        </p:spPr>
+        <p:style>
+          <a:lnRef idx="2">
+            <a:schemeClr val="accent1">
+              <a:shade val="50000"/>
+            </a:schemeClr>
+          </a:lnRef>
+          <a:fillRef idx="1">
+            <a:schemeClr val="accent1"/>
+          </a:fillRef>
+          <a:effectRef idx="0">
+            <a:schemeClr val="accent1"/>
+          </a:effectRef>
+          <a:fontRef idx="minor">
+            <a:schemeClr val="lt1"/>
+          </a:fontRef>
+        </p:style>
+        <p:txBody>
+          <a:bodyPr rtlCol="0" anchor="ctr"/>
+          <a:lstStyle/>
+          <a:p>
+            <a:pPr algn="ctr"/>
+            <a:r>
+              <a:rPr lang="sv-SE" dirty="0"/>
+              <a:t>User/Browser</a:t>
+            </a:r>
+            <a:endParaRPr lang="en-US" dirty="0"/>
+          </a:p>
+        </p:txBody>
+      </p:sp>
+      <p:sp>
+        <p:nvSpPr>
+          <p:cNvPr id="5" name="Rectangle: Rounded Corners 4"/>
+          <p:cNvSpPr/>
+          <p:nvPr/>
+        </p:nvSpPr>
+        <p:spPr>
+          <a:xfrm>
+            <a:off x="4273772" y="2370369"/>
+            <a:ext cx="1567342" cy="461395"/>
+          </a:xfrm>
+          <a:prstGeom prst="roundRect">
+            <a:avLst/>
+          </a:prstGeom>
+          <a:noFill/>
+          <a:ln>
+            <a:solidFill>
+              <a:schemeClr val="tx1"/>
+            </a:solidFill>
+          </a:ln>
+        </p:spPr>
+        <p:style>
+          <a:lnRef idx="2">
+            <a:schemeClr val="accent1">
+              <a:shade val="50000"/>
+            </a:schemeClr>
+          </a:lnRef>
+          <a:fillRef idx="1">
+            <a:schemeClr val="accent1"/>
+          </a:fillRef>
+          <a:effectRef idx="0">
+            <a:schemeClr val="accent1"/>
+          </a:effectRef>
+          <a:fontRef idx="minor">
+            <a:schemeClr val="lt1"/>
+          </a:fontRef>
+        </p:style>
+        <p:txBody>
+          <a:bodyPr rtlCol="0" anchor="ctr"/>
+          <a:lstStyle/>
+          <a:p>
+            <a:pPr algn="ctr"/>
+            <a:r>
+              <a:rPr lang="sv-SE" dirty="0"/>
+              <a:t>Controller/API</a:t>
+            </a:r>
+            <a:endParaRPr lang="en-US" dirty="0"/>
+          </a:p>
+        </p:txBody>
+      </p:sp>
+      <p:sp>
+        <p:nvSpPr>
+          <p:cNvPr id="6" name="Rectangle: Rounded Corners 5"/>
+          <p:cNvSpPr/>
+          <p:nvPr/>
+        </p:nvSpPr>
+        <p:spPr>
+          <a:xfrm>
+            <a:off x="6312997" y="2370369"/>
+            <a:ext cx="1384183" cy="461395"/>
+          </a:xfrm>
+          <a:prstGeom prst="roundRect">
+            <a:avLst/>
+          </a:prstGeom>
+          <a:noFill/>
+          <a:ln>
+            <a:solidFill>
+              <a:schemeClr val="tx1"/>
+            </a:solidFill>
+          </a:ln>
+        </p:spPr>
+        <p:style>
+          <a:lnRef idx="2">
+            <a:schemeClr val="accent1">
+              <a:shade val="50000"/>
+            </a:schemeClr>
+          </a:lnRef>
+          <a:fillRef idx="1">
+            <a:schemeClr val="accent1"/>
+          </a:fillRef>
+          <a:effectRef idx="0">
+            <a:schemeClr val="accent1"/>
+          </a:effectRef>
+          <a:fontRef idx="minor">
+            <a:schemeClr val="lt1"/>
+          </a:fontRef>
+        </p:style>
+        <p:txBody>
+          <a:bodyPr rtlCol="0" anchor="ctr"/>
+          <a:lstStyle/>
+          <a:p>
+            <a:pPr algn="ctr"/>
+            <a:r>
+              <a:rPr lang="sv-SE" dirty="0" err="1"/>
+              <a:t>Model</a:t>
+            </a:r>
+            <a:endParaRPr lang="en-US" dirty="0"/>
+          </a:p>
+        </p:txBody>
+      </p:sp>
+      <p:sp>
+        <p:nvSpPr>
+          <p:cNvPr id="7" name="Rectangle: Rounded Corners 6"/>
+          <p:cNvSpPr/>
+          <p:nvPr/>
+        </p:nvSpPr>
+        <p:spPr>
+          <a:xfrm>
+            <a:off x="8260642" y="2370369"/>
+            <a:ext cx="1384183" cy="461395"/>
+          </a:xfrm>
+          <a:prstGeom prst="roundRect">
+            <a:avLst/>
+          </a:prstGeom>
+          <a:noFill/>
+          <a:ln>
+            <a:solidFill>
+              <a:schemeClr val="tx1"/>
+            </a:solidFill>
+          </a:ln>
+        </p:spPr>
+        <p:style>
+          <a:lnRef idx="2">
+            <a:schemeClr val="accent1">
+              <a:shade val="50000"/>
+            </a:schemeClr>
+          </a:lnRef>
+          <a:fillRef idx="1">
+            <a:schemeClr val="accent1"/>
+          </a:fillRef>
+          <a:effectRef idx="0">
+            <a:schemeClr val="accent1"/>
+          </a:effectRef>
+          <a:fontRef idx="minor">
+            <a:schemeClr val="lt1"/>
+          </a:fontRef>
+        </p:style>
+        <p:txBody>
+          <a:bodyPr rtlCol="0" anchor="ctr"/>
+          <a:lstStyle/>
+          <a:p>
+            <a:pPr algn="ctr"/>
+            <a:r>
+              <a:rPr lang="sv-SE" dirty="0" err="1"/>
+              <a:t>View</a:t>
+            </a:r>
+            <a:endParaRPr lang="en-US" dirty="0"/>
+          </a:p>
+        </p:txBody>
+      </p:sp>
+      <p:cxnSp>
+        <p:nvCxnSpPr>
+          <p:cNvPr id="11" name="Straight Connector 10"/>
+          <p:cNvCxnSpPr>
+            <a:stCxn id="4" idx="2"/>
+          </p:cNvCxnSpPr>
+          <p:nvPr/>
+        </p:nvCxnSpPr>
+        <p:spPr>
+          <a:xfrm>
+            <a:off x="3109798" y="2840153"/>
+            <a:ext cx="0" cy="2877423"/>
+          </a:xfrm>
+          <a:prstGeom prst="line">
+            <a:avLst/>
+          </a:prstGeom>
+          <a:ln w="19050">
+            <a:solidFill>
+              <a:schemeClr val="tx1"/>
+            </a:solidFill>
+          </a:ln>
+        </p:spPr>
+        <p:style>
+          <a:lnRef idx="1">
+            <a:schemeClr val="accent1"/>
+          </a:lnRef>
+          <a:fillRef idx="0">
+            <a:schemeClr val="accent1"/>
+          </a:fillRef>
+          <a:effectRef idx="0">
+            <a:schemeClr val="accent1"/>
+          </a:effectRef>
+          <a:fontRef idx="minor">
+            <a:schemeClr val="tx1"/>
+          </a:fontRef>
+        </p:style>
+      </p:cxnSp>
+      <p:cxnSp>
+        <p:nvCxnSpPr>
+          <p:cNvPr id="12" name="Straight Connector 11"/>
+          <p:cNvCxnSpPr/>
+          <p:nvPr/>
+        </p:nvCxnSpPr>
+        <p:spPr>
+          <a:xfrm flipH="1">
+            <a:off x="5057443" y="2823375"/>
+            <a:ext cx="1" cy="2894201"/>
+          </a:xfrm>
+          <a:prstGeom prst="line">
+            <a:avLst/>
+          </a:prstGeom>
+          <a:ln w="19050">
+            <a:solidFill>
+              <a:schemeClr val="tx1"/>
+            </a:solidFill>
+          </a:ln>
+        </p:spPr>
+        <p:style>
+          <a:lnRef idx="1">
+            <a:schemeClr val="accent1"/>
+          </a:lnRef>
+          <a:fillRef idx="0">
+            <a:schemeClr val="accent1"/>
+          </a:fillRef>
+          <a:effectRef idx="0">
+            <a:schemeClr val="accent1"/>
+          </a:effectRef>
+          <a:fontRef idx="minor">
+            <a:schemeClr val="tx1"/>
+          </a:fontRef>
+        </p:style>
+      </p:cxnSp>
+      <p:cxnSp>
+        <p:nvCxnSpPr>
+          <p:cNvPr id="13" name="Straight Connector 12"/>
+          <p:cNvCxnSpPr>
+            <a:stCxn id="6" idx="2"/>
+          </p:cNvCxnSpPr>
+          <p:nvPr/>
+        </p:nvCxnSpPr>
+        <p:spPr>
+          <a:xfrm flipH="1">
+            <a:off x="7005088" y="2831764"/>
+            <a:ext cx="1" cy="2818700"/>
+          </a:xfrm>
+          <a:prstGeom prst="line">
+            <a:avLst/>
+          </a:prstGeom>
+          <a:ln w="19050">
+            <a:solidFill>
+              <a:schemeClr val="tx1"/>
+            </a:solidFill>
+          </a:ln>
+        </p:spPr>
+        <p:style>
+          <a:lnRef idx="1">
+            <a:schemeClr val="accent1"/>
+          </a:lnRef>
+          <a:fillRef idx="0">
+            <a:schemeClr val="accent1"/>
+          </a:fillRef>
+          <a:effectRef idx="0">
+            <a:schemeClr val="accent1"/>
+          </a:effectRef>
+          <a:fontRef idx="minor">
+            <a:schemeClr val="tx1"/>
+          </a:fontRef>
+        </p:style>
+      </p:cxnSp>
+      <p:cxnSp>
+        <p:nvCxnSpPr>
+          <p:cNvPr id="14" name="Straight Connector 13"/>
+          <p:cNvCxnSpPr>
+            <a:stCxn id="7" idx="2"/>
+          </p:cNvCxnSpPr>
+          <p:nvPr/>
+        </p:nvCxnSpPr>
+        <p:spPr>
+          <a:xfrm>
+            <a:off x="8952734" y="2831764"/>
+            <a:ext cx="0" cy="2818700"/>
+          </a:xfrm>
+          <a:prstGeom prst="line">
+            <a:avLst/>
+          </a:prstGeom>
+          <a:ln w="19050">
+            <a:solidFill>
+              <a:schemeClr val="tx1"/>
+            </a:solidFill>
+          </a:ln>
+        </p:spPr>
+        <p:style>
+          <a:lnRef idx="1">
+            <a:schemeClr val="accent1"/>
+          </a:lnRef>
+          <a:fillRef idx="0">
+            <a:schemeClr val="accent1"/>
+          </a:fillRef>
+          <a:effectRef idx="0">
+            <a:schemeClr val="accent1"/>
+          </a:effectRef>
+          <a:fontRef idx="minor">
+            <a:schemeClr val="tx1"/>
+          </a:fontRef>
+        </p:style>
+      </p:cxnSp>
+      <p:cxnSp>
+        <p:nvCxnSpPr>
+          <p:cNvPr id="19" name="Straight Arrow Connector 18"/>
+          <p:cNvCxnSpPr/>
+          <p:nvPr/>
+        </p:nvCxnSpPr>
+        <p:spPr>
+          <a:xfrm>
+            <a:off x="3109798" y="3284770"/>
+            <a:ext cx="1947645" cy="8389"/>
+          </a:xfrm>
+          <a:prstGeom prst="straightConnector1">
+            <a:avLst/>
+          </a:prstGeom>
+          <a:ln w="19050">
+            <a:solidFill>
+              <a:schemeClr val="tx1"/>
+            </a:solidFill>
+            <a:headEnd type="none" w="med" len="med"/>
+            <a:tailEnd type="triangle" w="med" len="med"/>
+          </a:ln>
+        </p:spPr>
+        <p:style>
+          <a:lnRef idx="1">
+            <a:schemeClr val="accent1"/>
+          </a:lnRef>
+          <a:fillRef idx="0">
+            <a:schemeClr val="accent1"/>
+          </a:fillRef>
+          <a:effectRef idx="0">
+            <a:schemeClr val="accent1"/>
+          </a:effectRef>
+          <a:fontRef idx="minor">
+            <a:schemeClr val="tx1"/>
+          </a:fontRef>
+        </p:style>
+      </p:cxnSp>
+      <p:cxnSp>
+        <p:nvCxnSpPr>
+          <p:cNvPr id="20" name="Straight Arrow Connector 19"/>
+          <p:cNvCxnSpPr/>
+          <p:nvPr/>
+        </p:nvCxnSpPr>
+        <p:spPr>
+          <a:xfrm>
+            <a:off x="5057443" y="3663673"/>
+            <a:ext cx="1947645" cy="8389"/>
+          </a:xfrm>
+          <a:prstGeom prst="straightConnector1">
+            <a:avLst/>
+          </a:prstGeom>
+          <a:ln w="19050">
+            <a:solidFill>
+              <a:schemeClr val="tx1"/>
+            </a:solidFill>
+            <a:headEnd type="none" w="med" len="med"/>
+            <a:tailEnd type="triangle" w="med" len="med"/>
+          </a:ln>
+        </p:spPr>
+        <p:style>
+          <a:lnRef idx="1">
+            <a:schemeClr val="accent1"/>
+          </a:lnRef>
+          <a:fillRef idx="0">
+            <a:schemeClr val="accent1"/>
+          </a:fillRef>
+          <a:effectRef idx="0">
+            <a:schemeClr val="accent1"/>
+          </a:effectRef>
+          <a:fontRef idx="minor">
+            <a:schemeClr val="tx1"/>
+          </a:fontRef>
+        </p:style>
+      </p:cxnSp>
+      <p:cxnSp>
+        <p:nvCxnSpPr>
+          <p:cNvPr id="21" name="Straight Arrow Connector 20"/>
+          <p:cNvCxnSpPr/>
+          <p:nvPr/>
+        </p:nvCxnSpPr>
+        <p:spPr>
+          <a:xfrm>
+            <a:off x="7005088" y="4042576"/>
+            <a:ext cx="1947645" cy="8389"/>
+          </a:xfrm>
+          <a:prstGeom prst="straightConnector1">
+            <a:avLst/>
+          </a:prstGeom>
+          <a:ln w="19050">
+            <a:solidFill>
+              <a:schemeClr val="tx1"/>
+            </a:solidFill>
+            <a:headEnd type="none" w="med" len="med"/>
+            <a:tailEnd type="triangle" w="med" len="med"/>
+          </a:ln>
+        </p:spPr>
+        <p:style>
+          <a:lnRef idx="1">
+            <a:schemeClr val="accent1"/>
+          </a:lnRef>
+          <a:fillRef idx="0">
+            <a:schemeClr val="accent1"/>
+          </a:fillRef>
+          <a:effectRef idx="0">
+            <a:schemeClr val="accent1"/>
+          </a:effectRef>
+          <a:fontRef idx="minor">
+            <a:schemeClr val="tx1"/>
+          </a:fontRef>
+        </p:style>
+      </p:cxnSp>
+      <p:cxnSp>
+        <p:nvCxnSpPr>
+          <p:cNvPr id="22" name="Straight Arrow Connector 21"/>
+          <p:cNvCxnSpPr/>
+          <p:nvPr/>
+        </p:nvCxnSpPr>
+        <p:spPr>
+          <a:xfrm flipH="1">
+            <a:off x="3109798" y="4421479"/>
+            <a:ext cx="5842935" cy="0"/>
+          </a:xfrm>
+          <a:prstGeom prst="straightConnector1">
+            <a:avLst/>
+          </a:prstGeom>
+          <a:ln w="19050">
+            <a:solidFill>
+              <a:schemeClr val="tx1"/>
+            </a:solidFill>
+            <a:prstDash val="dash"/>
+            <a:headEnd type="none" w="med" len="med"/>
+            <a:tailEnd type="triangle" w="med" len="med"/>
+          </a:ln>
+        </p:spPr>
+        <p:style>
+          <a:lnRef idx="1">
+            <a:schemeClr val="accent1"/>
+          </a:lnRef>
+          <a:fillRef idx="0">
+            <a:schemeClr val="accent1"/>
+          </a:fillRef>
+          <a:effectRef idx="0">
+            <a:schemeClr val="accent1"/>
+          </a:effectRef>
+          <a:fontRef idx="minor">
+            <a:schemeClr val="tx1"/>
+          </a:fontRef>
+        </p:style>
+      </p:cxnSp>
+      <p:cxnSp>
+        <p:nvCxnSpPr>
+          <p:cNvPr id="26" name="Straight Arrow Connector 25"/>
+          <p:cNvCxnSpPr/>
+          <p:nvPr/>
+        </p:nvCxnSpPr>
+        <p:spPr>
+          <a:xfrm>
+            <a:off x="3109797" y="4872387"/>
+            <a:ext cx="1947645" cy="8389"/>
+          </a:xfrm>
+          <a:prstGeom prst="straightConnector1">
+            <a:avLst/>
+          </a:prstGeom>
+          <a:ln w="19050">
+            <a:solidFill>
+              <a:schemeClr val="tx1"/>
+            </a:solidFill>
+            <a:headEnd type="none" w="med" len="med"/>
+            <a:tailEnd type="triangle" w="med" len="med"/>
+          </a:ln>
+        </p:spPr>
+        <p:style>
+          <a:lnRef idx="1">
+            <a:schemeClr val="accent1"/>
+          </a:lnRef>
+          <a:fillRef idx="0">
+            <a:schemeClr val="accent1"/>
+          </a:fillRef>
+          <a:effectRef idx="0">
+            <a:schemeClr val="accent1"/>
+          </a:effectRef>
+          <a:fontRef idx="minor">
+            <a:schemeClr val="tx1"/>
+          </a:fontRef>
+        </p:style>
+      </p:cxnSp>
+      <p:cxnSp>
+        <p:nvCxnSpPr>
+          <p:cNvPr id="27" name="Straight Arrow Connector 26"/>
+          <p:cNvCxnSpPr/>
+          <p:nvPr/>
+        </p:nvCxnSpPr>
+        <p:spPr>
+          <a:xfrm flipH="1" flipV="1">
+            <a:off x="3109798" y="5177886"/>
+            <a:ext cx="1947644" cy="11184"/>
+          </a:xfrm>
+          <a:prstGeom prst="straightConnector1">
+            <a:avLst/>
+          </a:prstGeom>
+          <a:ln w="19050">
+            <a:solidFill>
+              <a:schemeClr val="tx1"/>
+            </a:solidFill>
+            <a:prstDash val="dash"/>
+            <a:headEnd type="none" w="med" len="med"/>
+            <a:tailEnd type="triangle" w="med" len="med"/>
+          </a:ln>
+        </p:spPr>
+        <p:style>
+          <a:lnRef idx="1">
+            <a:schemeClr val="accent1"/>
+          </a:lnRef>
+          <a:fillRef idx="0">
+            <a:schemeClr val="accent1"/>
+          </a:fillRef>
+          <a:effectRef idx="0">
+            <a:schemeClr val="accent1"/>
+          </a:effectRef>
+          <a:fontRef idx="minor">
+            <a:schemeClr val="tx1"/>
+          </a:fontRef>
+        </p:style>
+      </p:cxnSp>
+      <p:sp>
+        <p:nvSpPr>
+          <p:cNvPr id="29" name="TextBox 28"/>
+          <p:cNvSpPr txBox="1"/>
+          <p:nvPr/>
+        </p:nvSpPr>
+        <p:spPr>
+          <a:xfrm>
+            <a:off x="1048512" y="1044806"/>
+            <a:ext cx="3003964" cy="584775"/>
+          </a:xfrm>
+          <a:prstGeom prst="rect">
+            <a:avLst/>
+          </a:prstGeom>
+          <a:noFill/>
+        </p:spPr>
+        <p:txBody>
+          <a:bodyPr wrap="none" rtlCol="0">
+            <a:spAutoFit/>
+          </a:bodyPr>
+          <a:lstStyle/>
+          <a:p>
+            <a:r>
+              <a:rPr lang="en-US" sz="3200" dirty="0">
+                <a:latin typeface="Segoe UI Light" panose="020B0502040204020203" pitchFamily="34" charset="0"/>
+                <a:ea typeface="+mj-ea"/>
+                <a:cs typeface="Segoe UI Light" panose="020B0502040204020203" pitchFamily="34" charset="0"/>
+              </a:rPr>
+              <a:t>MVC application</a:t>
+            </a:r>
+          </a:p>
+        </p:txBody>
+      </p:sp>
+    </p:spTree>
+    <p:extLst>
+      <p:ext uri="{BB962C8B-B14F-4D97-AF65-F5344CB8AC3E}">
+        <p14:creationId xmlns:p14="http://schemas.microsoft.com/office/powerpoint/2010/main" val="2550201195"/>
+      </p:ext>
+    </p:extLst>
+  </p:cSld>
+  <p:clrMapOvr>
+    <a:masterClrMapping/>
+  </p:clrMapOvr>
+  <p:timing>
+    <p:tnLst>
+      <p:par>
+        <p:cTn id="1" dur="indefinite" restart="never" nodeType="tmRoot">
+          <p:childTnLst>
+            <p:seq concurrent="1" nextAc="seek">
+              <p:cTn id="2" dur="indefinite" nodeType="mainSeq">
+                <p:childTnLst>
+                  <p:par>
+                    <p:cTn id="3" fill="hold">
+                      <p:stCondLst>
+                        <p:cond delay="indefinite"/>
+                      </p:stCondLst>
+                      <p:childTnLst>
+                        <p:par>
+                          <p:cTn id="4" fill="hold">
+                            <p:stCondLst>
+                              <p:cond delay="0"/>
+                            </p:stCondLst>
+                            <p:childTnLst>
+                              <p:par>
+                                <p:cTn id="5" presetID="10" presetClass="entr" presetSubtype="0" fill="hold" nodeType="clickEffect">
+                                  <p:stCondLst>
+                                    <p:cond delay="0"/>
+                                  </p:stCondLst>
+                                  <p:childTnLst>
+                                    <p:set>
+                                      <p:cBhvr>
+                                        <p:cTn id="6" dur="1" fill="hold">
+                                          <p:stCondLst>
+                                            <p:cond delay="0"/>
+                                          </p:stCondLst>
+                                        </p:cTn>
+                                        <p:tgtEl>
+                                          <p:spTgt spid="26"/>
+                                        </p:tgtEl>
+                                        <p:attrNameLst>
+                                          <p:attrName>style.visibility</p:attrName>
+                                        </p:attrNameLst>
+                                      </p:cBhvr>
+                                      <p:to>
+                                        <p:strVal val="visible"/>
+                                      </p:to>
+                                    </p:set>
+                                    <p:animEffect transition="in" filter="fade">
+                                      <p:cBhvr>
+                                        <p:cTn id="7" dur="500"/>
+                                        <p:tgtEl>
+                                          <p:spTgt spid="26"/>
+                                        </p:tgtEl>
+                                      </p:cBhvr>
+                                    </p:animEffect>
+                                  </p:childTnLst>
+                                </p:cTn>
+                              </p:par>
+                            </p:childTnLst>
+                          </p:cTn>
+                        </p:par>
+                        <p:par>
+                          <p:cTn id="8" fill="hold">
+                            <p:stCondLst>
+                              <p:cond delay="500"/>
+                            </p:stCondLst>
+                            <p:childTnLst>
+                              <p:par>
+                                <p:cTn id="9" presetID="10" presetClass="entr" presetSubtype="0" fill="hold" nodeType="afterEffect">
+                                  <p:stCondLst>
+                                    <p:cond delay="500"/>
+                                  </p:stCondLst>
+                                  <p:childTnLst>
+                                    <p:set>
+                                      <p:cBhvr>
+                                        <p:cTn id="10" dur="1" fill="hold">
+                                          <p:stCondLst>
+                                            <p:cond delay="0"/>
+                                          </p:stCondLst>
+                                        </p:cTn>
+                                        <p:tgtEl>
+                                          <p:spTgt spid="27"/>
+                                        </p:tgtEl>
+                                        <p:attrNameLst>
+                                          <p:attrName>style.visibility</p:attrName>
+                                        </p:attrNameLst>
+                                      </p:cBhvr>
+                                      <p:to>
+                                        <p:strVal val="visible"/>
+                                      </p:to>
+                                    </p:set>
+                                    <p:animEffect transition="in" filter="fade">
+                                      <p:cBhvr>
+                                        <p:cTn id="11" dur="500"/>
+                                        <p:tgtEl>
+                                          <p:spTgt spid="27"/>
+                                        </p:tgtEl>
+                                      </p:cBhvr>
+                                    </p:animEffect>
+                                  </p:childTnLst>
+                                </p:cTn>
+                              </p:par>
+                            </p:childTnLst>
+                          </p:cTn>
+                        </p:par>
+                      </p:childTnLst>
+                    </p:cTn>
+                  </p:par>
+                </p:childTnLst>
+              </p:cTn>
+              <p:prevCondLst>
+                <p:cond evt="onPrev" delay="0">
+                  <p:tgtEl>
+                    <p:sldTgt/>
+                  </p:tgtEl>
+                </p:cond>
+              </p:prevCondLst>
+              <p:nextCondLst>
+                <p:cond evt="onNext" delay="0">
+                  <p:tgtEl>
+                    <p:sldTgt/>
+                  </p:tgtEl>
+                </p:cond>
+              </p:nextCondLst>
+            </p:seq>
+          </p:childTnLst>
+        </p:cTn>
+      </p:par>
+    </p:tnLst>
+  </p:timing>
+</p:sld>
+</file>
+
+<file path=ppt/slides/slide66.xml><?xml version="1.0" encoding="utf-8"?>
+<p:sld xmlns:a="http://schemas.openxmlformats.org/drawingml/2006/main" xmlns:r="http://schemas.openxmlformats.org/officeDocument/2006/relationships" xmlns:p="http://schemas.openxmlformats.org/presentationml/2006/main">
+  <p:cSld>
+    <p:spTree>
+      <p:nvGrpSpPr>
+        <p:cNvPr id="1" name=""/>
+        <p:cNvGrpSpPr/>
+        <p:nvPr/>
+      </p:nvGrpSpPr>
+      <p:grpSpPr>
+        <a:xfrm>
+          <a:off x="0" y="0"/>
+          <a:ext cx="0" cy="0"/>
+          <a:chOff x="0" y="0"/>
+          <a:chExt cx="0" cy="0"/>
+        </a:xfrm>
+      </p:grpSpPr>
+      <p:sp>
+        <p:nvSpPr>
+          <p:cNvPr id="2" name="Title 1"/>
           <p:cNvSpPr>
             <a:spLocks noGrp="1"/>
           </p:cNvSpPr>
           <p:nvPr>
-            <p:ph idx="1"/>
+            <p:ph type="title"/>
           </p:nvPr>
         </p:nvSpPr>
         <p:spPr/>
@@ -41405,14 +42293,3578 @@
           <a:bodyPr/>
           <a:lstStyle/>
           <a:p>
+            <a:r>
+              <a:rPr lang="en-US"/>
+              <a:t>Building Web apps using Node.js</a:t>
+            </a:r>
+          </a:p>
+        </p:txBody>
+      </p:sp>
+      <p:sp>
+        <p:nvSpPr>
+          <p:cNvPr id="29" name="TextBox 28"/>
+          <p:cNvSpPr txBox="1"/>
+          <p:nvPr/>
+        </p:nvSpPr>
+        <p:spPr>
+          <a:xfrm>
+            <a:off x="1048512" y="1044806"/>
+            <a:ext cx="2438488" cy="584775"/>
+          </a:xfrm>
+          <a:prstGeom prst="rect">
+            <a:avLst/>
+          </a:prstGeom>
+          <a:noFill/>
+        </p:spPr>
+        <p:txBody>
+          <a:bodyPr wrap="none" rtlCol="0">
+            <a:spAutoFit/>
+          </a:bodyPr>
+          <a:lstStyle/>
+          <a:p>
+            <a:r>
+              <a:rPr lang="en-US" sz="3200" dirty="0">
+                <a:latin typeface="Segoe UI Light" panose="020B0502040204020203" pitchFamily="34" charset="0"/>
+                <a:ea typeface="+mj-ea"/>
+                <a:cs typeface="Segoe UI Light" panose="020B0502040204020203" pitchFamily="34" charset="0"/>
+              </a:rPr>
+              <a:t>View Engines</a:t>
+            </a:r>
+          </a:p>
+        </p:txBody>
+      </p:sp>
+      <p:pic>
+        <p:nvPicPr>
+          <p:cNvPr id="18" name="Picture 2" descr="C:\Users\wmmih\AppData\Local\Temp\SNAGHTML1288bdde.PNG"/>
+          <p:cNvPicPr>
+            <a:picLocks noChangeAspect="1" noChangeArrowheads="1"/>
+          </p:cNvPicPr>
+          <p:nvPr/>
+        </p:nvPicPr>
+        <p:blipFill>
+          <a:blip r:embed="rId2">
+            <a:extLst>
+              <a:ext uri="{28A0092B-C50C-407E-A947-70E740481C1C}">
+                <a14:useLocalDpi xmlns:a14="http://schemas.microsoft.com/office/drawing/2010/main" val="0"/>
+              </a:ext>
+            </a:extLst>
+          </a:blip>
+          <a:srcRect/>
+          <a:stretch>
+            <a:fillRect/>
+          </a:stretch>
+        </p:blipFill>
+        <p:spPr bwMode="auto">
+          <a:xfrm>
+            <a:off x="777561" y="2876976"/>
+            <a:ext cx="4900863" cy="3073897"/>
+          </a:xfrm>
+          <a:prstGeom prst="rect">
+            <a:avLst/>
+          </a:prstGeom>
+          <a:noFill/>
+          <a:extLst>
+            <a:ext uri="{909E8E84-426E-40DD-AFC4-6F175D3DCCD1}">
+              <a14:hiddenFill xmlns:a14="http://schemas.microsoft.com/office/drawing/2010/main">
+                <a:solidFill>
+                  <a:srgbClr val="FFFFFF"/>
+                </a:solidFill>
+              </a14:hiddenFill>
+            </a:ext>
+          </a:extLst>
+        </p:spPr>
+      </p:pic>
+      <p:sp>
+        <p:nvSpPr>
+          <p:cNvPr id="3" name="TextBox 2"/>
+          <p:cNvSpPr txBox="1"/>
+          <p:nvPr/>
+        </p:nvSpPr>
+        <p:spPr>
+          <a:xfrm>
+            <a:off x="1086772" y="3580993"/>
+            <a:ext cx="4282440" cy="2369880"/>
+          </a:xfrm>
+          <a:prstGeom prst="rect">
+            <a:avLst/>
+          </a:prstGeom>
+          <a:noFill/>
+        </p:spPr>
+        <p:txBody>
+          <a:bodyPr wrap="square" rtlCol="0">
+            <a:spAutoFit/>
+          </a:bodyPr>
+          <a:lstStyle/>
+          <a:p>
+            <a:r>
+              <a:rPr lang="en-US" sz="1600" dirty="0" err="1">
+                <a:solidFill>
+                  <a:srgbClr val="000000"/>
+                </a:solidFill>
+                <a:latin typeface="Consolas" panose="020B0609020204030204" pitchFamily="49" charset="0"/>
+              </a:rPr>
+              <a:t>app.get</a:t>
+            </a:r>
+            <a:r>
+              <a:rPr lang="en-US" sz="1600" dirty="0">
+                <a:solidFill>
+                  <a:srgbClr val="000000"/>
+                </a:solidFill>
+                <a:latin typeface="Consolas" panose="020B0609020204030204" pitchFamily="49" charset="0"/>
+              </a:rPr>
+              <a:t>(</a:t>
+            </a:r>
+            <a:r>
+              <a:rPr lang="en-US" sz="1600" dirty="0">
+                <a:solidFill>
+                  <a:srgbClr val="FF0000"/>
+                </a:solidFill>
+                <a:latin typeface="Consolas" panose="020B0609020204030204" pitchFamily="49" charset="0"/>
+              </a:rPr>
+              <a:t>"/home"</a:t>
+            </a:r>
+            <a:r>
+              <a:rPr lang="en-US" sz="1600" dirty="0">
+                <a:solidFill>
+                  <a:srgbClr val="000000"/>
+                </a:solidFill>
+                <a:latin typeface="Consolas" panose="020B0609020204030204" pitchFamily="49" charset="0"/>
+              </a:rPr>
+              <a:t>, </a:t>
+            </a:r>
+            <a:r>
+              <a:rPr lang="en-US" sz="1600" dirty="0">
+                <a:solidFill>
+                  <a:srgbClr val="0000FF"/>
+                </a:solidFill>
+                <a:latin typeface="Consolas" panose="020B0609020204030204" pitchFamily="49" charset="0"/>
+              </a:rPr>
+              <a:t>function</a:t>
+            </a:r>
+            <a:r>
+              <a:rPr lang="en-US" sz="1600" dirty="0">
+                <a:solidFill>
+                  <a:srgbClr val="000000"/>
+                </a:solidFill>
+                <a:latin typeface="Consolas" panose="020B0609020204030204" pitchFamily="49" charset="0"/>
+              </a:rPr>
+              <a:t>(</a:t>
+            </a:r>
+            <a:r>
+              <a:rPr lang="en-US" sz="1600" dirty="0" err="1">
+                <a:solidFill>
+                  <a:srgbClr val="000000"/>
+                </a:solidFill>
+                <a:latin typeface="Consolas" panose="020B0609020204030204" pitchFamily="49" charset="0"/>
+              </a:rPr>
+              <a:t>req,res</a:t>
+            </a:r>
+            <a:r>
+              <a:rPr lang="en-US" sz="1600" dirty="0">
+                <a:solidFill>
+                  <a:srgbClr val="000000"/>
+                </a:solidFill>
+                <a:latin typeface="Consolas" panose="020B0609020204030204" pitchFamily="49" charset="0"/>
+              </a:rPr>
+              <a:t>){</a:t>
+            </a:r>
+          </a:p>
+          <a:p>
+            <a:endParaRPr lang="en-US" sz="1600" dirty="0">
+              <a:solidFill>
+                <a:srgbClr val="000000"/>
+              </a:solidFill>
+              <a:latin typeface="Consolas" panose="020B0609020204030204" pitchFamily="49" charset="0"/>
+            </a:endParaRPr>
+          </a:p>
+          <a:p>
+            <a:r>
+              <a:rPr lang="en-US" sz="1600" dirty="0">
+                <a:solidFill>
+                  <a:srgbClr val="000000"/>
+                </a:solidFill>
+                <a:latin typeface="Consolas" panose="020B0609020204030204" pitchFamily="49" charset="0"/>
+              </a:rPr>
+              <a:t>    </a:t>
+            </a:r>
+            <a:r>
+              <a:rPr lang="en-US" sz="1600" dirty="0" err="1">
+                <a:solidFill>
+                  <a:srgbClr val="0000FF"/>
+                </a:solidFill>
+                <a:latin typeface="Consolas" panose="020B0609020204030204" pitchFamily="49" charset="0"/>
+              </a:rPr>
+              <a:t>var</a:t>
+            </a:r>
+            <a:r>
+              <a:rPr lang="en-US" sz="1600" dirty="0">
+                <a:solidFill>
+                  <a:srgbClr val="000000"/>
+                </a:solidFill>
+                <a:latin typeface="Consolas" panose="020B0609020204030204" pitchFamily="49" charset="0"/>
+              </a:rPr>
+              <a:t> model = {</a:t>
+            </a:r>
+            <a:r>
+              <a:rPr lang="en-US" sz="1600" dirty="0" err="1">
+                <a:solidFill>
+                  <a:srgbClr val="000000"/>
+                </a:solidFill>
+                <a:latin typeface="Consolas" panose="020B0609020204030204" pitchFamily="49" charset="0"/>
+              </a:rPr>
+              <a:t>title:</a:t>
+            </a:r>
+            <a:r>
+              <a:rPr lang="en-US" sz="1600" dirty="0" err="1">
+                <a:solidFill>
+                  <a:srgbClr val="FF0000"/>
+                </a:solidFill>
+                <a:latin typeface="Consolas" panose="020B0609020204030204" pitchFamily="49" charset="0"/>
+              </a:rPr>
+              <a:t>"Welcome</a:t>
+            </a:r>
+            <a:r>
+              <a:rPr lang="en-US" sz="1600" dirty="0">
+                <a:solidFill>
+                  <a:srgbClr val="FF0000"/>
+                </a:solidFill>
+                <a:latin typeface="Consolas" panose="020B0609020204030204" pitchFamily="49" charset="0"/>
+              </a:rPr>
+              <a:t>"</a:t>
+            </a:r>
+            <a:r>
+              <a:rPr lang="en-US" sz="1600" dirty="0">
+                <a:solidFill>
+                  <a:srgbClr val="000000"/>
+                </a:solidFill>
+                <a:latin typeface="Consolas" panose="020B0609020204030204" pitchFamily="49" charset="0"/>
+              </a:rPr>
+              <a:t>};</a:t>
+            </a:r>
+            <a:br>
+              <a:rPr lang="en-US" sz="1600" dirty="0">
+                <a:solidFill>
+                  <a:srgbClr val="000000"/>
+                </a:solidFill>
+                <a:latin typeface="Consolas" panose="020B0609020204030204" pitchFamily="49" charset="0"/>
+              </a:rPr>
+            </a:br>
+            <a:endParaRPr lang="en-US" sz="1600" dirty="0">
+              <a:solidFill>
+                <a:srgbClr val="000000"/>
+              </a:solidFill>
+              <a:latin typeface="Consolas" panose="020B0609020204030204" pitchFamily="49" charset="0"/>
+            </a:endParaRPr>
+          </a:p>
+          <a:p>
+            <a:r>
+              <a:rPr lang="en-US" sz="1600" dirty="0">
+                <a:solidFill>
+                  <a:srgbClr val="000000"/>
+                </a:solidFill>
+                <a:latin typeface="Consolas" panose="020B0609020204030204" pitchFamily="49" charset="0"/>
+              </a:rPr>
+              <a:t>    </a:t>
+            </a:r>
+            <a:r>
+              <a:rPr lang="en-US" sz="1600" dirty="0" err="1">
+                <a:solidFill>
+                  <a:srgbClr val="000000"/>
+                </a:solidFill>
+                <a:latin typeface="Consolas" panose="020B0609020204030204" pitchFamily="49" charset="0"/>
+              </a:rPr>
+              <a:t>res.render</a:t>
+            </a:r>
+            <a:r>
+              <a:rPr lang="en-US" sz="1600" dirty="0">
+                <a:solidFill>
+                  <a:srgbClr val="000000"/>
+                </a:solidFill>
+                <a:latin typeface="Consolas" panose="020B0609020204030204" pitchFamily="49" charset="0"/>
+              </a:rPr>
+              <a:t>(</a:t>
+            </a:r>
+            <a:r>
+              <a:rPr lang="en-US" sz="1600" dirty="0">
+                <a:solidFill>
+                  <a:srgbClr val="FF0000"/>
+                </a:solidFill>
+                <a:latin typeface="Consolas" panose="020B0609020204030204" pitchFamily="49" charset="0"/>
+              </a:rPr>
+              <a:t>"home/index"</a:t>
+            </a:r>
+            <a:r>
+              <a:rPr lang="en-US" sz="1600" dirty="0">
+                <a:solidFill>
+                  <a:srgbClr val="000000"/>
+                </a:solidFill>
+                <a:latin typeface="Consolas" panose="020B0609020204030204" pitchFamily="49" charset="0"/>
+              </a:rPr>
+              <a:t>, model); </a:t>
+            </a:r>
+            <a:br>
+              <a:rPr lang="en-US" sz="1600" dirty="0">
+                <a:solidFill>
+                  <a:srgbClr val="000000"/>
+                </a:solidFill>
+                <a:latin typeface="Consolas" panose="020B0609020204030204" pitchFamily="49" charset="0"/>
+              </a:rPr>
+            </a:br>
+            <a:endParaRPr lang="en-US" sz="1600" dirty="0">
+              <a:solidFill>
+                <a:srgbClr val="000000"/>
+              </a:solidFill>
+              <a:latin typeface="Consolas" panose="020B0609020204030204" pitchFamily="49" charset="0"/>
+            </a:endParaRPr>
+          </a:p>
+          <a:p>
+            <a:r>
+              <a:rPr lang="en-US" sz="1600" dirty="0">
+                <a:solidFill>
+                  <a:srgbClr val="000000"/>
+                </a:solidFill>
+                <a:latin typeface="Consolas" panose="020B0609020204030204" pitchFamily="49" charset="0"/>
+              </a:rPr>
+              <a:t>});</a:t>
+            </a:r>
+            <a:endParaRPr lang="en-US" sz="1600" dirty="0">
+              <a:latin typeface="Consolas" panose="020B0609020204030204" pitchFamily="49" charset="0"/>
+            </a:endParaRPr>
+          </a:p>
+          <a:p>
+            <a:br>
+              <a:rPr lang="en-US" dirty="0">
+                <a:latin typeface="Consolas" panose="020B0609020204030204" pitchFamily="49" charset="0"/>
+              </a:rPr>
+            </a:br>
+            <a:endParaRPr lang="en-US" dirty="0">
+              <a:latin typeface="Consolas" panose="020B0609020204030204" pitchFamily="49" charset="0"/>
+            </a:endParaRPr>
+          </a:p>
+        </p:txBody>
+      </p:sp>
+      <p:sp>
+        <p:nvSpPr>
+          <p:cNvPr id="10" name="TextBox 9"/>
+          <p:cNvSpPr txBox="1"/>
+          <p:nvPr/>
+        </p:nvSpPr>
+        <p:spPr>
+          <a:xfrm>
+            <a:off x="777561" y="2372903"/>
+            <a:ext cx="3455626" cy="400110"/>
+          </a:xfrm>
+          <a:prstGeom prst="rect">
+            <a:avLst/>
+          </a:prstGeom>
+          <a:noFill/>
+        </p:spPr>
+        <p:txBody>
+          <a:bodyPr wrap="none" rtlCol="0">
+            <a:spAutoFit/>
+          </a:bodyPr>
+          <a:lstStyle/>
+          <a:p>
+            <a:r>
+              <a:rPr lang="sv-SE" sz="2000" dirty="0"/>
+              <a:t>./controllers/</a:t>
+            </a:r>
+            <a:r>
+              <a:rPr lang="sv-SE" sz="2000" b="1" dirty="0"/>
+              <a:t>homeController.js</a:t>
+            </a:r>
+            <a:endParaRPr lang="en-US" sz="2000" b="1" dirty="0"/>
+          </a:p>
+        </p:txBody>
+      </p:sp>
+      <p:grpSp>
+        <p:nvGrpSpPr>
+          <p:cNvPr id="15" name="Group 14"/>
+          <p:cNvGrpSpPr/>
+          <p:nvPr/>
+        </p:nvGrpSpPr>
+        <p:grpSpPr>
+          <a:xfrm>
+            <a:off x="6379785" y="2370369"/>
+            <a:ext cx="4974015" cy="3580504"/>
+            <a:chOff x="6379785" y="2167780"/>
+            <a:chExt cx="4974015" cy="3580504"/>
+          </a:xfrm>
+        </p:grpSpPr>
+        <p:pic>
+          <p:nvPicPr>
+            <p:cNvPr id="23" name="Picture 2" descr="C:\Users\wmmih\AppData\Local\Temp\SNAGHTML1288bdde.PNG"/>
+            <p:cNvPicPr>
+              <a:picLocks noChangeAspect="1" noChangeArrowheads="1"/>
+            </p:cNvPicPr>
+            <p:nvPr/>
+          </p:nvPicPr>
+          <p:blipFill>
+            <a:blip r:embed="rId2">
+              <a:extLst>
+                <a:ext uri="{28A0092B-C50C-407E-A947-70E740481C1C}">
+                  <a14:useLocalDpi xmlns:a14="http://schemas.microsoft.com/office/drawing/2010/main" val="0"/>
+                </a:ext>
+              </a:extLst>
+            </a:blip>
+            <a:srcRect/>
+            <a:stretch>
+              <a:fillRect/>
+            </a:stretch>
+          </p:blipFill>
+          <p:spPr bwMode="auto">
+            <a:xfrm>
+              <a:off x="6452937" y="2674387"/>
+              <a:ext cx="4900863" cy="3073897"/>
+            </a:xfrm>
+            <a:prstGeom prst="rect">
+              <a:avLst/>
+            </a:prstGeom>
+            <a:noFill/>
+            <a:extLst>
+              <a:ext uri="{909E8E84-426E-40DD-AFC4-6F175D3DCCD1}">
+                <a14:hiddenFill xmlns:a14="http://schemas.microsoft.com/office/drawing/2010/main">
+                  <a:solidFill>
+                    <a:srgbClr val="FFFFFF"/>
+                  </a:solidFill>
+                </a14:hiddenFill>
+              </a:ext>
+            </a:extLst>
+          </p:spPr>
+        </p:pic>
+        <p:sp>
+          <p:nvSpPr>
+            <p:cNvPr id="24" name="TextBox 23"/>
+            <p:cNvSpPr txBox="1"/>
+            <p:nvPr/>
+          </p:nvSpPr>
+          <p:spPr>
+            <a:xfrm>
+              <a:off x="6853588" y="3035656"/>
+              <a:ext cx="3725699" cy="2339102"/>
+            </a:xfrm>
+            <a:prstGeom prst="rect">
+              <a:avLst/>
+            </a:prstGeom>
+            <a:noFill/>
+          </p:spPr>
+          <p:txBody>
+            <a:bodyPr wrap="square" rtlCol="0">
+              <a:spAutoFit/>
+            </a:bodyPr>
+            <a:lstStyle/>
+            <a:p>
+              <a:r>
+                <a:rPr lang="en-US" sz="1600" dirty="0" err="1">
+                  <a:solidFill>
+                    <a:srgbClr val="000000"/>
+                  </a:solidFill>
+                  <a:latin typeface="Consolas" panose="020B0609020204030204" pitchFamily="49" charset="0"/>
+                </a:rPr>
+                <a:t>doctype</a:t>
+              </a:r>
+              <a:endParaRPr lang="en-US" sz="1600" dirty="0">
+                <a:solidFill>
+                  <a:srgbClr val="000000"/>
+                </a:solidFill>
+                <a:latin typeface="Consolas" panose="020B0609020204030204" pitchFamily="49" charset="0"/>
+              </a:endParaRPr>
+            </a:p>
+            <a:p>
+              <a:r>
+                <a:rPr lang="en-US" sz="1600" dirty="0">
+                  <a:solidFill>
+                    <a:srgbClr val="000000"/>
+                  </a:solidFill>
+                  <a:latin typeface="Consolas" panose="020B0609020204030204" pitchFamily="49" charset="0"/>
+                </a:rPr>
+                <a:t>html</a:t>
+              </a:r>
+            </a:p>
+            <a:p>
+              <a:r>
+                <a:rPr lang="en-US" sz="1600" dirty="0">
+                  <a:solidFill>
+                    <a:srgbClr val="000000"/>
+                  </a:solidFill>
+                  <a:latin typeface="Consolas" panose="020B0609020204030204" pitchFamily="49" charset="0"/>
+                </a:rPr>
+                <a:t>  head</a:t>
+              </a:r>
+            </a:p>
+            <a:p>
+              <a:r>
+                <a:rPr lang="en-US" sz="1600" dirty="0">
+                  <a:solidFill>
+                    <a:srgbClr val="000000"/>
+                  </a:solidFill>
+                  <a:latin typeface="Consolas" panose="020B0609020204030204" pitchFamily="49" charset="0"/>
+                </a:rPr>
+                <a:t>    title= </a:t>
+              </a:r>
+              <a:r>
+                <a:rPr lang="en-US" sz="1600" dirty="0">
+                  <a:solidFill>
+                    <a:srgbClr val="0000FF"/>
+                  </a:solidFill>
+                  <a:latin typeface="Consolas" panose="020B0609020204030204" pitchFamily="49" charset="0"/>
+                </a:rPr>
+                <a:t>title</a:t>
+              </a:r>
+            </a:p>
+            <a:p>
+              <a:r>
+                <a:rPr lang="en-US" sz="1600" dirty="0">
+                  <a:solidFill>
+                    <a:srgbClr val="000000"/>
+                  </a:solidFill>
+                  <a:latin typeface="Consolas" panose="020B0609020204030204" pitchFamily="49" charset="0"/>
+                </a:rPr>
+                <a:t>  body</a:t>
+              </a:r>
+            </a:p>
+            <a:p>
+              <a:r>
+                <a:rPr lang="en-US" sz="1600" dirty="0">
+                  <a:solidFill>
+                    <a:srgbClr val="000000"/>
+                  </a:solidFill>
+                  <a:latin typeface="Consolas" panose="020B0609020204030204" pitchFamily="49" charset="0"/>
+                </a:rPr>
+                <a:t>    h1= </a:t>
+              </a:r>
+              <a:r>
+                <a:rPr lang="en-US" sz="1600" dirty="0">
+                  <a:solidFill>
+                    <a:srgbClr val="0000FF"/>
+                  </a:solidFill>
+                  <a:latin typeface="Consolas" panose="020B0609020204030204" pitchFamily="49" charset="0"/>
+                </a:rPr>
+                <a:t>title</a:t>
+              </a:r>
+            </a:p>
+            <a:p>
+              <a:r>
+                <a:rPr lang="en-US" sz="1600" dirty="0">
+                  <a:solidFill>
+                    <a:srgbClr val="000000"/>
+                  </a:solidFill>
+                  <a:latin typeface="Consolas" panose="020B0609020204030204" pitchFamily="49" charset="0"/>
+                </a:rPr>
+                <a:t>    p This is an express app!</a:t>
+              </a:r>
+            </a:p>
+            <a:p>
+              <a:r>
+                <a:rPr lang="en-US" sz="1600" dirty="0">
+                  <a:solidFill>
+                    <a:srgbClr val="000000"/>
+                  </a:solidFill>
+                  <a:latin typeface="Consolas" panose="020B0609020204030204" pitchFamily="49" charset="0"/>
+                </a:rPr>
+                <a:t>    footer This is the footer</a:t>
+              </a:r>
+              <a:br>
+                <a:rPr lang="en-US" dirty="0">
+                  <a:latin typeface="Consolas" panose="020B0609020204030204" pitchFamily="49" charset="0"/>
+                </a:rPr>
+              </a:br>
+              <a:endParaRPr lang="en-US" dirty="0">
+                <a:latin typeface="Consolas" panose="020B0609020204030204" pitchFamily="49" charset="0"/>
+              </a:endParaRPr>
+            </a:p>
+          </p:txBody>
+        </p:sp>
+        <p:sp>
+          <p:nvSpPr>
+            <p:cNvPr id="25" name="TextBox 24"/>
+            <p:cNvSpPr txBox="1"/>
+            <p:nvPr/>
+          </p:nvSpPr>
+          <p:spPr>
+            <a:xfrm>
+              <a:off x="6379785" y="2167780"/>
+              <a:ext cx="2844497" cy="400110"/>
+            </a:xfrm>
+            <a:prstGeom prst="rect">
+              <a:avLst/>
+            </a:prstGeom>
+            <a:noFill/>
+          </p:spPr>
+          <p:txBody>
+            <a:bodyPr wrap="none" rtlCol="0">
+              <a:spAutoFit/>
+            </a:bodyPr>
+            <a:lstStyle/>
+            <a:p>
+              <a:r>
+                <a:rPr lang="sv-SE" sz="2000" dirty="0"/>
+                <a:t>./</a:t>
+              </a:r>
+              <a:r>
+                <a:rPr lang="sv-SE" sz="2000" dirty="0" err="1"/>
+                <a:t>views</a:t>
+              </a:r>
+              <a:r>
+                <a:rPr lang="sv-SE" sz="2000" dirty="0"/>
+                <a:t>/</a:t>
+              </a:r>
+              <a:r>
+                <a:rPr lang="sv-SE" sz="2000" dirty="0" err="1"/>
+                <a:t>home</a:t>
+              </a:r>
+              <a:r>
+                <a:rPr lang="sv-SE" sz="2000" dirty="0"/>
+                <a:t>/</a:t>
+              </a:r>
+              <a:r>
+                <a:rPr lang="sv-SE" sz="2000" b="1" dirty="0" err="1"/>
+                <a:t>index.jade</a:t>
+              </a:r>
+              <a:endParaRPr lang="en-US" sz="2000" b="1" dirty="0"/>
+            </a:p>
+          </p:txBody>
+        </p:sp>
+      </p:grpSp>
+      <p:sp>
+        <p:nvSpPr>
+          <p:cNvPr id="16" name="Rectangle 15"/>
+          <p:cNvSpPr/>
+          <p:nvPr/>
+        </p:nvSpPr>
+        <p:spPr>
+          <a:xfrm>
+            <a:off x="0" y="2046445"/>
+            <a:ext cx="12192000" cy="4075883"/>
+          </a:xfrm>
+          <a:prstGeom prst="rect">
+            <a:avLst/>
+          </a:prstGeom>
+          <a:solidFill>
+            <a:schemeClr val="bg1">
+              <a:alpha val="80000"/>
+            </a:schemeClr>
+          </a:solidFill>
+          <a:ln>
+            <a:solidFill>
+              <a:schemeClr val="bg1"/>
+            </a:solidFill>
+          </a:ln>
+        </p:spPr>
+        <p:style>
+          <a:lnRef idx="2">
+            <a:schemeClr val="accent1">
+              <a:shade val="50000"/>
+            </a:schemeClr>
+          </a:lnRef>
+          <a:fillRef idx="1">
+            <a:schemeClr val="accent1"/>
+          </a:fillRef>
+          <a:effectRef idx="0">
+            <a:schemeClr val="accent1"/>
+          </a:effectRef>
+          <a:fontRef idx="minor">
+            <a:schemeClr val="lt1"/>
+          </a:fontRef>
+        </p:style>
+        <p:txBody>
+          <a:bodyPr rtlCol="0" anchor="ctr"/>
+          <a:lstStyle/>
+          <a:p>
+            <a:pPr algn="ctr"/>
             <a:endParaRPr lang="en-US"/>
+          </a:p>
+        </p:txBody>
+      </p:sp>
+      <p:grpSp>
+        <p:nvGrpSpPr>
+          <p:cNvPr id="35" name="Group 34"/>
+          <p:cNvGrpSpPr/>
+          <p:nvPr/>
+        </p:nvGrpSpPr>
+        <p:grpSpPr>
+          <a:xfrm>
+            <a:off x="3729028" y="1855455"/>
+            <a:ext cx="4900863" cy="2633646"/>
+            <a:chOff x="3729028" y="1855455"/>
+            <a:chExt cx="4900863" cy="2633646"/>
+          </a:xfrm>
+        </p:grpSpPr>
+        <p:pic>
+          <p:nvPicPr>
+            <p:cNvPr id="28" name="Picture 2" descr="C:\Users\wmmih\AppData\Local\Temp\SNAGHTML1288bdde.PNG"/>
+            <p:cNvPicPr>
+              <a:picLocks noChangeAspect="1" noChangeArrowheads="1"/>
+            </p:cNvPicPr>
+            <p:nvPr/>
+          </p:nvPicPr>
+          <p:blipFill>
+            <a:blip r:embed="rId2">
+              <a:extLst>
+                <a:ext uri="{28A0092B-C50C-407E-A947-70E740481C1C}">
+                  <a14:useLocalDpi xmlns:a14="http://schemas.microsoft.com/office/drawing/2010/main" val="0"/>
+                </a:ext>
+              </a:extLst>
+            </a:blip>
+            <a:srcRect/>
+            <a:stretch>
+              <a:fillRect/>
+            </a:stretch>
+          </p:blipFill>
+          <p:spPr bwMode="auto">
+            <a:xfrm>
+              <a:off x="3729028" y="2421083"/>
+              <a:ext cx="4900863" cy="2068018"/>
+            </a:xfrm>
+            <a:prstGeom prst="rect">
+              <a:avLst/>
+            </a:prstGeom>
+            <a:noFill/>
+            <a:extLst>
+              <a:ext uri="{909E8E84-426E-40DD-AFC4-6F175D3DCCD1}">
+                <a14:hiddenFill xmlns:a14="http://schemas.microsoft.com/office/drawing/2010/main">
+                  <a:solidFill>
+                    <a:srgbClr val="FFFFFF"/>
+                  </a:solidFill>
+                </a14:hiddenFill>
+              </a:ext>
+            </a:extLst>
+          </p:spPr>
+        </p:pic>
+        <p:sp>
+          <p:nvSpPr>
+            <p:cNvPr id="30" name="TextBox 29"/>
+            <p:cNvSpPr txBox="1"/>
+            <p:nvPr/>
+          </p:nvSpPr>
+          <p:spPr>
+            <a:xfrm>
+              <a:off x="4038239" y="3125099"/>
+              <a:ext cx="4282440" cy="615553"/>
+            </a:xfrm>
+            <a:prstGeom prst="rect">
+              <a:avLst/>
+            </a:prstGeom>
+            <a:noFill/>
+          </p:spPr>
+          <p:txBody>
+            <a:bodyPr wrap="square" rtlCol="0">
+              <a:spAutoFit/>
+            </a:bodyPr>
+            <a:lstStyle/>
+            <a:p>
+              <a:r>
+                <a:rPr lang="en-US" sz="1600" dirty="0" err="1">
+                  <a:solidFill>
+                    <a:srgbClr val="000000"/>
+                  </a:solidFill>
+                  <a:latin typeface="Consolas" panose="020B0609020204030204" pitchFamily="49" charset="0"/>
+                </a:rPr>
+                <a:t>app.set</a:t>
+              </a:r>
+              <a:r>
+                <a:rPr lang="en-US" sz="1600" dirty="0">
+                  <a:solidFill>
+                    <a:srgbClr val="000000"/>
+                  </a:solidFill>
+                  <a:latin typeface="Consolas" panose="020B0609020204030204" pitchFamily="49" charset="0"/>
+                </a:rPr>
+                <a:t>(</a:t>
+              </a:r>
+              <a:r>
+                <a:rPr lang="en-US" sz="1600" dirty="0">
+                  <a:solidFill>
+                    <a:srgbClr val="FF0000"/>
+                  </a:solidFill>
+                  <a:latin typeface="Consolas" panose="020B0609020204030204" pitchFamily="49" charset="0"/>
+                </a:rPr>
+                <a:t>"view engine"</a:t>
+              </a:r>
+              <a:r>
+                <a:rPr lang="en-US" sz="1600" dirty="0">
+                  <a:solidFill>
+                    <a:srgbClr val="000000"/>
+                  </a:solidFill>
+                  <a:latin typeface="Consolas" panose="020B0609020204030204" pitchFamily="49" charset="0"/>
+                </a:rPr>
+                <a:t>, </a:t>
+              </a:r>
+              <a:r>
+                <a:rPr lang="en-US" sz="1600" dirty="0">
+                  <a:solidFill>
+                    <a:srgbClr val="FF0000"/>
+                  </a:solidFill>
+                  <a:latin typeface="Consolas" panose="020B0609020204030204" pitchFamily="49" charset="0"/>
+                </a:rPr>
+                <a:t>“jade"</a:t>
+              </a:r>
+              <a:r>
+                <a:rPr lang="en-US" sz="1600" dirty="0">
+                  <a:solidFill>
+                    <a:srgbClr val="000000"/>
+                  </a:solidFill>
+                  <a:latin typeface="Consolas" panose="020B0609020204030204" pitchFamily="49" charset="0"/>
+                </a:rPr>
+                <a:t>);</a:t>
+              </a:r>
+              <a:br>
+                <a:rPr lang="en-US" dirty="0">
+                  <a:latin typeface="Consolas" panose="020B0609020204030204" pitchFamily="49" charset="0"/>
+                </a:rPr>
+              </a:br>
+              <a:endParaRPr lang="en-US" dirty="0">
+                <a:latin typeface="Consolas" panose="020B0609020204030204" pitchFamily="49" charset="0"/>
+              </a:endParaRPr>
+            </a:p>
+          </p:txBody>
+        </p:sp>
+        <p:sp>
+          <p:nvSpPr>
+            <p:cNvPr id="33" name="TextBox 32"/>
+            <p:cNvSpPr txBox="1"/>
+            <p:nvPr/>
+          </p:nvSpPr>
+          <p:spPr>
+            <a:xfrm>
+              <a:off x="5237537" y="1855455"/>
+              <a:ext cx="1445973" cy="461665"/>
+            </a:xfrm>
+            <a:prstGeom prst="rect">
+              <a:avLst/>
+            </a:prstGeom>
+            <a:noFill/>
+          </p:spPr>
+          <p:txBody>
+            <a:bodyPr wrap="none" rtlCol="0">
+              <a:spAutoFit/>
+            </a:bodyPr>
+            <a:lstStyle/>
+            <a:p>
+              <a:r>
+                <a:rPr lang="sv-SE" sz="2400" b="1" dirty="0"/>
+                <a:t>./server.js</a:t>
+              </a:r>
+              <a:endParaRPr lang="en-US" sz="2400" b="1" dirty="0"/>
+            </a:p>
+          </p:txBody>
+        </p:sp>
+      </p:grpSp>
+    </p:spTree>
+    <p:extLst>
+      <p:ext uri="{BB962C8B-B14F-4D97-AF65-F5344CB8AC3E}">
+        <p14:creationId xmlns:p14="http://schemas.microsoft.com/office/powerpoint/2010/main" val="3672404424"/>
+      </p:ext>
+    </p:extLst>
+  </p:cSld>
+  <p:clrMapOvr>
+    <a:masterClrMapping/>
+  </p:clrMapOvr>
+  <p:timing>
+    <p:tnLst>
+      <p:par>
+        <p:cTn id="1" dur="indefinite" restart="never" nodeType="tmRoot">
+          <p:childTnLst>
+            <p:seq concurrent="1" nextAc="seek">
+              <p:cTn id="2" dur="indefinite" nodeType="mainSeq">
+                <p:childTnLst>
+                  <p:par>
+                    <p:cTn id="3" fill="hold">
+                      <p:stCondLst>
+                        <p:cond delay="indefinite"/>
+                      </p:stCondLst>
+                      <p:childTnLst>
+                        <p:par>
+                          <p:cTn id="4" fill="hold">
+                            <p:stCondLst>
+                              <p:cond delay="0"/>
+                            </p:stCondLst>
+                            <p:childTnLst>
+                              <p:par>
+                                <p:cTn id="5" presetID="10" presetClass="entr" presetSubtype="0" fill="hold" nodeType="clickEffect">
+                                  <p:stCondLst>
+                                    <p:cond delay="0"/>
+                                  </p:stCondLst>
+                                  <p:childTnLst>
+                                    <p:set>
+                                      <p:cBhvr>
+                                        <p:cTn id="6" dur="1" fill="hold">
+                                          <p:stCondLst>
+                                            <p:cond delay="0"/>
+                                          </p:stCondLst>
+                                        </p:cTn>
+                                        <p:tgtEl>
+                                          <p:spTgt spid="15"/>
+                                        </p:tgtEl>
+                                        <p:attrNameLst>
+                                          <p:attrName>style.visibility</p:attrName>
+                                        </p:attrNameLst>
+                                      </p:cBhvr>
+                                      <p:to>
+                                        <p:strVal val="visible"/>
+                                      </p:to>
+                                    </p:set>
+                                    <p:animEffect transition="in" filter="fade">
+                                      <p:cBhvr>
+                                        <p:cTn id="7" dur="500"/>
+                                        <p:tgtEl>
+                                          <p:spTgt spid="15"/>
+                                        </p:tgtEl>
+                                      </p:cBhvr>
+                                    </p:animEffect>
+                                  </p:childTnLst>
+                                </p:cTn>
+                              </p:par>
+                            </p:childTnLst>
+                          </p:cTn>
+                        </p:par>
+                      </p:childTnLst>
+                    </p:cTn>
+                  </p:par>
+                  <p:par>
+                    <p:cTn id="8" fill="hold">
+                      <p:stCondLst>
+                        <p:cond delay="indefinite"/>
+                      </p:stCondLst>
+                      <p:childTnLst>
+                        <p:par>
+                          <p:cTn id="9" fill="hold">
+                            <p:stCondLst>
+                              <p:cond delay="0"/>
+                            </p:stCondLst>
+                            <p:childTnLst>
+                              <p:par>
+                                <p:cTn id="10" presetID="10" presetClass="entr" presetSubtype="0" fill="hold" grpId="0" nodeType="clickEffect">
+                                  <p:stCondLst>
+                                    <p:cond delay="0"/>
+                                  </p:stCondLst>
+                                  <p:childTnLst>
+                                    <p:set>
+                                      <p:cBhvr>
+                                        <p:cTn id="11" dur="1" fill="hold">
+                                          <p:stCondLst>
+                                            <p:cond delay="0"/>
+                                          </p:stCondLst>
+                                        </p:cTn>
+                                        <p:tgtEl>
+                                          <p:spTgt spid="16"/>
+                                        </p:tgtEl>
+                                        <p:attrNameLst>
+                                          <p:attrName>style.visibility</p:attrName>
+                                        </p:attrNameLst>
+                                      </p:cBhvr>
+                                      <p:to>
+                                        <p:strVal val="visible"/>
+                                      </p:to>
+                                    </p:set>
+                                    <p:animEffect transition="in" filter="fade">
+                                      <p:cBhvr>
+                                        <p:cTn id="12" dur="500"/>
+                                        <p:tgtEl>
+                                          <p:spTgt spid="16"/>
+                                        </p:tgtEl>
+                                      </p:cBhvr>
+                                    </p:animEffect>
+                                  </p:childTnLst>
+                                </p:cTn>
+                              </p:par>
+                            </p:childTnLst>
+                          </p:cTn>
+                        </p:par>
+                        <p:par>
+                          <p:cTn id="13" fill="hold">
+                            <p:stCondLst>
+                              <p:cond delay="500"/>
+                            </p:stCondLst>
+                            <p:childTnLst>
+                              <p:par>
+                                <p:cTn id="14" presetID="10" presetClass="entr" presetSubtype="0" fill="hold" nodeType="afterEffect">
+                                  <p:stCondLst>
+                                    <p:cond delay="0"/>
+                                  </p:stCondLst>
+                                  <p:childTnLst>
+                                    <p:set>
+                                      <p:cBhvr>
+                                        <p:cTn id="15" dur="1" fill="hold">
+                                          <p:stCondLst>
+                                            <p:cond delay="0"/>
+                                          </p:stCondLst>
+                                        </p:cTn>
+                                        <p:tgtEl>
+                                          <p:spTgt spid="35"/>
+                                        </p:tgtEl>
+                                        <p:attrNameLst>
+                                          <p:attrName>style.visibility</p:attrName>
+                                        </p:attrNameLst>
+                                      </p:cBhvr>
+                                      <p:to>
+                                        <p:strVal val="visible"/>
+                                      </p:to>
+                                    </p:set>
+                                    <p:animEffect transition="in" filter="fade">
+                                      <p:cBhvr>
+                                        <p:cTn id="16" dur="500"/>
+                                        <p:tgtEl>
+                                          <p:spTgt spid="35"/>
+                                        </p:tgtEl>
+                                      </p:cBhvr>
+                                    </p:animEffect>
+                                  </p:childTnLst>
+                                </p:cTn>
+                              </p:par>
+                            </p:childTnLst>
+                          </p:cTn>
+                        </p:par>
+                      </p:childTnLst>
+                    </p:cTn>
+                  </p:par>
+                </p:childTnLst>
+              </p:cTn>
+              <p:prevCondLst>
+                <p:cond evt="onPrev" delay="0">
+                  <p:tgtEl>
+                    <p:sldTgt/>
+                  </p:tgtEl>
+                </p:cond>
+              </p:prevCondLst>
+              <p:nextCondLst>
+                <p:cond evt="onNext" delay="0">
+                  <p:tgtEl>
+                    <p:sldTgt/>
+                  </p:tgtEl>
+                </p:cond>
+              </p:nextCondLst>
+            </p:seq>
+          </p:childTnLst>
+        </p:cTn>
+      </p:par>
+    </p:tnLst>
+    <p:bldLst>
+      <p:bldP spid="16" grpId="0" animBg="1"/>
+    </p:bldLst>
+  </p:timing>
+</p:sld>
+</file>
+
+<file path=ppt/slides/slide67.xml><?xml version="1.0" encoding="utf-8"?>
+<p:sld xmlns:a="http://schemas.openxmlformats.org/drawingml/2006/main" xmlns:r="http://schemas.openxmlformats.org/officeDocument/2006/relationships" xmlns:p="http://schemas.openxmlformats.org/presentationml/2006/main">
+  <p:cSld>
+    <p:spTree>
+      <p:nvGrpSpPr>
+        <p:cNvPr id="1" name=""/>
+        <p:cNvGrpSpPr/>
+        <p:nvPr/>
+      </p:nvGrpSpPr>
+      <p:grpSpPr>
+        <a:xfrm>
+          <a:off x="0" y="0"/>
+          <a:ext cx="0" cy="0"/>
+          <a:chOff x="0" y="0"/>
+          <a:chExt cx="0" cy="0"/>
+        </a:xfrm>
+      </p:grpSpPr>
+      <p:sp>
+        <p:nvSpPr>
+          <p:cNvPr id="2" name="Title 1"/>
+          <p:cNvSpPr>
+            <a:spLocks noGrp="1"/>
+          </p:cNvSpPr>
+          <p:nvPr>
+            <p:ph type="title"/>
+          </p:nvPr>
+        </p:nvSpPr>
+        <p:spPr/>
+        <p:txBody>
+          <a:bodyPr/>
+          <a:lstStyle/>
+          <a:p>
+            <a:r>
+              <a:rPr lang="en-US"/>
+              <a:t>Building Web apps using Node.js</a:t>
+            </a:r>
+          </a:p>
+        </p:txBody>
+      </p:sp>
+      <p:sp>
+        <p:nvSpPr>
+          <p:cNvPr id="29" name="TextBox 28"/>
+          <p:cNvSpPr txBox="1"/>
+          <p:nvPr/>
+        </p:nvSpPr>
+        <p:spPr>
+          <a:xfrm>
+            <a:off x="1048512" y="1044806"/>
+            <a:ext cx="4476867" cy="584775"/>
+          </a:xfrm>
+          <a:prstGeom prst="rect">
+            <a:avLst/>
+          </a:prstGeom>
+          <a:noFill/>
+        </p:spPr>
+        <p:txBody>
+          <a:bodyPr wrap="none" rtlCol="0">
+            <a:spAutoFit/>
+          </a:bodyPr>
+          <a:lstStyle/>
+          <a:p>
+            <a:r>
+              <a:rPr lang="en-US" sz="3200" dirty="0">
+                <a:latin typeface="Segoe UI Light" panose="020B0502040204020203" pitchFamily="34" charset="0"/>
+                <a:ea typeface="+mj-ea"/>
+                <a:cs typeface="Segoe UI Light" panose="020B0502040204020203" pitchFamily="34" charset="0"/>
+              </a:rPr>
+              <a:t>View Engines - </a:t>
+            </a:r>
+            <a:r>
+              <a:rPr lang="sv-SE" sz="3200" b="1" dirty="0" err="1"/>
+              <a:t>mustache</a:t>
+            </a:r>
+            <a:endParaRPr lang="en-US" sz="3200" dirty="0">
+              <a:latin typeface="Segoe UI Light" panose="020B0502040204020203" pitchFamily="34" charset="0"/>
+              <a:ea typeface="+mj-ea"/>
+              <a:cs typeface="Segoe UI Light" panose="020B0502040204020203" pitchFamily="34" charset="0"/>
+            </a:endParaRPr>
+          </a:p>
+        </p:txBody>
+      </p:sp>
+      <p:pic>
+        <p:nvPicPr>
+          <p:cNvPr id="18" name="Picture 2" descr="C:\Users\wmmih\AppData\Local\Temp\SNAGHTML1288bdde.PNG"/>
+          <p:cNvPicPr>
+            <a:picLocks noChangeAspect="1" noChangeArrowheads="1"/>
+          </p:cNvPicPr>
+          <p:nvPr/>
+        </p:nvPicPr>
+        <p:blipFill>
+          <a:blip r:embed="rId2">
+            <a:extLst>
+              <a:ext uri="{28A0092B-C50C-407E-A947-70E740481C1C}">
+                <a14:useLocalDpi xmlns:a14="http://schemas.microsoft.com/office/drawing/2010/main" val="0"/>
+              </a:ext>
+            </a:extLst>
+          </a:blip>
+          <a:srcRect/>
+          <a:stretch>
+            <a:fillRect/>
+          </a:stretch>
+        </p:blipFill>
+        <p:spPr bwMode="auto">
+          <a:xfrm>
+            <a:off x="777561" y="2876976"/>
+            <a:ext cx="4900863" cy="3073897"/>
+          </a:xfrm>
+          <a:prstGeom prst="rect">
+            <a:avLst/>
+          </a:prstGeom>
+          <a:noFill/>
+          <a:extLst>
+            <a:ext uri="{909E8E84-426E-40DD-AFC4-6F175D3DCCD1}">
+              <a14:hiddenFill xmlns:a14="http://schemas.microsoft.com/office/drawing/2010/main">
+                <a:solidFill>
+                  <a:srgbClr val="FFFFFF"/>
+                </a:solidFill>
+              </a14:hiddenFill>
+            </a:ext>
+          </a:extLst>
+        </p:spPr>
+      </p:pic>
+      <p:sp>
+        <p:nvSpPr>
+          <p:cNvPr id="3" name="TextBox 2"/>
+          <p:cNvSpPr txBox="1"/>
+          <p:nvPr/>
+        </p:nvSpPr>
+        <p:spPr>
+          <a:xfrm>
+            <a:off x="1086772" y="3580993"/>
+            <a:ext cx="4282440" cy="2369880"/>
+          </a:xfrm>
+          <a:prstGeom prst="rect">
+            <a:avLst/>
+          </a:prstGeom>
+          <a:noFill/>
+        </p:spPr>
+        <p:txBody>
+          <a:bodyPr wrap="square" rtlCol="0">
+            <a:spAutoFit/>
+          </a:bodyPr>
+          <a:lstStyle/>
+          <a:p>
+            <a:r>
+              <a:rPr lang="en-US" sz="1600" dirty="0" err="1">
+                <a:solidFill>
+                  <a:srgbClr val="000000"/>
+                </a:solidFill>
+                <a:latin typeface="Consolas" panose="020B0609020204030204" pitchFamily="49" charset="0"/>
+              </a:rPr>
+              <a:t>app.get</a:t>
+            </a:r>
+            <a:r>
+              <a:rPr lang="en-US" sz="1600" dirty="0">
+                <a:solidFill>
+                  <a:srgbClr val="000000"/>
+                </a:solidFill>
+                <a:latin typeface="Consolas" panose="020B0609020204030204" pitchFamily="49" charset="0"/>
+              </a:rPr>
+              <a:t>(</a:t>
+            </a:r>
+            <a:r>
+              <a:rPr lang="en-US" sz="1600" dirty="0">
+                <a:solidFill>
+                  <a:srgbClr val="FF0000"/>
+                </a:solidFill>
+                <a:latin typeface="Consolas" panose="020B0609020204030204" pitchFamily="49" charset="0"/>
+              </a:rPr>
+              <a:t>"/home"</a:t>
+            </a:r>
+            <a:r>
+              <a:rPr lang="en-US" sz="1600" dirty="0">
+                <a:solidFill>
+                  <a:srgbClr val="000000"/>
+                </a:solidFill>
+                <a:latin typeface="Consolas" panose="020B0609020204030204" pitchFamily="49" charset="0"/>
+              </a:rPr>
+              <a:t>, </a:t>
+            </a:r>
+            <a:r>
+              <a:rPr lang="en-US" sz="1600" dirty="0">
+                <a:solidFill>
+                  <a:srgbClr val="0000FF"/>
+                </a:solidFill>
+                <a:latin typeface="Consolas" panose="020B0609020204030204" pitchFamily="49" charset="0"/>
+              </a:rPr>
+              <a:t>function</a:t>
+            </a:r>
+            <a:r>
+              <a:rPr lang="en-US" sz="1600" dirty="0">
+                <a:solidFill>
+                  <a:srgbClr val="000000"/>
+                </a:solidFill>
+                <a:latin typeface="Consolas" panose="020B0609020204030204" pitchFamily="49" charset="0"/>
+              </a:rPr>
+              <a:t>(</a:t>
+            </a:r>
+            <a:r>
+              <a:rPr lang="en-US" sz="1600" dirty="0" err="1">
+                <a:solidFill>
+                  <a:srgbClr val="000000"/>
+                </a:solidFill>
+                <a:latin typeface="Consolas" panose="020B0609020204030204" pitchFamily="49" charset="0"/>
+              </a:rPr>
+              <a:t>req,res</a:t>
+            </a:r>
+            <a:r>
+              <a:rPr lang="en-US" sz="1600" dirty="0">
+                <a:solidFill>
+                  <a:srgbClr val="000000"/>
+                </a:solidFill>
+                <a:latin typeface="Consolas" panose="020B0609020204030204" pitchFamily="49" charset="0"/>
+              </a:rPr>
+              <a:t>){</a:t>
+            </a:r>
+          </a:p>
+          <a:p>
+            <a:endParaRPr lang="en-US" sz="1600" dirty="0">
+              <a:solidFill>
+                <a:srgbClr val="000000"/>
+              </a:solidFill>
+              <a:latin typeface="Consolas" panose="020B0609020204030204" pitchFamily="49" charset="0"/>
+            </a:endParaRPr>
+          </a:p>
+          <a:p>
+            <a:r>
+              <a:rPr lang="en-US" sz="1600" dirty="0">
+                <a:solidFill>
+                  <a:srgbClr val="000000"/>
+                </a:solidFill>
+                <a:latin typeface="Consolas" panose="020B0609020204030204" pitchFamily="49" charset="0"/>
+              </a:rPr>
+              <a:t>    </a:t>
+            </a:r>
+            <a:r>
+              <a:rPr lang="en-US" sz="1600" dirty="0" err="1">
+                <a:solidFill>
+                  <a:srgbClr val="0000FF"/>
+                </a:solidFill>
+                <a:latin typeface="Consolas" panose="020B0609020204030204" pitchFamily="49" charset="0"/>
+              </a:rPr>
+              <a:t>var</a:t>
+            </a:r>
+            <a:r>
+              <a:rPr lang="en-US" sz="1600" dirty="0">
+                <a:solidFill>
+                  <a:srgbClr val="000000"/>
+                </a:solidFill>
+                <a:latin typeface="Consolas" panose="020B0609020204030204" pitchFamily="49" charset="0"/>
+              </a:rPr>
+              <a:t> model = {</a:t>
+            </a:r>
+            <a:r>
+              <a:rPr lang="en-US" sz="1600" dirty="0" err="1">
+                <a:solidFill>
+                  <a:srgbClr val="000000"/>
+                </a:solidFill>
+                <a:latin typeface="Consolas" panose="020B0609020204030204" pitchFamily="49" charset="0"/>
+              </a:rPr>
+              <a:t>title:</a:t>
+            </a:r>
+            <a:r>
+              <a:rPr lang="en-US" sz="1600" dirty="0" err="1">
+                <a:solidFill>
+                  <a:srgbClr val="FF0000"/>
+                </a:solidFill>
+                <a:latin typeface="Consolas" panose="020B0609020204030204" pitchFamily="49" charset="0"/>
+              </a:rPr>
+              <a:t>"Welcome</a:t>
+            </a:r>
+            <a:r>
+              <a:rPr lang="en-US" sz="1600" dirty="0">
+                <a:solidFill>
+                  <a:srgbClr val="FF0000"/>
+                </a:solidFill>
+                <a:latin typeface="Consolas" panose="020B0609020204030204" pitchFamily="49" charset="0"/>
+              </a:rPr>
+              <a:t>"</a:t>
+            </a:r>
+            <a:r>
+              <a:rPr lang="en-US" sz="1600" dirty="0">
+                <a:solidFill>
+                  <a:srgbClr val="000000"/>
+                </a:solidFill>
+                <a:latin typeface="Consolas" panose="020B0609020204030204" pitchFamily="49" charset="0"/>
+              </a:rPr>
+              <a:t>};</a:t>
+            </a:r>
+            <a:br>
+              <a:rPr lang="en-US" sz="1600" dirty="0">
+                <a:solidFill>
+                  <a:srgbClr val="000000"/>
+                </a:solidFill>
+                <a:latin typeface="Consolas" panose="020B0609020204030204" pitchFamily="49" charset="0"/>
+              </a:rPr>
+            </a:br>
+            <a:endParaRPr lang="en-US" sz="1600" dirty="0">
+              <a:solidFill>
+                <a:srgbClr val="000000"/>
+              </a:solidFill>
+              <a:latin typeface="Consolas" panose="020B0609020204030204" pitchFamily="49" charset="0"/>
+            </a:endParaRPr>
+          </a:p>
+          <a:p>
+            <a:r>
+              <a:rPr lang="en-US" sz="1600" dirty="0">
+                <a:solidFill>
+                  <a:srgbClr val="000000"/>
+                </a:solidFill>
+                <a:latin typeface="Consolas" panose="020B0609020204030204" pitchFamily="49" charset="0"/>
+              </a:rPr>
+              <a:t>    </a:t>
+            </a:r>
+            <a:r>
+              <a:rPr lang="en-US" sz="1600" dirty="0" err="1">
+                <a:solidFill>
+                  <a:srgbClr val="000000"/>
+                </a:solidFill>
+                <a:latin typeface="Consolas" panose="020B0609020204030204" pitchFamily="49" charset="0"/>
+              </a:rPr>
+              <a:t>res.render</a:t>
+            </a:r>
+            <a:r>
+              <a:rPr lang="en-US" sz="1600" dirty="0">
+                <a:solidFill>
+                  <a:srgbClr val="000000"/>
+                </a:solidFill>
+                <a:latin typeface="Consolas" panose="020B0609020204030204" pitchFamily="49" charset="0"/>
+              </a:rPr>
+              <a:t>(</a:t>
+            </a:r>
+            <a:r>
+              <a:rPr lang="en-US" sz="1600" dirty="0">
+                <a:solidFill>
+                  <a:srgbClr val="FF0000"/>
+                </a:solidFill>
+                <a:latin typeface="Consolas" panose="020B0609020204030204" pitchFamily="49" charset="0"/>
+              </a:rPr>
+              <a:t>"home/index"</a:t>
+            </a:r>
+            <a:r>
+              <a:rPr lang="en-US" sz="1600" dirty="0">
+                <a:solidFill>
+                  <a:srgbClr val="000000"/>
+                </a:solidFill>
+                <a:latin typeface="Consolas" panose="020B0609020204030204" pitchFamily="49" charset="0"/>
+              </a:rPr>
+              <a:t>, model); </a:t>
+            </a:r>
+            <a:br>
+              <a:rPr lang="en-US" sz="1600" dirty="0">
+                <a:solidFill>
+                  <a:srgbClr val="000000"/>
+                </a:solidFill>
+                <a:latin typeface="Consolas" panose="020B0609020204030204" pitchFamily="49" charset="0"/>
+              </a:rPr>
+            </a:br>
+            <a:endParaRPr lang="en-US" sz="1600" dirty="0">
+              <a:solidFill>
+                <a:srgbClr val="000000"/>
+              </a:solidFill>
+              <a:latin typeface="Consolas" panose="020B0609020204030204" pitchFamily="49" charset="0"/>
+            </a:endParaRPr>
+          </a:p>
+          <a:p>
+            <a:r>
+              <a:rPr lang="en-US" sz="1600" dirty="0">
+                <a:solidFill>
+                  <a:srgbClr val="000000"/>
+                </a:solidFill>
+                <a:latin typeface="Consolas" panose="020B0609020204030204" pitchFamily="49" charset="0"/>
+              </a:rPr>
+              <a:t>});</a:t>
+            </a:r>
+            <a:endParaRPr lang="en-US" sz="1600" dirty="0">
+              <a:latin typeface="Consolas" panose="020B0609020204030204" pitchFamily="49" charset="0"/>
+            </a:endParaRPr>
+          </a:p>
+          <a:p>
+            <a:br>
+              <a:rPr lang="en-US" dirty="0">
+                <a:latin typeface="Consolas" panose="020B0609020204030204" pitchFamily="49" charset="0"/>
+              </a:rPr>
+            </a:br>
+            <a:endParaRPr lang="en-US" dirty="0">
+              <a:latin typeface="Consolas" panose="020B0609020204030204" pitchFamily="49" charset="0"/>
+            </a:endParaRPr>
+          </a:p>
+        </p:txBody>
+      </p:sp>
+      <p:sp>
+        <p:nvSpPr>
+          <p:cNvPr id="10" name="TextBox 9"/>
+          <p:cNvSpPr txBox="1"/>
+          <p:nvPr/>
+        </p:nvSpPr>
+        <p:spPr>
+          <a:xfrm>
+            <a:off x="777561" y="2372903"/>
+            <a:ext cx="3455626" cy="400110"/>
+          </a:xfrm>
+          <a:prstGeom prst="rect">
+            <a:avLst/>
+          </a:prstGeom>
+          <a:noFill/>
+        </p:spPr>
+        <p:txBody>
+          <a:bodyPr wrap="none" rtlCol="0">
+            <a:spAutoFit/>
+          </a:bodyPr>
+          <a:lstStyle/>
+          <a:p>
+            <a:r>
+              <a:rPr lang="sv-SE" sz="2000" dirty="0"/>
+              <a:t>./controllers/</a:t>
+            </a:r>
+            <a:r>
+              <a:rPr lang="sv-SE" sz="2000" b="1" dirty="0"/>
+              <a:t>homeController.js</a:t>
+            </a:r>
+            <a:endParaRPr lang="en-US" sz="2000" b="1" dirty="0"/>
+          </a:p>
+        </p:txBody>
+      </p:sp>
+      <p:pic>
+        <p:nvPicPr>
+          <p:cNvPr id="23" name="Picture 2" descr="C:\Users\wmmih\AppData\Local\Temp\SNAGHTML1288bdde.PNG"/>
+          <p:cNvPicPr>
+            <a:picLocks noChangeAspect="1" noChangeArrowheads="1"/>
+          </p:cNvPicPr>
+          <p:nvPr/>
+        </p:nvPicPr>
+        <p:blipFill>
+          <a:blip r:embed="rId2">
+            <a:extLst>
+              <a:ext uri="{28A0092B-C50C-407E-A947-70E740481C1C}">
+                <a14:useLocalDpi xmlns:a14="http://schemas.microsoft.com/office/drawing/2010/main" val="0"/>
+              </a:ext>
+            </a:extLst>
+          </a:blip>
+          <a:srcRect/>
+          <a:stretch>
+            <a:fillRect/>
+          </a:stretch>
+        </p:blipFill>
+        <p:spPr bwMode="auto">
+          <a:xfrm>
+            <a:off x="6452937" y="2876976"/>
+            <a:ext cx="4900863" cy="3750327"/>
+          </a:xfrm>
+          <a:prstGeom prst="rect">
+            <a:avLst/>
+          </a:prstGeom>
+          <a:noFill/>
+          <a:extLst>
+            <a:ext uri="{909E8E84-426E-40DD-AFC4-6F175D3DCCD1}">
+              <a14:hiddenFill xmlns:a14="http://schemas.microsoft.com/office/drawing/2010/main">
+                <a:solidFill>
+                  <a:srgbClr val="FFFFFF"/>
+                </a:solidFill>
+              </a14:hiddenFill>
+            </a:ext>
+          </a:extLst>
+        </p:spPr>
+      </p:pic>
+      <p:sp>
+        <p:nvSpPr>
+          <p:cNvPr id="24" name="TextBox 23"/>
+          <p:cNvSpPr txBox="1"/>
+          <p:nvPr/>
+        </p:nvSpPr>
+        <p:spPr>
+          <a:xfrm>
+            <a:off x="7040518" y="3104021"/>
+            <a:ext cx="4313282" cy="3785652"/>
+          </a:xfrm>
+          <a:prstGeom prst="rect">
+            <a:avLst/>
+          </a:prstGeom>
+          <a:noFill/>
+        </p:spPr>
+        <p:txBody>
+          <a:bodyPr wrap="square" rtlCol="0">
+            <a:spAutoFit/>
+          </a:bodyPr>
+          <a:lstStyle/>
+          <a:p>
+            <a:r>
+              <a:rPr lang="en-US" sz="1600" dirty="0">
+                <a:solidFill>
+                  <a:srgbClr val="800000"/>
+                </a:solidFill>
+                <a:latin typeface="Consolas" panose="020B0609020204030204" pitchFamily="49" charset="0"/>
+              </a:rPr>
+              <a:t>&lt;!</a:t>
+            </a:r>
+            <a:r>
+              <a:rPr lang="en-US" sz="1600" dirty="0" err="1">
+                <a:solidFill>
+                  <a:srgbClr val="800000"/>
+                </a:solidFill>
+                <a:latin typeface="Consolas" panose="020B0609020204030204" pitchFamily="49" charset="0"/>
+              </a:rPr>
+              <a:t>doctype</a:t>
+            </a:r>
+            <a:r>
+              <a:rPr lang="en-US" sz="1600" dirty="0">
+                <a:solidFill>
+                  <a:srgbClr val="800000"/>
+                </a:solidFill>
+                <a:latin typeface="Consolas" panose="020B0609020204030204" pitchFamily="49" charset="0"/>
+              </a:rPr>
+              <a:t> html&gt; </a:t>
+            </a:r>
+            <a:br>
+              <a:rPr lang="en-US" sz="1600" dirty="0">
+                <a:solidFill>
+                  <a:srgbClr val="800000"/>
+                </a:solidFill>
+                <a:latin typeface="Consolas" panose="020B0609020204030204" pitchFamily="49" charset="0"/>
+              </a:rPr>
+            </a:br>
+            <a:r>
+              <a:rPr lang="en-US" sz="1600" dirty="0">
+                <a:solidFill>
+                  <a:srgbClr val="800000"/>
+                </a:solidFill>
+                <a:latin typeface="Consolas" panose="020B0609020204030204" pitchFamily="49" charset="0"/>
+              </a:rPr>
+              <a:t>&lt;html&gt; </a:t>
+            </a:r>
+            <a:br>
+              <a:rPr lang="en-US" sz="1600" dirty="0">
+                <a:solidFill>
+                  <a:srgbClr val="800000"/>
+                </a:solidFill>
+                <a:latin typeface="Consolas" panose="020B0609020204030204" pitchFamily="49" charset="0"/>
+              </a:rPr>
+            </a:br>
+            <a:r>
+              <a:rPr lang="en-US" sz="1600" dirty="0">
+                <a:solidFill>
+                  <a:srgbClr val="800000"/>
+                </a:solidFill>
+                <a:latin typeface="Consolas" panose="020B0609020204030204" pitchFamily="49" charset="0"/>
+              </a:rPr>
+              <a:t>  &lt;head&gt; </a:t>
+            </a:r>
+            <a:br>
+              <a:rPr lang="en-US" sz="1600" dirty="0">
+                <a:solidFill>
+                  <a:srgbClr val="800000"/>
+                </a:solidFill>
+                <a:latin typeface="Consolas" panose="020B0609020204030204" pitchFamily="49" charset="0"/>
+              </a:rPr>
+            </a:br>
+            <a:r>
+              <a:rPr lang="en-US" sz="1600" dirty="0">
+                <a:solidFill>
+                  <a:srgbClr val="800000"/>
+                </a:solidFill>
+                <a:latin typeface="Consolas" panose="020B0609020204030204" pitchFamily="49" charset="0"/>
+              </a:rPr>
+              <a:t>    &lt;meta charset="utf-8" /&gt; </a:t>
+            </a:r>
+            <a:br>
+              <a:rPr lang="en-US" sz="1600" dirty="0">
+                <a:solidFill>
+                  <a:srgbClr val="800000"/>
+                </a:solidFill>
+                <a:latin typeface="Consolas" panose="020B0609020204030204" pitchFamily="49" charset="0"/>
+              </a:rPr>
+            </a:br>
+            <a:r>
+              <a:rPr lang="en-US" sz="1600" dirty="0">
+                <a:solidFill>
+                  <a:srgbClr val="800000"/>
+                </a:solidFill>
+                <a:latin typeface="Consolas" panose="020B0609020204030204" pitchFamily="49" charset="0"/>
+              </a:rPr>
+              <a:t>    &lt;title&gt;</a:t>
+            </a:r>
+            <a:r>
+              <a:rPr lang="en-US" sz="1600" dirty="0">
+                <a:solidFill>
+                  <a:srgbClr val="000000"/>
+                </a:solidFill>
+                <a:latin typeface="Consolas" panose="020B0609020204030204" pitchFamily="49" charset="0"/>
+              </a:rPr>
+              <a:t>{</a:t>
+            </a:r>
+            <a:r>
+              <a:rPr lang="en-US" sz="1600" dirty="0">
+                <a:solidFill>
+                  <a:schemeClr val="bg1"/>
+                </a:solidFill>
+                <a:latin typeface="Consolas" panose="020B0609020204030204" pitchFamily="49" charset="0"/>
+              </a:rPr>
+              <a:t>{ title }}</a:t>
+            </a:r>
+            <a:r>
+              <a:rPr lang="en-US" sz="1600" dirty="0">
+                <a:solidFill>
+                  <a:srgbClr val="800000"/>
+                </a:solidFill>
+                <a:latin typeface="Consolas" panose="020B0609020204030204" pitchFamily="49" charset="0"/>
+              </a:rPr>
+              <a:t>&lt;/title&gt; </a:t>
+            </a:r>
+            <a:br>
+              <a:rPr lang="en-US" sz="1600" dirty="0">
+                <a:solidFill>
+                  <a:srgbClr val="800000"/>
+                </a:solidFill>
+                <a:latin typeface="Consolas" panose="020B0609020204030204" pitchFamily="49" charset="0"/>
+              </a:rPr>
+            </a:br>
+            <a:r>
+              <a:rPr lang="en-US" sz="1600" dirty="0">
+                <a:solidFill>
+                  <a:srgbClr val="800000"/>
+                </a:solidFill>
+                <a:latin typeface="Consolas" panose="020B0609020204030204" pitchFamily="49" charset="0"/>
+              </a:rPr>
+              <a:t>  &lt;/head&gt; </a:t>
+            </a:r>
+            <a:br>
+              <a:rPr lang="en-US" sz="1600" dirty="0">
+                <a:solidFill>
+                  <a:srgbClr val="800000"/>
+                </a:solidFill>
+                <a:latin typeface="Consolas" panose="020B0609020204030204" pitchFamily="49" charset="0"/>
+              </a:rPr>
+            </a:br>
+            <a:r>
+              <a:rPr lang="en-US" sz="1600" dirty="0">
+                <a:solidFill>
+                  <a:srgbClr val="800000"/>
+                </a:solidFill>
+                <a:latin typeface="Consolas" panose="020B0609020204030204" pitchFamily="49" charset="0"/>
+              </a:rPr>
+              <a:t>  &lt;body&gt; </a:t>
+            </a:r>
+            <a:br>
+              <a:rPr lang="en-US" sz="1600" dirty="0">
+                <a:solidFill>
+                  <a:srgbClr val="800000"/>
+                </a:solidFill>
+                <a:latin typeface="Consolas" panose="020B0609020204030204" pitchFamily="49" charset="0"/>
+              </a:rPr>
+            </a:br>
+            <a:r>
+              <a:rPr lang="en-US" sz="1600" dirty="0">
+                <a:solidFill>
+                  <a:srgbClr val="800000"/>
+                </a:solidFill>
+                <a:latin typeface="Consolas" panose="020B0609020204030204" pitchFamily="49" charset="0"/>
+              </a:rPr>
+              <a:t>    &lt;div&gt; </a:t>
+            </a:r>
+            <a:br>
+              <a:rPr lang="en-US" sz="1600" dirty="0">
+                <a:solidFill>
+                  <a:srgbClr val="800000"/>
+                </a:solidFill>
+                <a:latin typeface="Consolas" panose="020B0609020204030204" pitchFamily="49" charset="0"/>
+              </a:rPr>
+            </a:br>
+            <a:r>
+              <a:rPr lang="en-US" sz="1600" dirty="0">
+                <a:solidFill>
+                  <a:srgbClr val="800000"/>
+                </a:solidFill>
+                <a:latin typeface="Consolas" panose="020B0609020204030204" pitchFamily="49" charset="0"/>
+              </a:rPr>
+              <a:t>      &lt;h1&gt;</a:t>
+            </a:r>
+            <a:r>
+              <a:rPr lang="en-US" sz="1600" dirty="0">
+                <a:solidFill>
+                  <a:schemeClr val="bg1"/>
+                </a:solidFill>
+                <a:latin typeface="Consolas" panose="020B0609020204030204" pitchFamily="49" charset="0"/>
+              </a:rPr>
+              <a:t>{{ title }}</a:t>
+            </a:r>
+            <a:r>
+              <a:rPr lang="en-US" sz="1600" dirty="0">
+                <a:solidFill>
+                  <a:srgbClr val="800000"/>
+                </a:solidFill>
+                <a:latin typeface="Consolas" panose="020B0609020204030204" pitchFamily="49" charset="0"/>
+              </a:rPr>
+              <a:t>&lt;/h1&gt; </a:t>
+            </a:r>
+            <a:br>
+              <a:rPr lang="en-US" sz="1600" dirty="0">
+                <a:solidFill>
+                  <a:srgbClr val="800000"/>
+                </a:solidFill>
+                <a:latin typeface="Consolas" panose="020B0609020204030204" pitchFamily="49" charset="0"/>
+              </a:rPr>
+            </a:br>
+            <a:r>
+              <a:rPr lang="en-US" sz="1600" dirty="0">
+                <a:solidFill>
+                  <a:srgbClr val="800000"/>
+                </a:solidFill>
+                <a:latin typeface="Consolas" panose="020B0609020204030204" pitchFamily="49" charset="0"/>
+              </a:rPr>
+              <a:t>      &lt;p&gt;This is an express app&lt;/p&gt; </a:t>
+            </a:r>
+            <a:br>
+              <a:rPr lang="en-US" sz="1600" dirty="0">
+                <a:solidFill>
+                  <a:srgbClr val="800000"/>
+                </a:solidFill>
+                <a:latin typeface="Consolas" panose="020B0609020204030204" pitchFamily="49" charset="0"/>
+              </a:rPr>
+            </a:br>
+            <a:r>
+              <a:rPr lang="en-US" sz="1600" dirty="0">
+                <a:solidFill>
+                  <a:srgbClr val="800000"/>
+                </a:solidFill>
+                <a:latin typeface="Consolas" panose="020B0609020204030204" pitchFamily="49" charset="0"/>
+              </a:rPr>
+              <a:t>    &lt;/div&gt; </a:t>
+            </a:r>
+            <a:br>
+              <a:rPr lang="en-US" sz="1600" dirty="0">
+                <a:solidFill>
+                  <a:srgbClr val="800000"/>
+                </a:solidFill>
+                <a:latin typeface="Consolas" panose="020B0609020204030204" pitchFamily="49" charset="0"/>
+              </a:rPr>
+            </a:br>
+            <a:r>
+              <a:rPr lang="en-US" sz="1600" dirty="0">
+                <a:solidFill>
+                  <a:srgbClr val="800000"/>
+                </a:solidFill>
+                <a:latin typeface="Consolas" panose="020B0609020204030204" pitchFamily="49" charset="0"/>
+              </a:rPr>
+              <a:t>  &lt;/body&gt; </a:t>
+            </a:r>
+            <a:br>
+              <a:rPr lang="en-US" sz="1600" dirty="0">
+                <a:solidFill>
+                  <a:srgbClr val="800000"/>
+                </a:solidFill>
+                <a:latin typeface="Consolas" panose="020B0609020204030204" pitchFamily="49" charset="0"/>
+              </a:rPr>
+            </a:br>
+            <a:r>
+              <a:rPr lang="en-US" sz="1600" dirty="0">
+                <a:solidFill>
+                  <a:srgbClr val="800000"/>
+                </a:solidFill>
+                <a:latin typeface="Consolas" panose="020B0609020204030204" pitchFamily="49" charset="0"/>
+              </a:rPr>
+              <a:t>&lt;/html&gt;</a:t>
+            </a:r>
+            <a:endParaRPr lang="en-US" sz="1600" dirty="0">
+              <a:latin typeface="Consolas" panose="020B0609020204030204" pitchFamily="49" charset="0"/>
+            </a:endParaRPr>
+          </a:p>
+          <a:p>
+            <a:br>
+              <a:rPr lang="en-US" sz="1600" dirty="0">
+                <a:latin typeface="Consolas" panose="020B0609020204030204" pitchFamily="49" charset="0"/>
+              </a:rPr>
+            </a:br>
+            <a:endParaRPr lang="en-US" sz="1600" dirty="0">
+              <a:latin typeface="Consolas" panose="020B0609020204030204" pitchFamily="49" charset="0"/>
+            </a:endParaRPr>
+          </a:p>
+        </p:txBody>
+      </p:sp>
+      <p:sp>
+        <p:nvSpPr>
+          <p:cNvPr id="25" name="TextBox 24"/>
+          <p:cNvSpPr txBox="1"/>
+          <p:nvPr/>
+        </p:nvSpPr>
+        <p:spPr>
+          <a:xfrm>
+            <a:off x="6379785" y="2370369"/>
+            <a:ext cx="3475503" cy="400110"/>
+          </a:xfrm>
+          <a:prstGeom prst="rect">
+            <a:avLst/>
+          </a:prstGeom>
+          <a:noFill/>
+        </p:spPr>
+        <p:txBody>
+          <a:bodyPr wrap="none" rtlCol="0">
+            <a:spAutoFit/>
+          </a:bodyPr>
+          <a:lstStyle/>
+          <a:p>
+            <a:r>
+              <a:rPr lang="sv-SE" sz="2000" dirty="0"/>
+              <a:t>./</a:t>
+            </a:r>
+            <a:r>
+              <a:rPr lang="sv-SE" sz="2000" dirty="0" err="1"/>
+              <a:t>views</a:t>
+            </a:r>
+            <a:r>
+              <a:rPr lang="sv-SE" sz="2000" dirty="0"/>
+              <a:t>/</a:t>
+            </a:r>
+            <a:r>
+              <a:rPr lang="sv-SE" sz="2000" dirty="0" err="1"/>
+              <a:t>home</a:t>
+            </a:r>
+            <a:r>
+              <a:rPr lang="sv-SE" sz="2000" dirty="0"/>
+              <a:t>/</a:t>
+            </a:r>
+            <a:r>
+              <a:rPr lang="sv-SE" sz="2000" b="1" dirty="0" err="1"/>
+              <a:t>index.mustache</a:t>
+            </a:r>
+            <a:endParaRPr lang="en-US" sz="2000" b="1" dirty="0"/>
           </a:p>
         </p:txBody>
       </p:sp>
     </p:spTree>
     <p:extLst>
       <p:ext uri="{BB962C8B-B14F-4D97-AF65-F5344CB8AC3E}">
-        <p14:creationId xmlns:p14="http://schemas.microsoft.com/office/powerpoint/2010/main" val="1533128887"/>
+        <p14:creationId xmlns:p14="http://schemas.microsoft.com/office/powerpoint/2010/main" val="1016394067"/>
+      </p:ext>
+    </p:extLst>
+  </p:cSld>
+  <p:clrMapOvr>
+    <a:masterClrMapping/>
+  </p:clrMapOvr>
+</p:sld>
+</file>
+
+<file path=ppt/slides/slide68.xml><?xml version="1.0" encoding="utf-8"?>
+<p:sld xmlns:a="http://schemas.openxmlformats.org/drawingml/2006/main" xmlns:r="http://schemas.openxmlformats.org/officeDocument/2006/relationships" xmlns:p="http://schemas.openxmlformats.org/presentationml/2006/main">
+  <p:cSld>
+    <p:spTree>
+      <p:nvGrpSpPr>
+        <p:cNvPr id="1" name=""/>
+        <p:cNvGrpSpPr/>
+        <p:nvPr/>
+      </p:nvGrpSpPr>
+      <p:grpSpPr>
+        <a:xfrm>
+          <a:off x="0" y="0"/>
+          <a:ext cx="0" cy="0"/>
+          <a:chOff x="0" y="0"/>
+          <a:chExt cx="0" cy="0"/>
+        </a:xfrm>
+      </p:grpSpPr>
+      <p:sp>
+        <p:nvSpPr>
+          <p:cNvPr id="2" name="Title 1"/>
+          <p:cNvSpPr>
+            <a:spLocks noGrp="1"/>
+          </p:cNvSpPr>
+          <p:nvPr>
+            <p:ph type="title"/>
+          </p:nvPr>
+        </p:nvSpPr>
+        <p:spPr/>
+        <p:txBody>
+          <a:bodyPr/>
+          <a:lstStyle/>
+          <a:p>
+            <a:r>
+              <a:rPr lang="en-US"/>
+              <a:t>Building Web apps using Node.js</a:t>
+            </a:r>
+          </a:p>
+        </p:txBody>
+      </p:sp>
+      <p:sp>
+        <p:nvSpPr>
+          <p:cNvPr id="29" name="TextBox 28"/>
+          <p:cNvSpPr txBox="1"/>
+          <p:nvPr/>
+        </p:nvSpPr>
+        <p:spPr>
+          <a:xfrm>
+            <a:off x="1048512" y="1044806"/>
+            <a:ext cx="3300904" cy="584775"/>
+          </a:xfrm>
+          <a:prstGeom prst="rect">
+            <a:avLst/>
+          </a:prstGeom>
+          <a:noFill/>
+        </p:spPr>
+        <p:txBody>
+          <a:bodyPr wrap="none" rtlCol="0">
+            <a:spAutoFit/>
+          </a:bodyPr>
+          <a:lstStyle/>
+          <a:p>
+            <a:r>
+              <a:rPr lang="en-US" sz="3200" dirty="0">
+                <a:latin typeface="Segoe UI Light" panose="020B0502040204020203" pitchFamily="34" charset="0"/>
+                <a:ea typeface="+mj-ea"/>
+                <a:cs typeface="Segoe UI Light" panose="020B0502040204020203" pitchFamily="34" charset="0"/>
+              </a:rPr>
+              <a:t>View Engines - </a:t>
+            </a:r>
+            <a:r>
+              <a:rPr lang="sv-SE" sz="3200" b="1" dirty="0" err="1"/>
+              <a:t>ejs</a:t>
+            </a:r>
+            <a:endParaRPr lang="en-US" sz="3200" dirty="0">
+              <a:latin typeface="Segoe UI Light" panose="020B0502040204020203" pitchFamily="34" charset="0"/>
+              <a:ea typeface="+mj-ea"/>
+              <a:cs typeface="Segoe UI Light" panose="020B0502040204020203" pitchFamily="34" charset="0"/>
+            </a:endParaRPr>
+          </a:p>
+        </p:txBody>
+      </p:sp>
+      <p:pic>
+        <p:nvPicPr>
+          <p:cNvPr id="18" name="Picture 2" descr="C:\Users\wmmih\AppData\Local\Temp\SNAGHTML1288bdde.PNG"/>
+          <p:cNvPicPr>
+            <a:picLocks noChangeAspect="1" noChangeArrowheads="1"/>
+          </p:cNvPicPr>
+          <p:nvPr/>
+        </p:nvPicPr>
+        <p:blipFill>
+          <a:blip r:embed="rId2">
+            <a:extLst>
+              <a:ext uri="{28A0092B-C50C-407E-A947-70E740481C1C}">
+                <a14:useLocalDpi xmlns:a14="http://schemas.microsoft.com/office/drawing/2010/main" val="0"/>
+              </a:ext>
+            </a:extLst>
+          </a:blip>
+          <a:srcRect/>
+          <a:stretch>
+            <a:fillRect/>
+          </a:stretch>
+        </p:blipFill>
+        <p:spPr bwMode="auto">
+          <a:xfrm>
+            <a:off x="777561" y="2876976"/>
+            <a:ext cx="4900863" cy="3073897"/>
+          </a:xfrm>
+          <a:prstGeom prst="rect">
+            <a:avLst/>
+          </a:prstGeom>
+          <a:noFill/>
+          <a:extLst>
+            <a:ext uri="{909E8E84-426E-40DD-AFC4-6F175D3DCCD1}">
+              <a14:hiddenFill xmlns:a14="http://schemas.microsoft.com/office/drawing/2010/main">
+                <a:solidFill>
+                  <a:srgbClr val="FFFFFF"/>
+                </a:solidFill>
+              </a14:hiddenFill>
+            </a:ext>
+          </a:extLst>
+        </p:spPr>
+      </p:pic>
+      <p:sp>
+        <p:nvSpPr>
+          <p:cNvPr id="3" name="TextBox 2"/>
+          <p:cNvSpPr txBox="1"/>
+          <p:nvPr/>
+        </p:nvSpPr>
+        <p:spPr>
+          <a:xfrm>
+            <a:off x="1086772" y="3580993"/>
+            <a:ext cx="4282440" cy="2369880"/>
+          </a:xfrm>
+          <a:prstGeom prst="rect">
+            <a:avLst/>
+          </a:prstGeom>
+          <a:noFill/>
+        </p:spPr>
+        <p:txBody>
+          <a:bodyPr wrap="square" rtlCol="0">
+            <a:spAutoFit/>
+          </a:bodyPr>
+          <a:lstStyle/>
+          <a:p>
+            <a:r>
+              <a:rPr lang="en-US" sz="1600" dirty="0" err="1">
+                <a:solidFill>
+                  <a:srgbClr val="000000"/>
+                </a:solidFill>
+                <a:latin typeface="Consolas" panose="020B0609020204030204" pitchFamily="49" charset="0"/>
+              </a:rPr>
+              <a:t>app.get</a:t>
+            </a:r>
+            <a:r>
+              <a:rPr lang="en-US" sz="1600" dirty="0">
+                <a:solidFill>
+                  <a:srgbClr val="000000"/>
+                </a:solidFill>
+                <a:latin typeface="Consolas" panose="020B0609020204030204" pitchFamily="49" charset="0"/>
+              </a:rPr>
+              <a:t>(</a:t>
+            </a:r>
+            <a:r>
+              <a:rPr lang="en-US" sz="1600" dirty="0">
+                <a:solidFill>
+                  <a:srgbClr val="FF0000"/>
+                </a:solidFill>
+                <a:latin typeface="Consolas" panose="020B0609020204030204" pitchFamily="49" charset="0"/>
+              </a:rPr>
+              <a:t>"/home"</a:t>
+            </a:r>
+            <a:r>
+              <a:rPr lang="en-US" sz="1600" dirty="0">
+                <a:solidFill>
+                  <a:srgbClr val="000000"/>
+                </a:solidFill>
+                <a:latin typeface="Consolas" panose="020B0609020204030204" pitchFamily="49" charset="0"/>
+              </a:rPr>
+              <a:t>, </a:t>
+            </a:r>
+            <a:r>
+              <a:rPr lang="en-US" sz="1600" dirty="0">
+                <a:solidFill>
+                  <a:srgbClr val="0000FF"/>
+                </a:solidFill>
+                <a:latin typeface="Consolas" panose="020B0609020204030204" pitchFamily="49" charset="0"/>
+              </a:rPr>
+              <a:t>function</a:t>
+            </a:r>
+            <a:r>
+              <a:rPr lang="en-US" sz="1600" dirty="0">
+                <a:solidFill>
+                  <a:srgbClr val="000000"/>
+                </a:solidFill>
+                <a:latin typeface="Consolas" panose="020B0609020204030204" pitchFamily="49" charset="0"/>
+              </a:rPr>
+              <a:t>(</a:t>
+            </a:r>
+            <a:r>
+              <a:rPr lang="en-US" sz="1600" dirty="0" err="1">
+                <a:solidFill>
+                  <a:srgbClr val="000000"/>
+                </a:solidFill>
+                <a:latin typeface="Consolas" panose="020B0609020204030204" pitchFamily="49" charset="0"/>
+              </a:rPr>
+              <a:t>req,res</a:t>
+            </a:r>
+            <a:r>
+              <a:rPr lang="en-US" sz="1600" dirty="0">
+                <a:solidFill>
+                  <a:srgbClr val="000000"/>
+                </a:solidFill>
+                <a:latin typeface="Consolas" panose="020B0609020204030204" pitchFamily="49" charset="0"/>
+              </a:rPr>
+              <a:t>){</a:t>
+            </a:r>
+          </a:p>
+          <a:p>
+            <a:endParaRPr lang="en-US" sz="1600" dirty="0">
+              <a:solidFill>
+                <a:srgbClr val="000000"/>
+              </a:solidFill>
+              <a:latin typeface="Consolas" panose="020B0609020204030204" pitchFamily="49" charset="0"/>
+            </a:endParaRPr>
+          </a:p>
+          <a:p>
+            <a:r>
+              <a:rPr lang="en-US" sz="1600" dirty="0">
+                <a:solidFill>
+                  <a:srgbClr val="000000"/>
+                </a:solidFill>
+                <a:latin typeface="Consolas" panose="020B0609020204030204" pitchFamily="49" charset="0"/>
+              </a:rPr>
+              <a:t>    </a:t>
+            </a:r>
+            <a:r>
+              <a:rPr lang="en-US" sz="1600" dirty="0" err="1">
+                <a:solidFill>
+                  <a:srgbClr val="0000FF"/>
+                </a:solidFill>
+                <a:latin typeface="Consolas" panose="020B0609020204030204" pitchFamily="49" charset="0"/>
+              </a:rPr>
+              <a:t>var</a:t>
+            </a:r>
+            <a:r>
+              <a:rPr lang="en-US" sz="1600" dirty="0">
+                <a:solidFill>
+                  <a:srgbClr val="000000"/>
+                </a:solidFill>
+                <a:latin typeface="Consolas" panose="020B0609020204030204" pitchFamily="49" charset="0"/>
+              </a:rPr>
+              <a:t> model = {</a:t>
+            </a:r>
+            <a:r>
+              <a:rPr lang="en-US" sz="1600" dirty="0" err="1">
+                <a:solidFill>
+                  <a:srgbClr val="000000"/>
+                </a:solidFill>
+                <a:latin typeface="Consolas" panose="020B0609020204030204" pitchFamily="49" charset="0"/>
+              </a:rPr>
+              <a:t>title:</a:t>
+            </a:r>
+            <a:r>
+              <a:rPr lang="en-US" sz="1600" dirty="0" err="1">
+                <a:solidFill>
+                  <a:srgbClr val="FF0000"/>
+                </a:solidFill>
+                <a:latin typeface="Consolas" panose="020B0609020204030204" pitchFamily="49" charset="0"/>
+              </a:rPr>
+              <a:t>"Welcome</a:t>
+            </a:r>
+            <a:r>
+              <a:rPr lang="en-US" sz="1600" dirty="0">
+                <a:solidFill>
+                  <a:srgbClr val="FF0000"/>
+                </a:solidFill>
+                <a:latin typeface="Consolas" panose="020B0609020204030204" pitchFamily="49" charset="0"/>
+              </a:rPr>
+              <a:t>"</a:t>
+            </a:r>
+            <a:r>
+              <a:rPr lang="en-US" sz="1600" dirty="0">
+                <a:solidFill>
+                  <a:srgbClr val="000000"/>
+                </a:solidFill>
+                <a:latin typeface="Consolas" panose="020B0609020204030204" pitchFamily="49" charset="0"/>
+              </a:rPr>
+              <a:t>};</a:t>
+            </a:r>
+            <a:br>
+              <a:rPr lang="en-US" sz="1600" dirty="0">
+                <a:solidFill>
+                  <a:srgbClr val="000000"/>
+                </a:solidFill>
+                <a:latin typeface="Consolas" panose="020B0609020204030204" pitchFamily="49" charset="0"/>
+              </a:rPr>
+            </a:br>
+            <a:endParaRPr lang="en-US" sz="1600" dirty="0">
+              <a:solidFill>
+                <a:srgbClr val="000000"/>
+              </a:solidFill>
+              <a:latin typeface="Consolas" panose="020B0609020204030204" pitchFamily="49" charset="0"/>
+            </a:endParaRPr>
+          </a:p>
+          <a:p>
+            <a:r>
+              <a:rPr lang="en-US" sz="1600" dirty="0">
+                <a:solidFill>
+                  <a:srgbClr val="000000"/>
+                </a:solidFill>
+                <a:latin typeface="Consolas" panose="020B0609020204030204" pitchFamily="49" charset="0"/>
+              </a:rPr>
+              <a:t>    </a:t>
+            </a:r>
+            <a:r>
+              <a:rPr lang="en-US" sz="1600" dirty="0" err="1">
+                <a:solidFill>
+                  <a:srgbClr val="000000"/>
+                </a:solidFill>
+                <a:latin typeface="Consolas" panose="020B0609020204030204" pitchFamily="49" charset="0"/>
+              </a:rPr>
+              <a:t>res.render</a:t>
+            </a:r>
+            <a:r>
+              <a:rPr lang="en-US" sz="1600" dirty="0">
+                <a:solidFill>
+                  <a:srgbClr val="000000"/>
+                </a:solidFill>
+                <a:latin typeface="Consolas" panose="020B0609020204030204" pitchFamily="49" charset="0"/>
+              </a:rPr>
+              <a:t>(</a:t>
+            </a:r>
+            <a:r>
+              <a:rPr lang="en-US" sz="1600" dirty="0">
+                <a:solidFill>
+                  <a:srgbClr val="FF0000"/>
+                </a:solidFill>
+                <a:latin typeface="Consolas" panose="020B0609020204030204" pitchFamily="49" charset="0"/>
+              </a:rPr>
+              <a:t>"home/index"</a:t>
+            </a:r>
+            <a:r>
+              <a:rPr lang="en-US" sz="1600" dirty="0">
+                <a:solidFill>
+                  <a:srgbClr val="000000"/>
+                </a:solidFill>
+                <a:latin typeface="Consolas" panose="020B0609020204030204" pitchFamily="49" charset="0"/>
+              </a:rPr>
+              <a:t>, model); </a:t>
+            </a:r>
+            <a:br>
+              <a:rPr lang="en-US" sz="1600" dirty="0">
+                <a:solidFill>
+                  <a:srgbClr val="000000"/>
+                </a:solidFill>
+                <a:latin typeface="Consolas" panose="020B0609020204030204" pitchFamily="49" charset="0"/>
+              </a:rPr>
+            </a:br>
+            <a:endParaRPr lang="en-US" sz="1600" dirty="0">
+              <a:solidFill>
+                <a:srgbClr val="000000"/>
+              </a:solidFill>
+              <a:latin typeface="Consolas" panose="020B0609020204030204" pitchFamily="49" charset="0"/>
+            </a:endParaRPr>
+          </a:p>
+          <a:p>
+            <a:r>
+              <a:rPr lang="en-US" sz="1600" dirty="0">
+                <a:solidFill>
+                  <a:srgbClr val="000000"/>
+                </a:solidFill>
+                <a:latin typeface="Consolas" panose="020B0609020204030204" pitchFamily="49" charset="0"/>
+              </a:rPr>
+              <a:t>});</a:t>
+            </a:r>
+            <a:endParaRPr lang="en-US" sz="1600" dirty="0">
+              <a:latin typeface="Consolas" panose="020B0609020204030204" pitchFamily="49" charset="0"/>
+            </a:endParaRPr>
+          </a:p>
+          <a:p>
+            <a:br>
+              <a:rPr lang="en-US" dirty="0">
+                <a:latin typeface="Consolas" panose="020B0609020204030204" pitchFamily="49" charset="0"/>
+              </a:rPr>
+            </a:br>
+            <a:endParaRPr lang="en-US" dirty="0">
+              <a:latin typeface="Consolas" panose="020B0609020204030204" pitchFamily="49" charset="0"/>
+            </a:endParaRPr>
+          </a:p>
+        </p:txBody>
+      </p:sp>
+      <p:sp>
+        <p:nvSpPr>
+          <p:cNvPr id="10" name="TextBox 9"/>
+          <p:cNvSpPr txBox="1"/>
+          <p:nvPr/>
+        </p:nvSpPr>
+        <p:spPr>
+          <a:xfrm>
+            <a:off x="777561" y="2372903"/>
+            <a:ext cx="3455626" cy="400110"/>
+          </a:xfrm>
+          <a:prstGeom prst="rect">
+            <a:avLst/>
+          </a:prstGeom>
+          <a:noFill/>
+        </p:spPr>
+        <p:txBody>
+          <a:bodyPr wrap="none" rtlCol="0">
+            <a:spAutoFit/>
+          </a:bodyPr>
+          <a:lstStyle/>
+          <a:p>
+            <a:r>
+              <a:rPr lang="sv-SE" sz="2000" dirty="0"/>
+              <a:t>./controllers/</a:t>
+            </a:r>
+            <a:r>
+              <a:rPr lang="sv-SE" sz="2000" b="1" dirty="0"/>
+              <a:t>homeController.js</a:t>
+            </a:r>
+            <a:endParaRPr lang="en-US" sz="2000" b="1" dirty="0"/>
+          </a:p>
+        </p:txBody>
+      </p:sp>
+      <p:pic>
+        <p:nvPicPr>
+          <p:cNvPr id="23" name="Picture 2" descr="C:\Users\wmmih\AppData\Local\Temp\SNAGHTML1288bdde.PNG"/>
+          <p:cNvPicPr>
+            <a:picLocks noChangeAspect="1" noChangeArrowheads="1"/>
+          </p:cNvPicPr>
+          <p:nvPr/>
+        </p:nvPicPr>
+        <p:blipFill>
+          <a:blip r:embed="rId2">
+            <a:extLst>
+              <a:ext uri="{28A0092B-C50C-407E-A947-70E740481C1C}">
+                <a14:useLocalDpi xmlns:a14="http://schemas.microsoft.com/office/drawing/2010/main" val="0"/>
+              </a:ext>
+            </a:extLst>
+          </a:blip>
+          <a:srcRect/>
+          <a:stretch>
+            <a:fillRect/>
+          </a:stretch>
+        </p:blipFill>
+        <p:spPr bwMode="auto">
+          <a:xfrm>
+            <a:off x="6452937" y="2876976"/>
+            <a:ext cx="4900863" cy="3750327"/>
+          </a:xfrm>
+          <a:prstGeom prst="rect">
+            <a:avLst/>
+          </a:prstGeom>
+          <a:noFill/>
+          <a:extLst>
+            <a:ext uri="{909E8E84-426E-40DD-AFC4-6F175D3DCCD1}">
+              <a14:hiddenFill xmlns:a14="http://schemas.microsoft.com/office/drawing/2010/main">
+                <a:solidFill>
+                  <a:srgbClr val="FFFFFF"/>
+                </a:solidFill>
+              </a14:hiddenFill>
+            </a:ext>
+          </a:extLst>
+        </p:spPr>
+      </p:pic>
+      <p:sp>
+        <p:nvSpPr>
+          <p:cNvPr id="24" name="TextBox 23"/>
+          <p:cNvSpPr txBox="1"/>
+          <p:nvPr/>
+        </p:nvSpPr>
+        <p:spPr>
+          <a:xfrm>
+            <a:off x="7040518" y="3104021"/>
+            <a:ext cx="4313282" cy="3785652"/>
+          </a:xfrm>
+          <a:prstGeom prst="rect">
+            <a:avLst/>
+          </a:prstGeom>
+          <a:noFill/>
+        </p:spPr>
+        <p:txBody>
+          <a:bodyPr wrap="square" rtlCol="0">
+            <a:spAutoFit/>
+          </a:bodyPr>
+          <a:lstStyle/>
+          <a:p>
+            <a:r>
+              <a:rPr lang="en-US" sz="1600" dirty="0">
+                <a:solidFill>
+                  <a:srgbClr val="800000"/>
+                </a:solidFill>
+                <a:latin typeface="Consolas" panose="020B0609020204030204" pitchFamily="49" charset="0"/>
+              </a:rPr>
+              <a:t>&lt;!</a:t>
+            </a:r>
+            <a:r>
+              <a:rPr lang="en-US" sz="1600" dirty="0" err="1">
+                <a:solidFill>
+                  <a:srgbClr val="800000"/>
+                </a:solidFill>
+                <a:latin typeface="Consolas" panose="020B0609020204030204" pitchFamily="49" charset="0"/>
+              </a:rPr>
+              <a:t>doctype</a:t>
+            </a:r>
+            <a:r>
+              <a:rPr lang="en-US" sz="1600" dirty="0">
+                <a:solidFill>
+                  <a:srgbClr val="800000"/>
+                </a:solidFill>
+                <a:latin typeface="Consolas" panose="020B0609020204030204" pitchFamily="49" charset="0"/>
+              </a:rPr>
+              <a:t> html&gt; </a:t>
+            </a:r>
+            <a:br>
+              <a:rPr lang="en-US" sz="1600" dirty="0">
+                <a:solidFill>
+                  <a:srgbClr val="800000"/>
+                </a:solidFill>
+                <a:latin typeface="Consolas" panose="020B0609020204030204" pitchFamily="49" charset="0"/>
+              </a:rPr>
+            </a:br>
+            <a:r>
+              <a:rPr lang="en-US" sz="1600" dirty="0">
+                <a:solidFill>
+                  <a:srgbClr val="800000"/>
+                </a:solidFill>
+                <a:latin typeface="Consolas" panose="020B0609020204030204" pitchFamily="49" charset="0"/>
+              </a:rPr>
+              <a:t>&lt;html&gt; </a:t>
+            </a:r>
+            <a:br>
+              <a:rPr lang="en-US" sz="1600" dirty="0">
+                <a:solidFill>
+                  <a:srgbClr val="800000"/>
+                </a:solidFill>
+                <a:latin typeface="Consolas" panose="020B0609020204030204" pitchFamily="49" charset="0"/>
+              </a:rPr>
+            </a:br>
+            <a:r>
+              <a:rPr lang="en-US" sz="1600" dirty="0">
+                <a:solidFill>
+                  <a:srgbClr val="800000"/>
+                </a:solidFill>
+                <a:latin typeface="Consolas" panose="020B0609020204030204" pitchFamily="49" charset="0"/>
+              </a:rPr>
+              <a:t>  &lt;head&gt; </a:t>
+            </a:r>
+            <a:br>
+              <a:rPr lang="en-US" sz="1600" dirty="0">
+                <a:solidFill>
+                  <a:srgbClr val="800000"/>
+                </a:solidFill>
+                <a:latin typeface="Consolas" panose="020B0609020204030204" pitchFamily="49" charset="0"/>
+              </a:rPr>
+            </a:br>
+            <a:r>
+              <a:rPr lang="en-US" sz="1600" dirty="0">
+                <a:solidFill>
+                  <a:srgbClr val="800000"/>
+                </a:solidFill>
+                <a:latin typeface="Consolas" panose="020B0609020204030204" pitchFamily="49" charset="0"/>
+              </a:rPr>
+              <a:t>    &lt;meta charset="utf-8" /&gt; </a:t>
+            </a:r>
+            <a:br>
+              <a:rPr lang="en-US" sz="1600" dirty="0">
+                <a:solidFill>
+                  <a:srgbClr val="800000"/>
+                </a:solidFill>
+                <a:latin typeface="Consolas" panose="020B0609020204030204" pitchFamily="49" charset="0"/>
+              </a:rPr>
+            </a:br>
+            <a:r>
+              <a:rPr lang="en-US" sz="1600" dirty="0">
+                <a:solidFill>
+                  <a:srgbClr val="800000"/>
+                </a:solidFill>
+                <a:latin typeface="Consolas" panose="020B0609020204030204" pitchFamily="49" charset="0"/>
+              </a:rPr>
+              <a:t>    &lt;title&gt;</a:t>
+            </a:r>
+            <a:r>
+              <a:rPr lang="en-US" sz="1600" dirty="0">
+                <a:solidFill>
+                  <a:srgbClr val="000000"/>
+                </a:solidFill>
+                <a:latin typeface="Consolas" panose="020B0609020204030204" pitchFamily="49" charset="0"/>
+              </a:rPr>
+              <a:t>&lt;%- title%&gt;</a:t>
+            </a:r>
+            <a:r>
+              <a:rPr lang="en-US" sz="1600" dirty="0">
+                <a:solidFill>
+                  <a:srgbClr val="800000"/>
+                </a:solidFill>
+                <a:latin typeface="Consolas" panose="020B0609020204030204" pitchFamily="49" charset="0"/>
+              </a:rPr>
+              <a:t>&lt;/title&gt; </a:t>
+            </a:r>
+            <a:br>
+              <a:rPr lang="en-US" sz="1600" dirty="0">
+                <a:solidFill>
+                  <a:srgbClr val="800000"/>
+                </a:solidFill>
+                <a:latin typeface="Consolas" panose="020B0609020204030204" pitchFamily="49" charset="0"/>
+              </a:rPr>
+            </a:br>
+            <a:r>
+              <a:rPr lang="en-US" sz="1600" dirty="0">
+                <a:solidFill>
+                  <a:srgbClr val="800000"/>
+                </a:solidFill>
+                <a:latin typeface="Consolas" panose="020B0609020204030204" pitchFamily="49" charset="0"/>
+              </a:rPr>
+              <a:t>  &lt;/head&gt; </a:t>
+            </a:r>
+            <a:br>
+              <a:rPr lang="en-US" sz="1600" dirty="0">
+                <a:solidFill>
+                  <a:srgbClr val="800000"/>
+                </a:solidFill>
+                <a:latin typeface="Consolas" panose="020B0609020204030204" pitchFamily="49" charset="0"/>
+              </a:rPr>
+            </a:br>
+            <a:r>
+              <a:rPr lang="en-US" sz="1600" dirty="0">
+                <a:solidFill>
+                  <a:srgbClr val="800000"/>
+                </a:solidFill>
+                <a:latin typeface="Consolas" panose="020B0609020204030204" pitchFamily="49" charset="0"/>
+              </a:rPr>
+              <a:t>  &lt;body&gt; </a:t>
+            </a:r>
+            <a:br>
+              <a:rPr lang="en-US" sz="1600" dirty="0">
+                <a:solidFill>
+                  <a:srgbClr val="800000"/>
+                </a:solidFill>
+                <a:latin typeface="Consolas" panose="020B0609020204030204" pitchFamily="49" charset="0"/>
+              </a:rPr>
+            </a:br>
+            <a:r>
+              <a:rPr lang="en-US" sz="1600" dirty="0">
+                <a:solidFill>
+                  <a:srgbClr val="800000"/>
+                </a:solidFill>
+                <a:latin typeface="Consolas" panose="020B0609020204030204" pitchFamily="49" charset="0"/>
+              </a:rPr>
+              <a:t>    &lt;div&gt; </a:t>
+            </a:r>
+            <a:br>
+              <a:rPr lang="en-US" sz="1600" dirty="0">
+                <a:solidFill>
+                  <a:srgbClr val="800000"/>
+                </a:solidFill>
+                <a:latin typeface="Consolas" panose="020B0609020204030204" pitchFamily="49" charset="0"/>
+              </a:rPr>
+            </a:br>
+            <a:r>
+              <a:rPr lang="en-US" sz="1600" dirty="0">
+                <a:solidFill>
+                  <a:srgbClr val="800000"/>
+                </a:solidFill>
+                <a:latin typeface="Consolas" panose="020B0609020204030204" pitchFamily="49" charset="0"/>
+              </a:rPr>
+              <a:t>      &lt;h1&gt;</a:t>
+            </a:r>
+            <a:r>
+              <a:rPr lang="en-US" sz="1600" dirty="0">
+                <a:solidFill>
+                  <a:srgbClr val="000000"/>
+                </a:solidFill>
+                <a:latin typeface="Consolas" panose="020B0609020204030204" pitchFamily="49" charset="0"/>
+              </a:rPr>
+              <a:t>&lt;%- title%&gt;</a:t>
+            </a:r>
+            <a:r>
+              <a:rPr lang="en-US" sz="1600" dirty="0">
+                <a:solidFill>
+                  <a:srgbClr val="800000"/>
+                </a:solidFill>
+                <a:latin typeface="Consolas" panose="020B0609020204030204" pitchFamily="49" charset="0"/>
+              </a:rPr>
+              <a:t>&lt;/h1&gt; </a:t>
+            </a:r>
+            <a:br>
+              <a:rPr lang="en-US" sz="1600" dirty="0">
+                <a:solidFill>
+                  <a:srgbClr val="800000"/>
+                </a:solidFill>
+                <a:latin typeface="Consolas" panose="020B0609020204030204" pitchFamily="49" charset="0"/>
+              </a:rPr>
+            </a:br>
+            <a:r>
+              <a:rPr lang="en-US" sz="1600" dirty="0">
+                <a:solidFill>
+                  <a:srgbClr val="800000"/>
+                </a:solidFill>
+                <a:latin typeface="Consolas" panose="020B0609020204030204" pitchFamily="49" charset="0"/>
+              </a:rPr>
+              <a:t>      &lt;p&gt;This is an express app&lt;/p&gt; </a:t>
+            </a:r>
+            <a:br>
+              <a:rPr lang="en-US" sz="1600" dirty="0">
+                <a:solidFill>
+                  <a:srgbClr val="800000"/>
+                </a:solidFill>
+                <a:latin typeface="Consolas" panose="020B0609020204030204" pitchFamily="49" charset="0"/>
+              </a:rPr>
+            </a:br>
+            <a:r>
+              <a:rPr lang="en-US" sz="1600" dirty="0">
+                <a:solidFill>
+                  <a:srgbClr val="800000"/>
+                </a:solidFill>
+                <a:latin typeface="Consolas" panose="020B0609020204030204" pitchFamily="49" charset="0"/>
+              </a:rPr>
+              <a:t>    &lt;/div&gt; </a:t>
+            </a:r>
+            <a:br>
+              <a:rPr lang="en-US" sz="1600" dirty="0">
+                <a:solidFill>
+                  <a:srgbClr val="800000"/>
+                </a:solidFill>
+                <a:latin typeface="Consolas" panose="020B0609020204030204" pitchFamily="49" charset="0"/>
+              </a:rPr>
+            </a:br>
+            <a:r>
+              <a:rPr lang="en-US" sz="1600" dirty="0">
+                <a:solidFill>
+                  <a:srgbClr val="800000"/>
+                </a:solidFill>
+                <a:latin typeface="Consolas" panose="020B0609020204030204" pitchFamily="49" charset="0"/>
+              </a:rPr>
+              <a:t>  &lt;/body&gt; </a:t>
+            </a:r>
+            <a:br>
+              <a:rPr lang="en-US" sz="1600" dirty="0">
+                <a:solidFill>
+                  <a:srgbClr val="800000"/>
+                </a:solidFill>
+                <a:latin typeface="Consolas" panose="020B0609020204030204" pitchFamily="49" charset="0"/>
+              </a:rPr>
+            </a:br>
+            <a:r>
+              <a:rPr lang="en-US" sz="1600" dirty="0">
+                <a:solidFill>
+                  <a:srgbClr val="800000"/>
+                </a:solidFill>
+                <a:latin typeface="Consolas" panose="020B0609020204030204" pitchFamily="49" charset="0"/>
+              </a:rPr>
+              <a:t>&lt;/html&gt;</a:t>
+            </a:r>
+            <a:endParaRPr lang="en-US" sz="1600" dirty="0">
+              <a:latin typeface="Consolas" panose="020B0609020204030204" pitchFamily="49" charset="0"/>
+            </a:endParaRPr>
+          </a:p>
+          <a:p>
+            <a:br>
+              <a:rPr lang="en-US" sz="1600" dirty="0">
+                <a:latin typeface="Consolas" panose="020B0609020204030204" pitchFamily="49" charset="0"/>
+              </a:rPr>
+            </a:br>
+            <a:endParaRPr lang="en-US" sz="1600" dirty="0">
+              <a:latin typeface="Consolas" panose="020B0609020204030204" pitchFamily="49" charset="0"/>
+            </a:endParaRPr>
+          </a:p>
+        </p:txBody>
+      </p:sp>
+      <p:sp>
+        <p:nvSpPr>
+          <p:cNvPr id="25" name="TextBox 24"/>
+          <p:cNvSpPr txBox="1"/>
+          <p:nvPr/>
+        </p:nvSpPr>
+        <p:spPr>
+          <a:xfrm>
+            <a:off x="6379785" y="2370369"/>
+            <a:ext cx="2682594" cy="400110"/>
+          </a:xfrm>
+          <a:prstGeom prst="rect">
+            <a:avLst/>
+          </a:prstGeom>
+          <a:noFill/>
+        </p:spPr>
+        <p:txBody>
+          <a:bodyPr wrap="none" rtlCol="0">
+            <a:spAutoFit/>
+          </a:bodyPr>
+          <a:lstStyle/>
+          <a:p>
+            <a:r>
+              <a:rPr lang="sv-SE" sz="2000" dirty="0"/>
+              <a:t>./</a:t>
+            </a:r>
+            <a:r>
+              <a:rPr lang="sv-SE" sz="2000" dirty="0" err="1"/>
+              <a:t>views</a:t>
+            </a:r>
+            <a:r>
+              <a:rPr lang="sv-SE" sz="2000" dirty="0"/>
+              <a:t>/</a:t>
+            </a:r>
+            <a:r>
+              <a:rPr lang="sv-SE" sz="2000" dirty="0" err="1"/>
+              <a:t>home</a:t>
+            </a:r>
+            <a:r>
+              <a:rPr lang="sv-SE" sz="2000" dirty="0"/>
+              <a:t>/</a:t>
+            </a:r>
+            <a:r>
+              <a:rPr lang="sv-SE" sz="2000" b="1" dirty="0" err="1"/>
+              <a:t>index.ejs</a:t>
+            </a:r>
+            <a:endParaRPr lang="en-US" sz="2000" b="1" dirty="0"/>
+          </a:p>
+        </p:txBody>
+      </p:sp>
+    </p:spTree>
+    <p:extLst>
+      <p:ext uri="{BB962C8B-B14F-4D97-AF65-F5344CB8AC3E}">
+        <p14:creationId xmlns:p14="http://schemas.microsoft.com/office/powerpoint/2010/main" val="109984990"/>
+      </p:ext>
+    </p:extLst>
+  </p:cSld>
+  <p:clrMapOvr>
+    <a:masterClrMapping/>
+  </p:clrMapOvr>
+</p:sld>
+</file>
+
+<file path=ppt/slides/slide69.xml><?xml version="1.0" encoding="utf-8"?>
+<p:sld xmlns:a="http://schemas.openxmlformats.org/drawingml/2006/main" xmlns:r="http://schemas.openxmlformats.org/officeDocument/2006/relationships" xmlns:p="http://schemas.openxmlformats.org/presentationml/2006/main">
+  <p:cSld>
+    <p:spTree>
+      <p:nvGrpSpPr>
+        <p:cNvPr id="1" name=""/>
+        <p:cNvGrpSpPr/>
+        <p:nvPr/>
+      </p:nvGrpSpPr>
+      <p:grpSpPr>
+        <a:xfrm>
+          <a:off x="0" y="0"/>
+          <a:ext cx="0" cy="0"/>
+          <a:chOff x="0" y="0"/>
+          <a:chExt cx="0" cy="0"/>
+        </a:xfrm>
+      </p:grpSpPr>
+      <p:sp>
+        <p:nvSpPr>
+          <p:cNvPr id="2" name="Title 1"/>
+          <p:cNvSpPr>
+            <a:spLocks noGrp="1"/>
+          </p:cNvSpPr>
+          <p:nvPr>
+            <p:ph type="title"/>
+          </p:nvPr>
+        </p:nvSpPr>
+        <p:spPr/>
+        <p:txBody>
+          <a:bodyPr/>
+          <a:lstStyle/>
+          <a:p>
+            <a:r>
+              <a:rPr lang="en-US"/>
+              <a:t>Building Web apps using Node.js</a:t>
+            </a:r>
+          </a:p>
+        </p:txBody>
+      </p:sp>
+      <p:sp>
+        <p:nvSpPr>
+          <p:cNvPr id="29" name="TextBox 28"/>
+          <p:cNvSpPr txBox="1"/>
+          <p:nvPr/>
+        </p:nvSpPr>
+        <p:spPr>
+          <a:xfrm>
+            <a:off x="1048512" y="1044806"/>
+            <a:ext cx="3599447" cy="584775"/>
+          </a:xfrm>
+          <a:prstGeom prst="rect">
+            <a:avLst/>
+          </a:prstGeom>
+          <a:noFill/>
+        </p:spPr>
+        <p:txBody>
+          <a:bodyPr wrap="none" rtlCol="0">
+            <a:spAutoFit/>
+          </a:bodyPr>
+          <a:lstStyle/>
+          <a:p>
+            <a:r>
+              <a:rPr lang="en-US" sz="3200" dirty="0">
+                <a:latin typeface="Segoe UI Light" panose="020B0502040204020203" pitchFamily="34" charset="0"/>
+                <a:ea typeface="+mj-ea"/>
+                <a:cs typeface="Segoe UI Light" panose="020B0502040204020203" pitchFamily="34" charset="0"/>
+              </a:rPr>
+              <a:t>View Engines - </a:t>
+            </a:r>
+            <a:r>
+              <a:rPr lang="sv-SE" sz="3200" b="1" dirty="0" err="1"/>
+              <a:t>vash</a:t>
+            </a:r>
+            <a:endParaRPr lang="en-US" sz="3200" dirty="0">
+              <a:latin typeface="Segoe UI Light" panose="020B0502040204020203" pitchFamily="34" charset="0"/>
+              <a:ea typeface="+mj-ea"/>
+              <a:cs typeface="Segoe UI Light" panose="020B0502040204020203" pitchFamily="34" charset="0"/>
+            </a:endParaRPr>
+          </a:p>
+        </p:txBody>
+      </p:sp>
+      <p:pic>
+        <p:nvPicPr>
+          <p:cNvPr id="18" name="Picture 2" descr="C:\Users\wmmih\AppData\Local\Temp\SNAGHTML1288bdde.PNG"/>
+          <p:cNvPicPr>
+            <a:picLocks noChangeAspect="1" noChangeArrowheads="1"/>
+          </p:cNvPicPr>
+          <p:nvPr/>
+        </p:nvPicPr>
+        <p:blipFill>
+          <a:blip r:embed="rId2">
+            <a:extLst>
+              <a:ext uri="{28A0092B-C50C-407E-A947-70E740481C1C}">
+                <a14:useLocalDpi xmlns:a14="http://schemas.microsoft.com/office/drawing/2010/main" val="0"/>
+              </a:ext>
+            </a:extLst>
+          </a:blip>
+          <a:srcRect/>
+          <a:stretch>
+            <a:fillRect/>
+          </a:stretch>
+        </p:blipFill>
+        <p:spPr bwMode="auto">
+          <a:xfrm>
+            <a:off x="777561" y="2876976"/>
+            <a:ext cx="4900863" cy="3073897"/>
+          </a:xfrm>
+          <a:prstGeom prst="rect">
+            <a:avLst/>
+          </a:prstGeom>
+          <a:noFill/>
+          <a:extLst>
+            <a:ext uri="{909E8E84-426E-40DD-AFC4-6F175D3DCCD1}">
+              <a14:hiddenFill xmlns:a14="http://schemas.microsoft.com/office/drawing/2010/main">
+                <a:solidFill>
+                  <a:srgbClr val="FFFFFF"/>
+                </a:solidFill>
+              </a14:hiddenFill>
+            </a:ext>
+          </a:extLst>
+        </p:spPr>
+      </p:pic>
+      <p:sp>
+        <p:nvSpPr>
+          <p:cNvPr id="3" name="TextBox 2"/>
+          <p:cNvSpPr txBox="1"/>
+          <p:nvPr/>
+        </p:nvSpPr>
+        <p:spPr>
+          <a:xfrm>
+            <a:off x="1086772" y="3580993"/>
+            <a:ext cx="4282440" cy="2369880"/>
+          </a:xfrm>
+          <a:prstGeom prst="rect">
+            <a:avLst/>
+          </a:prstGeom>
+          <a:noFill/>
+        </p:spPr>
+        <p:txBody>
+          <a:bodyPr wrap="square" rtlCol="0">
+            <a:spAutoFit/>
+          </a:bodyPr>
+          <a:lstStyle/>
+          <a:p>
+            <a:r>
+              <a:rPr lang="en-US" sz="1600" dirty="0" err="1">
+                <a:solidFill>
+                  <a:srgbClr val="000000"/>
+                </a:solidFill>
+                <a:latin typeface="Consolas" panose="020B0609020204030204" pitchFamily="49" charset="0"/>
+              </a:rPr>
+              <a:t>app.get</a:t>
+            </a:r>
+            <a:r>
+              <a:rPr lang="en-US" sz="1600" dirty="0">
+                <a:solidFill>
+                  <a:srgbClr val="000000"/>
+                </a:solidFill>
+                <a:latin typeface="Consolas" panose="020B0609020204030204" pitchFamily="49" charset="0"/>
+              </a:rPr>
+              <a:t>(</a:t>
+            </a:r>
+            <a:r>
+              <a:rPr lang="en-US" sz="1600" dirty="0">
+                <a:solidFill>
+                  <a:srgbClr val="FF0000"/>
+                </a:solidFill>
+                <a:latin typeface="Consolas" panose="020B0609020204030204" pitchFamily="49" charset="0"/>
+              </a:rPr>
+              <a:t>"/home"</a:t>
+            </a:r>
+            <a:r>
+              <a:rPr lang="en-US" sz="1600" dirty="0">
+                <a:solidFill>
+                  <a:srgbClr val="000000"/>
+                </a:solidFill>
+                <a:latin typeface="Consolas" panose="020B0609020204030204" pitchFamily="49" charset="0"/>
+              </a:rPr>
+              <a:t>, </a:t>
+            </a:r>
+            <a:r>
+              <a:rPr lang="en-US" sz="1600" dirty="0">
+                <a:solidFill>
+                  <a:srgbClr val="0000FF"/>
+                </a:solidFill>
+                <a:latin typeface="Consolas" panose="020B0609020204030204" pitchFamily="49" charset="0"/>
+              </a:rPr>
+              <a:t>function</a:t>
+            </a:r>
+            <a:r>
+              <a:rPr lang="en-US" sz="1600" dirty="0">
+                <a:solidFill>
+                  <a:srgbClr val="000000"/>
+                </a:solidFill>
+                <a:latin typeface="Consolas" panose="020B0609020204030204" pitchFamily="49" charset="0"/>
+              </a:rPr>
+              <a:t>(</a:t>
+            </a:r>
+            <a:r>
+              <a:rPr lang="en-US" sz="1600" dirty="0" err="1">
+                <a:solidFill>
+                  <a:srgbClr val="000000"/>
+                </a:solidFill>
+                <a:latin typeface="Consolas" panose="020B0609020204030204" pitchFamily="49" charset="0"/>
+              </a:rPr>
+              <a:t>req,res</a:t>
+            </a:r>
+            <a:r>
+              <a:rPr lang="en-US" sz="1600" dirty="0">
+                <a:solidFill>
+                  <a:srgbClr val="000000"/>
+                </a:solidFill>
+                <a:latin typeface="Consolas" panose="020B0609020204030204" pitchFamily="49" charset="0"/>
+              </a:rPr>
+              <a:t>){</a:t>
+            </a:r>
+          </a:p>
+          <a:p>
+            <a:endParaRPr lang="en-US" sz="1600" dirty="0">
+              <a:solidFill>
+                <a:srgbClr val="000000"/>
+              </a:solidFill>
+              <a:latin typeface="Consolas" panose="020B0609020204030204" pitchFamily="49" charset="0"/>
+            </a:endParaRPr>
+          </a:p>
+          <a:p>
+            <a:r>
+              <a:rPr lang="en-US" sz="1600" dirty="0">
+                <a:solidFill>
+                  <a:srgbClr val="000000"/>
+                </a:solidFill>
+                <a:latin typeface="Consolas" panose="020B0609020204030204" pitchFamily="49" charset="0"/>
+              </a:rPr>
+              <a:t>    </a:t>
+            </a:r>
+            <a:r>
+              <a:rPr lang="en-US" sz="1600" dirty="0" err="1">
+                <a:solidFill>
+                  <a:srgbClr val="0000FF"/>
+                </a:solidFill>
+                <a:latin typeface="Consolas" panose="020B0609020204030204" pitchFamily="49" charset="0"/>
+              </a:rPr>
+              <a:t>var</a:t>
+            </a:r>
+            <a:r>
+              <a:rPr lang="en-US" sz="1600" dirty="0">
+                <a:solidFill>
+                  <a:srgbClr val="000000"/>
+                </a:solidFill>
+                <a:latin typeface="Consolas" panose="020B0609020204030204" pitchFamily="49" charset="0"/>
+              </a:rPr>
+              <a:t> model = {</a:t>
+            </a:r>
+            <a:r>
+              <a:rPr lang="en-US" sz="1600" dirty="0" err="1">
+                <a:solidFill>
+                  <a:srgbClr val="000000"/>
+                </a:solidFill>
+                <a:latin typeface="Consolas" panose="020B0609020204030204" pitchFamily="49" charset="0"/>
+              </a:rPr>
+              <a:t>title:</a:t>
+            </a:r>
+            <a:r>
+              <a:rPr lang="en-US" sz="1600" dirty="0" err="1">
+                <a:solidFill>
+                  <a:srgbClr val="FF0000"/>
+                </a:solidFill>
+                <a:latin typeface="Consolas" panose="020B0609020204030204" pitchFamily="49" charset="0"/>
+              </a:rPr>
+              <a:t>"Welcome</a:t>
+            </a:r>
+            <a:r>
+              <a:rPr lang="en-US" sz="1600" dirty="0">
+                <a:solidFill>
+                  <a:srgbClr val="FF0000"/>
+                </a:solidFill>
+                <a:latin typeface="Consolas" panose="020B0609020204030204" pitchFamily="49" charset="0"/>
+              </a:rPr>
+              <a:t>"</a:t>
+            </a:r>
+            <a:r>
+              <a:rPr lang="en-US" sz="1600" dirty="0">
+                <a:solidFill>
+                  <a:srgbClr val="000000"/>
+                </a:solidFill>
+                <a:latin typeface="Consolas" panose="020B0609020204030204" pitchFamily="49" charset="0"/>
+              </a:rPr>
+              <a:t>};</a:t>
+            </a:r>
+            <a:br>
+              <a:rPr lang="en-US" sz="1600" dirty="0">
+                <a:solidFill>
+                  <a:srgbClr val="000000"/>
+                </a:solidFill>
+                <a:latin typeface="Consolas" panose="020B0609020204030204" pitchFamily="49" charset="0"/>
+              </a:rPr>
+            </a:br>
+            <a:endParaRPr lang="en-US" sz="1600" dirty="0">
+              <a:solidFill>
+                <a:srgbClr val="000000"/>
+              </a:solidFill>
+              <a:latin typeface="Consolas" panose="020B0609020204030204" pitchFamily="49" charset="0"/>
+            </a:endParaRPr>
+          </a:p>
+          <a:p>
+            <a:r>
+              <a:rPr lang="en-US" sz="1600" dirty="0">
+                <a:solidFill>
+                  <a:srgbClr val="000000"/>
+                </a:solidFill>
+                <a:latin typeface="Consolas" panose="020B0609020204030204" pitchFamily="49" charset="0"/>
+              </a:rPr>
+              <a:t>    </a:t>
+            </a:r>
+            <a:r>
+              <a:rPr lang="en-US" sz="1600" dirty="0" err="1">
+                <a:solidFill>
+                  <a:srgbClr val="000000"/>
+                </a:solidFill>
+                <a:latin typeface="Consolas" panose="020B0609020204030204" pitchFamily="49" charset="0"/>
+              </a:rPr>
+              <a:t>res.render</a:t>
+            </a:r>
+            <a:r>
+              <a:rPr lang="en-US" sz="1600" dirty="0">
+                <a:solidFill>
+                  <a:srgbClr val="000000"/>
+                </a:solidFill>
+                <a:latin typeface="Consolas" panose="020B0609020204030204" pitchFamily="49" charset="0"/>
+              </a:rPr>
+              <a:t>(</a:t>
+            </a:r>
+            <a:r>
+              <a:rPr lang="en-US" sz="1600" dirty="0">
+                <a:solidFill>
+                  <a:srgbClr val="FF0000"/>
+                </a:solidFill>
+                <a:latin typeface="Consolas" panose="020B0609020204030204" pitchFamily="49" charset="0"/>
+              </a:rPr>
+              <a:t>"home/index"</a:t>
+            </a:r>
+            <a:r>
+              <a:rPr lang="en-US" sz="1600" dirty="0">
+                <a:solidFill>
+                  <a:srgbClr val="000000"/>
+                </a:solidFill>
+                <a:latin typeface="Consolas" panose="020B0609020204030204" pitchFamily="49" charset="0"/>
+              </a:rPr>
+              <a:t>, model); </a:t>
+            </a:r>
+            <a:br>
+              <a:rPr lang="en-US" sz="1600" dirty="0">
+                <a:solidFill>
+                  <a:srgbClr val="000000"/>
+                </a:solidFill>
+                <a:latin typeface="Consolas" panose="020B0609020204030204" pitchFamily="49" charset="0"/>
+              </a:rPr>
+            </a:br>
+            <a:endParaRPr lang="en-US" sz="1600" dirty="0">
+              <a:solidFill>
+                <a:srgbClr val="000000"/>
+              </a:solidFill>
+              <a:latin typeface="Consolas" panose="020B0609020204030204" pitchFamily="49" charset="0"/>
+            </a:endParaRPr>
+          </a:p>
+          <a:p>
+            <a:r>
+              <a:rPr lang="en-US" sz="1600" dirty="0">
+                <a:solidFill>
+                  <a:srgbClr val="000000"/>
+                </a:solidFill>
+                <a:latin typeface="Consolas" panose="020B0609020204030204" pitchFamily="49" charset="0"/>
+              </a:rPr>
+              <a:t>});</a:t>
+            </a:r>
+            <a:endParaRPr lang="en-US" sz="1600" dirty="0">
+              <a:latin typeface="Consolas" panose="020B0609020204030204" pitchFamily="49" charset="0"/>
+            </a:endParaRPr>
+          </a:p>
+          <a:p>
+            <a:br>
+              <a:rPr lang="en-US" dirty="0">
+                <a:latin typeface="Consolas" panose="020B0609020204030204" pitchFamily="49" charset="0"/>
+              </a:rPr>
+            </a:br>
+            <a:endParaRPr lang="en-US" dirty="0">
+              <a:latin typeface="Consolas" panose="020B0609020204030204" pitchFamily="49" charset="0"/>
+            </a:endParaRPr>
+          </a:p>
+        </p:txBody>
+      </p:sp>
+      <p:sp>
+        <p:nvSpPr>
+          <p:cNvPr id="10" name="TextBox 9"/>
+          <p:cNvSpPr txBox="1"/>
+          <p:nvPr/>
+        </p:nvSpPr>
+        <p:spPr>
+          <a:xfrm>
+            <a:off x="777561" y="2372903"/>
+            <a:ext cx="3455626" cy="400110"/>
+          </a:xfrm>
+          <a:prstGeom prst="rect">
+            <a:avLst/>
+          </a:prstGeom>
+          <a:noFill/>
+        </p:spPr>
+        <p:txBody>
+          <a:bodyPr wrap="none" rtlCol="0">
+            <a:spAutoFit/>
+          </a:bodyPr>
+          <a:lstStyle/>
+          <a:p>
+            <a:r>
+              <a:rPr lang="sv-SE" sz="2000" dirty="0"/>
+              <a:t>./controllers/</a:t>
+            </a:r>
+            <a:r>
+              <a:rPr lang="sv-SE" sz="2000" b="1" dirty="0"/>
+              <a:t>homeController.js</a:t>
+            </a:r>
+            <a:endParaRPr lang="en-US" sz="2000" b="1" dirty="0"/>
+          </a:p>
+        </p:txBody>
+      </p:sp>
+      <p:pic>
+        <p:nvPicPr>
+          <p:cNvPr id="23" name="Picture 2" descr="C:\Users\wmmih\AppData\Local\Temp\SNAGHTML1288bdde.PNG"/>
+          <p:cNvPicPr>
+            <a:picLocks noChangeAspect="1" noChangeArrowheads="1"/>
+          </p:cNvPicPr>
+          <p:nvPr/>
+        </p:nvPicPr>
+        <p:blipFill>
+          <a:blip r:embed="rId2">
+            <a:extLst>
+              <a:ext uri="{28A0092B-C50C-407E-A947-70E740481C1C}">
+                <a14:useLocalDpi xmlns:a14="http://schemas.microsoft.com/office/drawing/2010/main" val="0"/>
+              </a:ext>
+            </a:extLst>
+          </a:blip>
+          <a:srcRect/>
+          <a:stretch>
+            <a:fillRect/>
+          </a:stretch>
+        </p:blipFill>
+        <p:spPr bwMode="auto">
+          <a:xfrm>
+            <a:off x="6452937" y="2876976"/>
+            <a:ext cx="4900863" cy="3750327"/>
+          </a:xfrm>
+          <a:prstGeom prst="rect">
+            <a:avLst/>
+          </a:prstGeom>
+          <a:noFill/>
+          <a:extLst>
+            <a:ext uri="{909E8E84-426E-40DD-AFC4-6F175D3DCCD1}">
+              <a14:hiddenFill xmlns:a14="http://schemas.microsoft.com/office/drawing/2010/main">
+                <a:solidFill>
+                  <a:srgbClr val="FFFFFF"/>
+                </a:solidFill>
+              </a14:hiddenFill>
+            </a:ext>
+          </a:extLst>
+        </p:spPr>
+      </p:pic>
+      <p:sp>
+        <p:nvSpPr>
+          <p:cNvPr id="24" name="TextBox 23"/>
+          <p:cNvSpPr txBox="1"/>
+          <p:nvPr/>
+        </p:nvSpPr>
+        <p:spPr>
+          <a:xfrm>
+            <a:off x="7040518" y="3104021"/>
+            <a:ext cx="4313282" cy="3785652"/>
+          </a:xfrm>
+          <a:prstGeom prst="rect">
+            <a:avLst/>
+          </a:prstGeom>
+          <a:noFill/>
+        </p:spPr>
+        <p:txBody>
+          <a:bodyPr wrap="square" rtlCol="0">
+            <a:spAutoFit/>
+          </a:bodyPr>
+          <a:lstStyle/>
+          <a:p>
+            <a:r>
+              <a:rPr lang="en-US" sz="1600" dirty="0">
+                <a:solidFill>
+                  <a:srgbClr val="800000"/>
+                </a:solidFill>
+                <a:latin typeface="Consolas" panose="020B0609020204030204" pitchFamily="49" charset="0"/>
+              </a:rPr>
+              <a:t>&lt;!</a:t>
+            </a:r>
+            <a:r>
+              <a:rPr lang="en-US" sz="1600" dirty="0" err="1">
+                <a:solidFill>
+                  <a:srgbClr val="800000"/>
+                </a:solidFill>
+                <a:latin typeface="Consolas" panose="020B0609020204030204" pitchFamily="49" charset="0"/>
+              </a:rPr>
+              <a:t>doctype</a:t>
+            </a:r>
+            <a:r>
+              <a:rPr lang="en-US" sz="1600" dirty="0">
+                <a:solidFill>
+                  <a:srgbClr val="800000"/>
+                </a:solidFill>
+                <a:latin typeface="Consolas" panose="020B0609020204030204" pitchFamily="49" charset="0"/>
+              </a:rPr>
+              <a:t> html&gt; </a:t>
+            </a:r>
+            <a:br>
+              <a:rPr lang="en-US" sz="1600" dirty="0">
+                <a:solidFill>
+                  <a:srgbClr val="800000"/>
+                </a:solidFill>
+                <a:latin typeface="Consolas" panose="020B0609020204030204" pitchFamily="49" charset="0"/>
+              </a:rPr>
+            </a:br>
+            <a:r>
+              <a:rPr lang="en-US" sz="1600" dirty="0">
+                <a:solidFill>
+                  <a:srgbClr val="800000"/>
+                </a:solidFill>
+                <a:latin typeface="Consolas" panose="020B0609020204030204" pitchFamily="49" charset="0"/>
+              </a:rPr>
+              <a:t>&lt;html&gt; </a:t>
+            </a:r>
+            <a:br>
+              <a:rPr lang="en-US" sz="1600" dirty="0">
+                <a:solidFill>
+                  <a:srgbClr val="800000"/>
+                </a:solidFill>
+                <a:latin typeface="Consolas" panose="020B0609020204030204" pitchFamily="49" charset="0"/>
+              </a:rPr>
+            </a:br>
+            <a:r>
+              <a:rPr lang="en-US" sz="1600" dirty="0">
+                <a:solidFill>
+                  <a:srgbClr val="800000"/>
+                </a:solidFill>
+                <a:latin typeface="Consolas" panose="020B0609020204030204" pitchFamily="49" charset="0"/>
+              </a:rPr>
+              <a:t>  &lt;head&gt; </a:t>
+            </a:r>
+            <a:br>
+              <a:rPr lang="en-US" sz="1600" dirty="0">
+                <a:solidFill>
+                  <a:srgbClr val="800000"/>
+                </a:solidFill>
+                <a:latin typeface="Consolas" panose="020B0609020204030204" pitchFamily="49" charset="0"/>
+              </a:rPr>
+            </a:br>
+            <a:r>
+              <a:rPr lang="en-US" sz="1600" dirty="0">
+                <a:solidFill>
+                  <a:srgbClr val="800000"/>
+                </a:solidFill>
+                <a:latin typeface="Consolas" panose="020B0609020204030204" pitchFamily="49" charset="0"/>
+              </a:rPr>
+              <a:t>    &lt;meta charset="utf-8" /&gt; </a:t>
+            </a:r>
+            <a:br>
+              <a:rPr lang="en-US" sz="1600" dirty="0">
+                <a:solidFill>
+                  <a:srgbClr val="800000"/>
+                </a:solidFill>
+                <a:latin typeface="Consolas" panose="020B0609020204030204" pitchFamily="49" charset="0"/>
+              </a:rPr>
+            </a:br>
+            <a:r>
+              <a:rPr lang="en-US" sz="1600" dirty="0">
+                <a:solidFill>
+                  <a:srgbClr val="800000"/>
+                </a:solidFill>
+                <a:latin typeface="Consolas" panose="020B0609020204030204" pitchFamily="49" charset="0"/>
+              </a:rPr>
+              <a:t>    &lt;title&gt;</a:t>
+            </a:r>
+            <a:r>
+              <a:rPr lang="en-US" sz="1600" dirty="0">
+                <a:solidFill>
+                  <a:srgbClr val="000000"/>
+                </a:solidFill>
+                <a:latin typeface="Consolas" panose="020B0609020204030204" pitchFamily="49" charset="0"/>
+              </a:rPr>
+              <a:t>@</a:t>
+            </a:r>
+            <a:r>
+              <a:rPr lang="en-US" sz="1600" dirty="0" err="1">
+                <a:solidFill>
+                  <a:srgbClr val="000000"/>
+                </a:solidFill>
+                <a:latin typeface="Consolas" panose="020B0609020204030204" pitchFamily="49" charset="0"/>
+              </a:rPr>
+              <a:t>model.title</a:t>
+            </a:r>
+            <a:r>
+              <a:rPr lang="en-US" sz="1600" dirty="0">
+                <a:solidFill>
+                  <a:srgbClr val="800000"/>
+                </a:solidFill>
+                <a:latin typeface="Consolas" panose="020B0609020204030204" pitchFamily="49" charset="0"/>
+              </a:rPr>
+              <a:t>&lt;/title&gt; </a:t>
+            </a:r>
+            <a:br>
+              <a:rPr lang="en-US" sz="1600" dirty="0">
+                <a:solidFill>
+                  <a:srgbClr val="800000"/>
+                </a:solidFill>
+                <a:latin typeface="Consolas" panose="020B0609020204030204" pitchFamily="49" charset="0"/>
+              </a:rPr>
+            </a:br>
+            <a:r>
+              <a:rPr lang="en-US" sz="1600" dirty="0">
+                <a:solidFill>
+                  <a:srgbClr val="800000"/>
+                </a:solidFill>
+                <a:latin typeface="Consolas" panose="020B0609020204030204" pitchFamily="49" charset="0"/>
+              </a:rPr>
+              <a:t>  &lt;/head&gt; </a:t>
+            </a:r>
+            <a:br>
+              <a:rPr lang="en-US" sz="1600" dirty="0">
+                <a:solidFill>
+                  <a:srgbClr val="800000"/>
+                </a:solidFill>
+                <a:latin typeface="Consolas" panose="020B0609020204030204" pitchFamily="49" charset="0"/>
+              </a:rPr>
+            </a:br>
+            <a:r>
+              <a:rPr lang="en-US" sz="1600" dirty="0">
+                <a:solidFill>
+                  <a:srgbClr val="800000"/>
+                </a:solidFill>
+                <a:latin typeface="Consolas" panose="020B0609020204030204" pitchFamily="49" charset="0"/>
+              </a:rPr>
+              <a:t>  &lt;body&gt; </a:t>
+            </a:r>
+            <a:br>
+              <a:rPr lang="en-US" sz="1600" dirty="0">
+                <a:solidFill>
+                  <a:srgbClr val="800000"/>
+                </a:solidFill>
+                <a:latin typeface="Consolas" panose="020B0609020204030204" pitchFamily="49" charset="0"/>
+              </a:rPr>
+            </a:br>
+            <a:r>
+              <a:rPr lang="en-US" sz="1600" dirty="0">
+                <a:solidFill>
+                  <a:srgbClr val="800000"/>
+                </a:solidFill>
+                <a:latin typeface="Consolas" panose="020B0609020204030204" pitchFamily="49" charset="0"/>
+              </a:rPr>
+              <a:t>    &lt;div&gt; </a:t>
+            </a:r>
+            <a:br>
+              <a:rPr lang="en-US" sz="1600" dirty="0">
+                <a:solidFill>
+                  <a:srgbClr val="800000"/>
+                </a:solidFill>
+                <a:latin typeface="Consolas" panose="020B0609020204030204" pitchFamily="49" charset="0"/>
+              </a:rPr>
+            </a:br>
+            <a:r>
+              <a:rPr lang="en-US" sz="1600" dirty="0">
+                <a:solidFill>
+                  <a:srgbClr val="800000"/>
+                </a:solidFill>
+                <a:latin typeface="Consolas" panose="020B0609020204030204" pitchFamily="49" charset="0"/>
+              </a:rPr>
+              <a:t>      &lt;h1&gt;</a:t>
+            </a:r>
+            <a:r>
+              <a:rPr lang="en-US" sz="1600" dirty="0">
+                <a:solidFill>
+                  <a:srgbClr val="000000"/>
+                </a:solidFill>
+                <a:latin typeface="Consolas" panose="020B0609020204030204" pitchFamily="49" charset="0"/>
+              </a:rPr>
+              <a:t>@</a:t>
+            </a:r>
+            <a:r>
+              <a:rPr lang="en-US" sz="1600" dirty="0" err="1">
+                <a:solidFill>
+                  <a:srgbClr val="000000"/>
+                </a:solidFill>
+                <a:latin typeface="Consolas" panose="020B0609020204030204" pitchFamily="49" charset="0"/>
+              </a:rPr>
+              <a:t>model.title</a:t>
+            </a:r>
+            <a:r>
+              <a:rPr lang="en-US" sz="1600" dirty="0">
+                <a:solidFill>
+                  <a:srgbClr val="800000"/>
+                </a:solidFill>
+                <a:latin typeface="Consolas" panose="020B0609020204030204" pitchFamily="49" charset="0"/>
+              </a:rPr>
+              <a:t>&lt;/h1&gt; </a:t>
+            </a:r>
+            <a:br>
+              <a:rPr lang="en-US" sz="1600" dirty="0">
+                <a:solidFill>
+                  <a:srgbClr val="800000"/>
+                </a:solidFill>
+                <a:latin typeface="Consolas" panose="020B0609020204030204" pitchFamily="49" charset="0"/>
+              </a:rPr>
+            </a:br>
+            <a:r>
+              <a:rPr lang="en-US" sz="1600" dirty="0">
+                <a:solidFill>
+                  <a:srgbClr val="800000"/>
+                </a:solidFill>
+                <a:latin typeface="Consolas" panose="020B0609020204030204" pitchFamily="49" charset="0"/>
+              </a:rPr>
+              <a:t>      &lt;p&gt;This is an express app&lt;/p&gt; </a:t>
+            </a:r>
+            <a:br>
+              <a:rPr lang="en-US" sz="1600" dirty="0">
+                <a:solidFill>
+                  <a:srgbClr val="800000"/>
+                </a:solidFill>
+                <a:latin typeface="Consolas" panose="020B0609020204030204" pitchFamily="49" charset="0"/>
+              </a:rPr>
+            </a:br>
+            <a:r>
+              <a:rPr lang="en-US" sz="1600" dirty="0">
+                <a:solidFill>
+                  <a:srgbClr val="800000"/>
+                </a:solidFill>
+                <a:latin typeface="Consolas" panose="020B0609020204030204" pitchFamily="49" charset="0"/>
+              </a:rPr>
+              <a:t>    &lt;/div&gt; </a:t>
+            </a:r>
+            <a:br>
+              <a:rPr lang="en-US" sz="1600" dirty="0">
+                <a:solidFill>
+                  <a:srgbClr val="800000"/>
+                </a:solidFill>
+                <a:latin typeface="Consolas" panose="020B0609020204030204" pitchFamily="49" charset="0"/>
+              </a:rPr>
+            </a:br>
+            <a:r>
+              <a:rPr lang="en-US" sz="1600" dirty="0">
+                <a:solidFill>
+                  <a:srgbClr val="800000"/>
+                </a:solidFill>
+                <a:latin typeface="Consolas" panose="020B0609020204030204" pitchFamily="49" charset="0"/>
+              </a:rPr>
+              <a:t>  &lt;/body&gt; </a:t>
+            </a:r>
+            <a:br>
+              <a:rPr lang="en-US" sz="1600" dirty="0">
+                <a:solidFill>
+                  <a:srgbClr val="800000"/>
+                </a:solidFill>
+                <a:latin typeface="Consolas" panose="020B0609020204030204" pitchFamily="49" charset="0"/>
+              </a:rPr>
+            </a:br>
+            <a:r>
+              <a:rPr lang="en-US" sz="1600" dirty="0">
+                <a:solidFill>
+                  <a:srgbClr val="800000"/>
+                </a:solidFill>
+                <a:latin typeface="Consolas" panose="020B0609020204030204" pitchFamily="49" charset="0"/>
+              </a:rPr>
+              <a:t>&lt;/html&gt;</a:t>
+            </a:r>
+            <a:endParaRPr lang="en-US" sz="1600" dirty="0">
+              <a:latin typeface="Consolas" panose="020B0609020204030204" pitchFamily="49" charset="0"/>
+            </a:endParaRPr>
+          </a:p>
+          <a:p>
+            <a:br>
+              <a:rPr lang="en-US" sz="1600" dirty="0">
+                <a:latin typeface="Consolas" panose="020B0609020204030204" pitchFamily="49" charset="0"/>
+              </a:rPr>
+            </a:br>
+            <a:endParaRPr lang="en-US" sz="1600" dirty="0">
+              <a:latin typeface="Consolas" panose="020B0609020204030204" pitchFamily="49" charset="0"/>
+            </a:endParaRPr>
+          </a:p>
+        </p:txBody>
+      </p:sp>
+      <p:sp>
+        <p:nvSpPr>
+          <p:cNvPr id="25" name="TextBox 24"/>
+          <p:cNvSpPr txBox="1"/>
+          <p:nvPr/>
+        </p:nvSpPr>
+        <p:spPr>
+          <a:xfrm>
+            <a:off x="6379785" y="2370369"/>
+            <a:ext cx="2860783" cy="400110"/>
+          </a:xfrm>
+          <a:prstGeom prst="rect">
+            <a:avLst/>
+          </a:prstGeom>
+          <a:noFill/>
+        </p:spPr>
+        <p:txBody>
+          <a:bodyPr wrap="none" rtlCol="0">
+            <a:spAutoFit/>
+          </a:bodyPr>
+          <a:lstStyle/>
+          <a:p>
+            <a:r>
+              <a:rPr lang="sv-SE" sz="2000" dirty="0"/>
+              <a:t>./</a:t>
+            </a:r>
+            <a:r>
+              <a:rPr lang="sv-SE" sz="2000" dirty="0" err="1"/>
+              <a:t>views</a:t>
+            </a:r>
+            <a:r>
+              <a:rPr lang="sv-SE" sz="2000" dirty="0"/>
+              <a:t>/</a:t>
+            </a:r>
+            <a:r>
+              <a:rPr lang="sv-SE" sz="2000" dirty="0" err="1"/>
+              <a:t>home</a:t>
+            </a:r>
+            <a:r>
+              <a:rPr lang="sv-SE" sz="2000" dirty="0"/>
+              <a:t>/</a:t>
+            </a:r>
+            <a:r>
+              <a:rPr lang="sv-SE" sz="2000" b="1" dirty="0" err="1"/>
+              <a:t>index.vash</a:t>
+            </a:r>
+            <a:endParaRPr lang="en-US" sz="2000" b="1" dirty="0"/>
+          </a:p>
+        </p:txBody>
+      </p:sp>
+    </p:spTree>
+    <p:extLst>
+      <p:ext uri="{BB962C8B-B14F-4D97-AF65-F5344CB8AC3E}">
+        <p14:creationId xmlns:p14="http://schemas.microsoft.com/office/powerpoint/2010/main" val="2663504907"/>
       </p:ext>
     </p:extLst>
   </p:cSld>
@@ -41617,6 +46069,1718 @@
     <p:extLst>
       <p:ext uri="{BB962C8B-B14F-4D97-AF65-F5344CB8AC3E}">
         <p14:creationId xmlns:p14="http://schemas.microsoft.com/office/powerpoint/2010/main" val="1518961375"/>
+      </p:ext>
+    </p:extLst>
+  </p:cSld>
+  <p:clrMapOvr>
+    <a:masterClrMapping/>
+  </p:clrMapOvr>
+</p:sld>
+</file>
+
+<file path=ppt/slides/slide70.xml><?xml version="1.0" encoding="utf-8"?>
+<p:sld xmlns:a="http://schemas.openxmlformats.org/drawingml/2006/main" xmlns:r="http://schemas.openxmlformats.org/officeDocument/2006/relationships" xmlns:p="http://schemas.openxmlformats.org/presentationml/2006/main">
+  <p:cSld>
+    <p:spTree>
+      <p:nvGrpSpPr>
+        <p:cNvPr id="1" name=""/>
+        <p:cNvGrpSpPr/>
+        <p:nvPr/>
+      </p:nvGrpSpPr>
+      <p:grpSpPr>
+        <a:xfrm>
+          <a:off x="0" y="0"/>
+          <a:ext cx="0" cy="0"/>
+          <a:chOff x="0" y="0"/>
+          <a:chExt cx="0" cy="0"/>
+        </a:xfrm>
+      </p:grpSpPr>
+      <p:sp>
+        <p:nvSpPr>
+          <p:cNvPr id="2" name="Title 1"/>
+          <p:cNvSpPr>
+            <a:spLocks noGrp="1"/>
+          </p:cNvSpPr>
+          <p:nvPr>
+            <p:ph type="title"/>
+          </p:nvPr>
+        </p:nvSpPr>
+        <p:spPr/>
+        <p:txBody>
+          <a:bodyPr/>
+          <a:lstStyle/>
+          <a:p>
+            <a:r>
+              <a:rPr lang="en-US" dirty="0"/>
+              <a:t>HOL #7 Building Web apps using Node.js</a:t>
+            </a:r>
+          </a:p>
+        </p:txBody>
+      </p:sp>
+      <p:pic>
+        <p:nvPicPr>
+          <p:cNvPr id="1026" name="Picture 2" descr="Image result for folder"/>
+          <p:cNvPicPr>
+            <a:picLocks noChangeAspect="1" noChangeArrowheads="1"/>
+          </p:cNvPicPr>
+          <p:nvPr/>
+        </p:nvPicPr>
+        <p:blipFill>
+          <a:blip r:embed="rId2">
+            <a:extLst>
+              <a:ext uri="{28A0092B-C50C-407E-A947-70E740481C1C}">
+                <a14:useLocalDpi xmlns:a14="http://schemas.microsoft.com/office/drawing/2010/main" val="0"/>
+              </a:ext>
+            </a:extLst>
+          </a:blip>
+          <a:srcRect/>
+          <a:stretch>
+            <a:fillRect/>
+          </a:stretch>
+        </p:blipFill>
+        <p:spPr bwMode="auto">
+          <a:xfrm>
+            <a:off x="964734" y="1552662"/>
+            <a:ext cx="544585" cy="544585"/>
+          </a:xfrm>
+          <a:prstGeom prst="rect">
+            <a:avLst/>
+          </a:prstGeom>
+          <a:noFill/>
+          <a:extLst>
+            <a:ext uri="{909E8E84-426E-40DD-AFC4-6F175D3DCCD1}">
+              <a14:hiddenFill xmlns:a14="http://schemas.microsoft.com/office/drawing/2010/main">
+                <a:solidFill>
+                  <a:srgbClr val="FFFFFF"/>
+                </a:solidFill>
+              </a14:hiddenFill>
+            </a:ext>
+          </a:extLst>
+        </p:spPr>
+      </p:pic>
+      <p:sp>
+        <p:nvSpPr>
+          <p:cNvPr id="4" name="TextBox 3"/>
+          <p:cNvSpPr txBox="1"/>
+          <p:nvPr/>
+        </p:nvSpPr>
+        <p:spPr>
+          <a:xfrm>
+            <a:off x="1509319" y="1594121"/>
+            <a:ext cx="3123356" cy="461665"/>
+          </a:xfrm>
+          <a:prstGeom prst="rect">
+            <a:avLst/>
+          </a:prstGeom>
+          <a:noFill/>
+        </p:spPr>
+        <p:txBody>
+          <a:bodyPr wrap="none" rtlCol="0">
+            <a:spAutoFit/>
+          </a:bodyPr>
+          <a:lstStyle/>
+          <a:p>
+            <a:r>
+              <a:rPr lang="en-US" sz="2400" b="1" dirty="0"/>
+              <a:t>hol7 </a:t>
+            </a:r>
+            <a:r>
+              <a:rPr lang="en-US" sz="2400" i="1" dirty="0"/>
+              <a:t>(copy from ./start)</a:t>
+            </a:r>
+            <a:endParaRPr lang="en-US" b="1" i="1" dirty="0"/>
+          </a:p>
+        </p:txBody>
+      </p:sp>
+      <p:pic>
+        <p:nvPicPr>
+          <p:cNvPr id="12" name="Picture 2" descr="Image result for folder"/>
+          <p:cNvPicPr>
+            <a:picLocks noChangeAspect="1" noChangeArrowheads="1"/>
+          </p:cNvPicPr>
+          <p:nvPr/>
+        </p:nvPicPr>
+        <p:blipFill>
+          <a:blip r:embed="rId2">
+            <a:extLst>
+              <a:ext uri="{28A0092B-C50C-407E-A947-70E740481C1C}">
+                <a14:useLocalDpi xmlns:a14="http://schemas.microsoft.com/office/drawing/2010/main" val="0"/>
+              </a:ext>
+            </a:extLst>
+          </a:blip>
+          <a:srcRect/>
+          <a:stretch>
+            <a:fillRect/>
+          </a:stretch>
+        </p:blipFill>
+        <p:spPr bwMode="auto">
+          <a:xfrm>
+            <a:off x="1509319" y="2138706"/>
+            <a:ext cx="544585" cy="544585"/>
+          </a:xfrm>
+          <a:prstGeom prst="rect">
+            <a:avLst/>
+          </a:prstGeom>
+          <a:noFill/>
+          <a:extLst>
+            <a:ext uri="{909E8E84-426E-40DD-AFC4-6F175D3DCCD1}">
+              <a14:hiddenFill xmlns:a14="http://schemas.microsoft.com/office/drawing/2010/main">
+                <a:solidFill>
+                  <a:srgbClr val="FFFFFF"/>
+                </a:solidFill>
+              </a14:hiddenFill>
+            </a:ext>
+          </a:extLst>
+        </p:spPr>
+      </p:pic>
+      <p:sp>
+        <p:nvSpPr>
+          <p:cNvPr id="13" name="TextBox 12"/>
+          <p:cNvSpPr txBox="1"/>
+          <p:nvPr/>
+        </p:nvSpPr>
+        <p:spPr>
+          <a:xfrm>
+            <a:off x="2053904" y="2180165"/>
+            <a:ext cx="1551322" cy="461665"/>
+          </a:xfrm>
+          <a:prstGeom prst="rect">
+            <a:avLst/>
+          </a:prstGeom>
+          <a:noFill/>
+        </p:spPr>
+        <p:txBody>
+          <a:bodyPr wrap="none" rtlCol="0">
+            <a:spAutoFit/>
+          </a:bodyPr>
+          <a:lstStyle/>
+          <a:p>
+            <a:r>
+              <a:rPr lang="en-US" sz="2400" b="1" dirty="0"/>
+              <a:t>controllers</a:t>
+            </a:r>
+            <a:endParaRPr lang="en-US" b="1" dirty="0"/>
+          </a:p>
+        </p:txBody>
+      </p:sp>
+      <p:pic>
+        <p:nvPicPr>
+          <p:cNvPr id="1028" name="Picture 4" descr="Image result for file"/>
+          <p:cNvPicPr>
+            <a:picLocks noChangeAspect="1" noChangeArrowheads="1"/>
+          </p:cNvPicPr>
+          <p:nvPr/>
+        </p:nvPicPr>
+        <p:blipFill>
+          <a:blip r:embed="rId3">
+            <a:extLst>
+              <a:ext uri="{28A0092B-C50C-407E-A947-70E740481C1C}">
+                <a14:useLocalDpi xmlns:a14="http://schemas.microsoft.com/office/drawing/2010/main" val="0"/>
+              </a:ext>
+            </a:extLst>
+          </a:blip>
+          <a:srcRect/>
+          <a:stretch>
+            <a:fillRect/>
+          </a:stretch>
+        </p:blipFill>
+        <p:spPr bwMode="auto">
+          <a:xfrm>
+            <a:off x="1590411" y="3979758"/>
+            <a:ext cx="321840" cy="434919"/>
+          </a:xfrm>
+          <a:prstGeom prst="rect">
+            <a:avLst/>
+          </a:prstGeom>
+          <a:noFill/>
+          <a:extLst>
+            <a:ext uri="{909E8E84-426E-40DD-AFC4-6F175D3DCCD1}">
+              <a14:hiddenFill xmlns:a14="http://schemas.microsoft.com/office/drawing/2010/main">
+                <a:solidFill>
+                  <a:srgbClr val="FFFFFF"/>
+                </a:solidFill>
+              </a14:hiddenFill>
+            </a:ext>
+          </a:extLst>
+        </p:spPr>
+      </p:pic>
+      <p:sp>
+        <p:nvSpPr>
+          <p:cNvPr id="15" name="TextBox 14"/>
+          <p:cNvSpPr txBox="1"/>
+          <p:nvPr/>
+        </p:nvSpPr>
+        <p:spPr>
+          <a:xfrm>
+            <a:off x="1912251" y="3979758"/>
+            <a:ext cx="1206741" cy="461665"/>
+          </a:xfrm>
+          <a:prstGeom prst="rect">
+            <a:avLst/>
+          </a:prstGeom>
+          <a:noFill/>
+        </p:spPr>
+        <p:txBody>
+          <a:bodyPr wrap="none" rtlCol="0">
+            <a:spAutoFit/>
+          </a:bodyPr>
+          <a:lstStyle/>
+          <a:p>
+            <a:r>
+              <a:rPr lang="en-US" sz="2400" dirty="0"/>
+              <a:t>server.js</a:t>
+            </a:r>
+            <a:endParaRPr lang="en-US" dirty="0"/>
+          </a:p>
+        </p:txBody>
+      </p:sp>
+      <p:pic>
+        <p:nvPicPr>
+          <p:cNvPr id="16" name="Picture 2" descr="Image result for folder"/>
+          <p:cNvPicPr>
+            <a:picLocks noChangeAspect="1" noChangeArrowheads="1"/>
+          </p:cNvPicPr>
+          <p:nvPr/>
+        </p:nvPicPr>
+        <p:blipFill>
+          <a:blip r:embed="rId2">
+            <a:extLst>
+              <a:ext uri="{28A0092B-C50C-407E-A947-70E740481C1C}">
+                <a14:useLocalDpi xmlns:a14="http://schemas.microsoft.com/office/drawing/2010/main" val="0"/>
+              </a:ext>
+            </a:extLst>
+          </a:blip>
+          <a:srcRect/>
+          <a:stretch>
+            <a:fillRect/>
+          </a:stretch>
+        </p:blipFill>
+        <p:spPr bwMode="auto">
+          <a:xfrm>
+            <a:off x="1549865" y="2724750"/>
+            <a:ext cx="544585" cy="544585"/>
+          </a:xfrm>
+          <a:prstGeom prst="rect">
+            <a:avLst/>
+          </a:prstGeom>
+          <a:noFill/>
+          <a:extLst>
+            <a:ext uri="{909E8E84-426E-40DD-AFC4-6F175D3DCCD1}">
+              <a14:hiddenFill xmlns:a14="http://schemas.microsoft.com/office/drawing/2010/main">
+                <a:solidFill>
+                  <a:srgbClr val="FFFFFF"/>
+                </a:solidFill>
+              </a14:hiddenFill>
+            </a:ext>
+          </a:extLst>
+        </p:spPr>
+      </p:pic>
+      <p:sp>
+        <p:nvSpPr>
+          <p:cNvPr id="17" name="TextBox 16"/>
+          <p:cNvSpPr txBox="1"/>
+          <p:nvPr/>
+        </p:nvSpPr>
+        <p:spPr>
+          <a:xfrm>
+            <a:off x="2094450" y="2766209"/>
+            <a:ext cx="755848" cy="461665"/>
+          </a:xfrm>
+          <a:prstGeom prst="rect">
+            <a:avLst/>
+          </a:prstGeom>
+          <a:noFill/>
+        </p:spPr>
+        <p:txBody>
+          <a:bodyPr wrap="none" rtlCol="0">
+            <a:spAutoFit/>
+          </a:bodyPr>
+          <a:lstStyle/>
+          <a:p>
+            <a:r>
+              <a:rPr lang="en-US" sz="2400" b="1" dirty="0"/>
+              <a:t>data</a:t>
+            </a:r>
+            <a:endParaRPr lang="en-US" b="1" dirty="0"/>
+          </a:p>
+        </p:txBody>
+      </p:sp>
+      <p:pic>
+        <p:nvPicPr>
+          <p:cNvPr id="19" name="Picture 2" descr="Image result for folder"/>
+          <p:cNvPicPr>
+            <a:picLocks noChangeAspect="1" noChangeArrowheads="1"/>
+          </p:cNvPicPr>
+          <p:nvPr/>
+        </p:nvPicPr>
+        <p:blipFill>
+          <a:blip r:embed="rId2">
+            <a:extLst>
+              <a:ext uri="{28A0092B-C50C-407E-A947-70E740481C1C}">
+                <a14:useLocalDpi xmlns:a14="http://schemas.microsoft.com/office/drawing/2010/main" val="0"/>
+              </a:ext>
+            </a:extLst>
+          </a:blip>
+          <a:srcRect/>
+          <a:stretch>
+            <a:fillRect/>
+          </a:stretch>
+        </p:blipFill>
+        <p:spPr bwMode="auto">
+          <a:xfrm>
+            <a:off x="1590411" y="3310794"/>
+            <a:ext cx="544585" cy="544585"/>
+          </a:xfrm>
+          <a:prstGeom prst="rect">
+            <a:avLst/>
+          </a:prstGeom>
+          <a:noFill/>
+          <a:extLst>
+            <a:ext uri="{909E8E84-426E-40DD-AFC4-6F175D3DCCD1}">
+              <a14:hiddenFill xmlns:a14="http://schemas.microsoft.com/office/drawing/2010/main">
+                <a:solidFill>
+                  <a:srgbClr val="FFFFFF"/>
+                </a:solidFill>
+              </a14:hiddenFill>
+            </a:ext>
+          </a:extLst>
+        </p:spPr>
+      </p:pic>
+      <p:sp>
+        <p:nvSpPr>
+          <p:cNvPr id="20" name="TextBox 19"/>
+          <p:cNvSpPr txBox="1"/>
+          <p:nvPr/>
+        </p:nvSpPr>
+        <p:spPr>
+          <a:xfrm>
+            <a:off x="2134996" y="3352253"/>
+            <a:ext cx="910634" cy="461665"/>
+          </a:xfrm>
+          <a:prstGeom prst="rect">
+            <a:avLst/>
+          </a:prstGeom>
+          <a:noFill/>
+        </p:spPr>
+        <p:txBody>
+          <a:bodyPr wrap="none" rtlCol="0">
+            <a:spAutoFit/>
+          </a:bodyPr>
+          <a:lstStyle/>
+          <a:p>
+            <a:r>
+              <a:rPr lang="en-US" sz="2400" b="1" dirty="0"/>
+              <a:t>views</a:t>
+            </a:r>
+            <a:endParaRPr lang="en-US" b="1" dirty="0"/>
+          </a:p>
+        </p:txBody>
+      </p:sp>
+      <p:sp>
+        <p:nvSpPr>
+          <p:cNvPr id="5" name="TextBox 4"/>
+          <p:cNvSpPr txBox="1"/>
+          <p:nvPr/>
+        </p:nvSpPr>
+        <p:spPr>
+          <a:xfrm>
+            <a:off x="5528345" y="3747721"/>
+            <a:ext cx="2673296" cy="1200329"/>
+          </a:xfrm>
+          <a:prstGeom prst="rect">
+            <a:avLst/>
+          </a:prstGeom>
+          <a:noFill/>
+        </p:spPr>
+        <p:txBody>
+          <a:bodyPr wrap="none" rtlCol="0">
+            <a:spAutoFit/>
+          </a:bodyPr>
+          <a:lstStyle/>
+          <a:p>
+            <a:pPr marL="285750" indent="-285750">
+              <a:buFont typeface="Arial" panose="020B0604020202020204" pitchFamily="34" charset="0"/>
+              <a:buChar char="•"/>
+            </a:pPr>
+            <a:r>
+              <a:rPr lang="en-US" dirty="0"/>
+              <a:t>Configure web server</a:t>
+            </a:r>
+          </a:p>
+          <a:p>
+            <a:pPr marL="285750" indent="-285750">
+              <a:buFont typeface="Arial" panose="020B0604020202020204" pitchFamily="34" charset="0"/>
+              <a:buChar char="•"/>
+            </a:pPr>
+            <a:r>
+              <a:rPr lang="sv-SE" dirty="0" err="1"/>
+              <a:t>Setting</a:t>
+            </a:r>
+            <a:r>
+              <a:rPr lang="sv-SE" dirty="0"/>
+              <a:t> the </a:t>
+            </a:r>
+            <a:r>
+              <a:rPr lang="sv-SE" dirty="0" err="1"/>
+              <a:t>view</a:t>
+            </a:r>
+            <a:r>
+              <a:rPr lang="sv-SE" dirty="0"/>
+              <a:t> </a:t>
+            </a:r>
+            <a:r>
+              <a:rPr lang="sv-SE" dirty="0" err="1"/>
+              <a:t>engine</a:t>
+            </a:r>
+            <a:endParaRPr lang="sv-SE" dirty="0"/>
+          </a:p>
+          <a:p>
+            <a:pPr marL="285750" indent="-285750">
+              <a:buFont typeface="Arial" panose="020B0604020202020204" pitchFamily="34" charset="0"/>
+              <a:buChar char="•"/>
+            </a:pPr>
+            <a:r>
+              <a:rPr lang="en-US" dirty="0"/>
+              <a:t>Initializing</a:t>
+            </a:r>
+            <a:r>
+              <a:rPr lang="sv-SE" dirty="0"/>
+              <a:t> controllers</a:t>
+            </a:r>
+          </a:p>
+          <a:p>
+            <a:pPr marL="285750" indent="-285750">
+              <a:buFont typeface="Arial" panose="020B0604020202020204" pitchFamily="34" charset="0"/>
+              <a:buChar char="•"/>
+            </a:pPr>
+            <a:endParaRPr lang="en-US" dirty="0"/>
+          </a:p>
+        </p:txBody>
+      </p:sp>
+      <p:cxnSp>
+        <p:nvCxnSpPr>
+          <p:cNvPr id="7" name="Straight Connector 6"/>
+          <p:cNvCxnSpPr/>
+          <p:nvPr/>
+        </p:nvCxnSpPr>
+        <p:spPr>
+          <a:xfrm>
+            <a:off x="5528345" y="3747721"/>
+            <a:ext cx="0" cy="995729"/>
+          </a:xfrm>
+          <a:prstGeom prst="line">
+            <a:avLst/>
+          </a:prstGeom>
+          <a:ln>
+            <a:solidFill>
+              <a:schemeClr val="tx1"/>
+            </a:solidFill>
+          </a:ln>
+        </p:spPr>
+        <p:style>
+          <a:lnRef idx="1">
+            <a:schemeClr val="accent1"/>
+          </a:lnRef>
+          <a:fillRef idx="0">
+            <a:schemeClr val="accent1"/>
+          </a:fillRef>
+          <a:effectRef idx="0">
+            <a:schemeClr val="accent1"/>
+          </a:effectRef>
+          <a:fontRef idx="minor">
+            <a:schemeClr val="tx1"/>
+          </a:fontRef>
+        </p:style>
+      </p:cxnSp>
+      <p:cxnSp>
+        <p:nvCxnSpPr>
+          <p:cNvPr id="26" name="Straight Connector 25"/>
+          <p:cNvCxnSpPr/>
+          <p:nvPr/>
+        </p:nvCxnSpPr>
+        <p:spPr>
+          <a:xfrm flipH="1">
+            <a:off x="3672840" y="4213860"/>
+            <a:ext cx="1855505" cy="15240"/>
+          </a:xfrm>
+          <a:prstGeom prst="line">
+            <a:avLst/>
+          </a:prstGeom>
+          <a:ln>
+            <a:solidFill>
+              <a:schemeClr val="tx1"/>
+            </a:solidFill>
+          </a:ln>
+        </p:spPr>
+        <p:style>
+          <a:lnRef idx="1">
+            <a:schemeClr val="accent1"/>
+          </a:lnRef>
+          <a:fillRef idx="0">
+            <a:schemeClr val="accent1"/>
+          </a:fillRef>
+          <a:effectRef idx="0">
+            <a:schemeClr val="accent1"/>
+          </a:effectRef>
+          <a:fontRef idx="minor">
+            <a:schemeClr val="tx1"/>
+          </a:fontRef>
+        </p:style>
+      </p:cxnSp>
+    </p:spTree>
+    <p:extLst>
+      <p:ext uri="{BB962C8B-B14F-4D97-AF65-F5344CB8AC3E}">
+        <p14:creationId xmlns:p14="http://schemas.microsoft.com/office/powerpoint/2010/main" val="3385740464"/>
+      </p:ext>
+    </p:extLst>
+  </p:cSld>
+  <p:clrMapOvr>
+    <a:masterClrMapping/>
+  </p:clrMapOvr>
+</p:sld>
+</file>
+
+<file path=ppt/slides/slide71.xml><?xml version="1.0" encoding="utf-8"?>
+<p:sld xmlns:a="http://schemas.openxmlformats.org/drawingml/2006/main" xmlns:r="http://schemas.openxmlformats.org/officeDocument/2006/relationships" xmlns:p="http://schemas.openxmlformats.org/presentationml/2006/main">
+  <p:cSld>
+    <p:spTree>
+      <p:nvGrpSpPr>
+        <p:cNvPr id="1" name=""/>
+        <p:cNvGrpSpPr/>
+        <p:nvPr/>
+      </p:nvGrpSpPr>
+      <p:grpSpPr>
+        <a:xfrm>
+          <a:off x="0" y="0"/>
+          <a:ext cx="0" cy="0"/>
+          <a:chOff x="0" y="0"/>
+          <a:chExt cx="0" cy="0"/>
+        </a:xfrm>
+      </p:grpSpPr>
+      <p:sp>
+        <p:nvSpPr>
+          <p:cNvPr id="2" name="Title 1"/>
+          <p:cNvSpPr>
+            <a:spLocks noGrp="1"/>
+          </p:cNvSpPr>
+          <p:nvPr>
+            <p:ph type="title"/>
+          </p:nvPr>
+        </p:nvSpPr>
+        <p:spPr/>
+        <p:txBody>
+          <a:bodyPr/>
+          <a:lstStyle/>
+          <a:p>
+            <a:r>
+              <a:rPr lang="en-US" dirty="0"/>
+              <a:t>HOL #7 Building Web apps using Node.js</a:t>
+            </a:r>
+          </a:p>
+        </p:txBody>
+      </p:sp>
+      <p:pic>
+        <p:nvPicPr>
+          <p:cNvPr id="1026" name="Picture 2" descr="Image result for folder"/>
+          <p:cNvPicPr>
+            <a:picLocks noChangeAspect="1" noChangeArrowheads="1"/>
+          </p:cNvPicPr>
+          <p:nvPr/>
+        </p:nvPicPr>
+        <p:blipFill>
+          <a:blip r:embed="rId2">
+            <a:extLst>
+              <a:ext uri="{28A0092B-C50C-407E-A947-70E740481C1C}">
+                <a14:useLocalDpi xmlns:a14="http://schemas.microsoft.com/office/drawing/2010/main" val="0"/>
+              </a:ext>
+            </a:extLst>
+          </a:blip>
+          <a:srcRect/>
+          <a:stretch>
+            <a:fillRect/>
+          </a:stretch>
+        </p:blipFill>
+        <p:spPr bwMode="auto">
+          <a:xfrm>
+            <a:off x="964734" y="1552662"/>
+            <a:ext cx="544585" cy="544585"/>
+          </a:xfrm>
+          <a:prstGeom prst="rect">
+            <a:avLst/>
+          </a:prstGeom>
+          <a:noFill/>
+          <a:extLst>
+            <a:ext uri="{909E8E84-426E-40DD-AFC4-6F175D3DCCD1}">
+              <a14:hiddenFill xmlns:a14="http://schemas.microsoft.com/office/drawing/2010/main">
+                <a:solidFill>
+                  <a:srgbClr val="FFFFFF"/>
+                </a:solidFill>
+              </a14:hiddenFill>
+            </a:ext>
+          </a:extLst>
+        </p:spPr>
+      </p:pic>
+      <p:sp>
+        <p:nvSpPr>
+          <p:cNvPr id="4" name="TextBox 3"/>
+          <p:cNvSpPr txBox="1"/>
+          <p:nvPr/>
+        </p:nvSpPr>
+        <p:spPr>
+          <a:xfrm>
+            <a:off x="1509319" y="1594121"/>
+            <a:ext cx="745717" cy="461665"/>
+          </a:xfrm>
+          <a:prstGeom prst="rect">
+            <a:avLst/>
+          </a:prstGeom>
+          <a:noFill/>
+        </p:spPr>
+        <p:txBody>
+          <a:bodyPr wrap="none" rtlCol="0">
+            <a:spAutoFit/>
+          </a:bodyPr>
+          <a:lstStyle/>
+          <a:p>
+            <a:r>
+              <a:rPr lang="en-US" sz="2400" b="1" dirty="0"/>
+              <a:t>hol7</a:t>
+            </a:r>
+            <a:endParaRPr lang="en-US" b="1" dirty="0"/>
+          </a:p>
+        </p:txBody>
+      </p:sp>
+      <p:pic>
+        <p:nvPicPr>
+          <p:cNvPr id="12" name="Picture 2" descr="Image result for folder"/>
+          <p:cNvPicPr>
+            <a:picLocks noChangeAspect="1" noChangeArrowheads="1"/>
+          </p:cNvPicPr>
+          <p:nvPr/>
+        </p:nvPicPr>
+        <p:blipFill>
+          <a:blip r:embed="rId2">
+            <a:extLst>
+              <a:ext uri="{28A0092B-C50C-407E-A947-70E740481C1C}">
+                <a14:useLocalDpi xmlns:a14="http://schemas.microsoft.com/office/drawing/2010/main" val="0"/>
+              </a:ext>
+            </a:extLst>
+          </a:blip>
+          <a:srcRect/>
+          <a:stretch>
+            <a:fillRect/>
+          </a:stretch>
+        </p:blipFill>
+        <p:spPr bwMode="auto">
+          <a:xfrm>
+            <a:off x="1509319" y="2138706"/>
+            <a:ext cx="544585" cy="544585"/>
+          </a:xfrm>
+          <a:prstGeom prst="rect">
+            <a:avLst/>
+          </a:prstGeom>
+          <a:noFill/>
+          <a:extLst>
+            <a:ext uri="{909E8E84-426E-40DD-AFC4-6F175D3DCCD1}">
+              <a14:hiddenFill xmlns:a14="http://schemas.microsoft.com/office/drawing/2010/main">
+                <a:solidFill>
+                  <a:srgbClr val="FFFFFF"/>
+                </a:solidFill>
+              </a14:hiddenFill>
+            </a:ext>
+          </a:extLst>
+        </p:spPr>
+      </p:pic>
+      <p:sp>
+        <p:nvSpPr>
+          <p:cNvPr id="13" name="TextBox 12"/>
+          <p:cNvSpPr txBox="1"/>
+          <p:nvPr/>
+        </p:nvSpPr>
+        <p:spPr>
+          <a:xfrm>
+            <a:off x="2053904" y="2180165"/>
+            <a:ext cx="1551322" cy="461665"/>
+          </a:xfrm>
+          <a:prstGeom prst="rect">
+            <a:avLst/>
+          </a:prstGeom>
+          <a:noFill/>
+        </p:spPr>
+        <p:txBody>
+          <a:bodyPr wrap="none" rtlCol="0">
+            <a:spAutoFit/>
+          </a:bodyPr>
+          <a:lstStyle/>
+          <a:p>
+            <a:r>
+              <a:rPr lang="en-US" sz="2400" b="1" dirty="0"/>
+              <a:t>controllers</a:t>
+            </a:r>
+            <a:endParaRPr lang="en-US" b="1" dirty="0"/>
+          </a:p>
+        </p:txBody>
+      </p:sp>
+      <p:pic>
+        <p:nvPicPr>
+          <p:cNvPr id="16" name="Picture 2" descr="Image result for folder"/>
+          <p:cNvPicPr>
+            <a:picLocks noChangeAspect="1" noChangeArrowheads="1"/>
+          </p:cNvPicPr>
+          <p:nvPr/>
+        </p:nvPicPr>
+        <p:blipFill>
+          <a:blip r:embed="rId2">
+            <a:extLst>
+              <a:ext uri="{28A0092B-C50C-407E-A947-70E740481C1C}">
+                <a14:useLocalDpi xmlns:a14="http://schemas.microsoft.com/office/drawing/2010/main" val="0"/>
+              </a:ext>
+            </a:extLst>
+          </a:blip>
+          <a:srcRect/>
+          <a:stretch>
+            <a:fillRect/>
+          </a:stretch>
+        </p:blipFill>
+        <p:spPr bwMode="auto">
+          <a:xfrm>
+            <a:off x="1509319" y="3808395"/>
+            <a:ext cx="544585" cy="544585"/>
+          </a:xfrm>
+          <a:prstGeom prst="rect">
+            <a:avLst/>
+          </a:prstGeom>
+          <a:noFill/>
+          <a:extLst>
+            <a:ext uri="{909E8E84-426E-40DD-AFC4-6F175D3DCCD1}">
+              <a14:hiddenFill xmlns:a14="http://schemas.microsoft.com/office/drawing/2010/main">
+                <a:solidFill>
+                  <a:srgbClr val="FFFFFF"/>
+                </a:solidFill>
+              </a14:hiddenFill>
+            </a:ext>
+          </a:extLst>
+        </p:spPr>
+      </p:pic>
+      <p:sp>
+        <p:nvSpPr>
+          <p:cNvPr id="17" name="TextBox 16"/>
+          <p:cNvSpPr txBox="1"/>
+          <p:nvPr/>
+        </p:nvSpPr>
+        <p:spPr>
+          <a:xfrm>
+            <a:off x="2053904" y="3849854"/>
+            <a:ext cx="755848" cy="461665"/>
+          </a:xfrm>
+          <a:prstGeom prst="rect">
+            <a:avLst/>
+          </a:prstGeom>
+          <a:noFill/>
+        </p:spPr>
+        <p:txBody>
+          <a:bodyPr wrap="none" rtlCol="0">
+            <a:spAutoFit/>
+          </a:bodyPr>
+          <a:lstStyle/>
+          <a:p>
+            <a:r>
+              <a:rPr lang="en-US" sz="2400" b="1" dirty="0"/>
+              <a:t>data</a:t>
+            </a:r>
+            <a:endParaRPr lang="en-US" b="1" dirty="0"/>
+          </a:p>
+        </p:txBody>
+      </p:sp>
+      <p:pic>
+        <p:nvPicPr>
+          <p:cNvPr id="19" name="Picture 2" descr="Image result for folder"/>
+          <p:cNvPicPr>
+            <a:picLocks noChangeAspect="1" noChangeArrowheads="1"/>
+          </p:cNvPicPr>
+          <p:nvPr/>
+        </p:nvPicPr>
+        <p:blipFill>
+          <a:blip r:embed="rId2">
+            <a:extLst>
+              <a:ext uri="{28A0092B-C50C-407E-A947-70E740481C1C}">
+                <a14:useLocalDpi xmlns:a14="http://schemas.microsoft.com/office/drawing/2010/main" val="0"/>
+              </a:ext>
+            </a:extLst>
+          </a:blip>
+          <a:srcRect/>
+          <a:stretch>
+            <a:fillRect/>
+          </a:stretch>
+        </p:blipFill>
+        <p:spPr bwMode="auto">
+          <a:xfrm>
+            <a:off x="1509319" y="4876479"/>
+            <a:ext cx="544585" cy="544585"/>
+          </a:xfrm>
+          <a:prstGeom prst="rect">
+            <a:avLst/>
+          </a:prstGeom>
+          <a:noFill/>
+          <a:extLst>
+            <a:ext uri="{909E8E84-426E-40DD-AFC4-6F175D3DCCD1}">
+              <a14:hiddenFill xmlns:a14="http://schemas.microsoft.com/office/drawing/2010/main">
+                <a:solidFill>
+                  <a:srgbClr val="FFFFFF"/>
+                </a:solidFill>
+              </a14:hiddenFill>
+            </a:ext>
+          </a:extLst>
+        </p:spPr>
+      </p:pic>
+      <p:sp>
+        <p:nvSpPr>
+          <p:cNvPr id="20" name="TextBox 19"/>
+          <p:cNvSpPr txBox="1"/>
+          <p:nvPr/>
+        </p:nvSpPr>
+        <p:spPr>
+          <a:xfrm>
+            <a:off x="2053904" y="4917938"/>
+            <a:ext cx="910634" cy="461665"/>
+          </a:xfrm>
+          <a:prstGeom prst="rect">
+            <a:avLst/>
+          </a:prstGeom>
+          <a:noFill/>
+        </p:spPr>
+        <p:txBody>
+          <a:bodyPr wrap="none" rtlCol="0">
+            <a:spAutoFit/>
+          </a:bodyPr>
+          <a:lstStyle/>
+          <a:p>
+            <a:r>
+              <a:rPr lang="en-US" sz="2400" b="1" dirty="0"/>
+              <a:t>views</a:t>
+            </a:r>
+            <a:endParaRPr lang="en-US" b="1" dirty="0"/>
+          </a:p>
+        </p:txBody>
+      </p:sp>
+      <p:sp>
+        <p:nvSpPr>
+          <p:cNvPr id="5" name="TextBox 4"/>
+          <p:cNvSpPr txBox="1"/>
+          <p:nvPr/>
+        </p:nvSpPr>
+        <p:spPr>
+          <a:xfrm>
+            <a:off x="6795170" y="3111190"/>
+            <a:ext cx="2922595" cy="923330"/>
+          </a:xfrm>
+          <a:prstGeom prst="rect">
+            <a:avLst/>
+          </a:prstGeom>
+          <a:noFill/>
+        </p:spPr>
+        <p:txBody>
+          <a:bodyPr wrap="none" rtlCol="0">
+            <a:spAutoFit/>
+          </a:bodyPr>
+          <a:lstStyle/>
+          <a:p>
+            <a:pPr marL="285750" indent="-285750">
+              <a:buFont typeface="Arial" panose="020B0604020202020204" pitchFamily="34" charset="0"/>
+              <a:buChar char="•"/>
+            </a:pPr>
+            <a:r>
+              <a:rPr lang="en-US" dirty="0"/>
+              <a:t>Gets model</a:t>
+            </a:r>
+          </a:p>
+          <a:p>
+            <a:pPr marL="285750" indent="-285750">
+              <a:buFont typeface="Arial" panose="020B0604020202020204" pitchFamily="34" charset="0"/>
+              <a:buChar char="•"/>
+            </a:pPr>
+            <a:r>
+              <a:rPr lang="en-US" dirty="0"/>
+              <a:t>Calls to render home view</a:t>
+            </a:r>
+          </a:p>
+          <a:p>
+            <a:pPr marL="285750" indent="-285750">
+              <a:buFont typeface="Arial" panose="020B0604020202020204" pitchFamily="34" charset="0"/>
+              <a:buChar char="•"/>
+            </a:pPr>
+            <a:endParaRPr lang="en-US" dirty="0"/>
+          </a:p>
+        </p:txBody>
+      </p:sp>
+      <p:cxnSp>
+        <p:nvCxnSpPr>
+          <p:cNvPr id="7" name="Straight Connector 6"/>
+          <p:cNvCxnSpPr/>
+          <p:nvPr/>
+        </p:nvCxnSpPr>
+        <p:spPr>
+          <a:xfrm>
+            <a:off x="6795170" y="3111190"/>
+            <a:ext cx="0" cy="995729"/>
+          </a:xfrm>
+          <a:prstGeom prst="line">
+            <a:avLst/>
+          </a:prstGeom>
+          <a:ln>
+            <a:solidFill>
+              <a:schemeClr val="tx1"/>
+            </a:solidFill>
+          </a:ln>
+        </p:spPr>
+        <p:style>
+          <a:lnRef idx="1">
+            <a:schemeClr val="accent1"/>
+          </a:lnRef>
+          <a:fillRef idx="0">
+            <a:schemeClr val="accent1"/>
+          </a:fillRef>
+          <a:effectRef idx="0">
+            <a:schemeClr val="accent1"/>
+          </a:effectRef>
+          <a:fontRef idx="minor">
+            <a:schemeClr val="tx1"/>
+          </a:fontRef>
+        </p:style>
+      </p:cxnSp>
+      <p:cxnSp>
+        <p:nvCxnSpPr>
+          <p:cNvPr id="26" name="Straight Connector 25"/>
+          <p:cNvCxnSpPr/>
+          <p:nvPr/>
+        </p:nvCxnSpPr>
+        <p:spPr>
+          <a:xfrm flipH="1">
+            <a:off x="5591175" y="3577329"/>
+            <a:ext cx="1203996" cy="13596"/>
+          </a:xfrm>
+          <a:prstGeom prst="line">
+            <a:avLst/>
+          </a:prstGeom>
+          <a:ln>
+            <a:solidFill>
+              <a:schemeClr val="tx1"/>
+            </a:solidFill>
+          </a:ln>
+        </p:spPr>
+        <p:style>
+          <a:lnRef idx="1">
+            <a:schemeClr val="accent1"/>
+          </a:lnRef>
+          <a:fillRef idx="0">
+            <a:schemeClr val="accent1"/>
+          </a:fillRef>
+          <a:effectRef idx="0">
+            <a:schemeClr val="accent1"/>
+          </a:effectRef>
+          <a:fontRef idx="minor">
+            <a:schemeClr val="tx1"/>
+          </a:fontRef>
+        </p:style>
+      </p:cxnSp>
+      <p:pic>
+        <p:nvPicPr>
+          <p:cNvPr id="18" name="Picture 4" descr="Image result for file"/>
+          <p:cNvPicPr>
+            <a:picLocks noChangeAspect="1" noChangeArrowheads="1"/>
+          </p:cNvPicPr>
+          <p:nvPr/>
+        </p:nvPicPr>
+        <p:blipFill>
+          <a:blip r:embed="rId3">
+            <a:extLst>
+              <a:ext uri="{28A0092B-C50C-407E-A947-70E740481C1C}">
+                <a14:useLocalDpi xmlns:a14="http://schemas.microsoft.com/office/drawing/2010/main" val="0"/>
+              </a:ext>
+            </a:extLst>
+          </a:blip>
+          <a:srcRect/>
+          <a:stretch>
+            <a:fillRect/>
+          </a:stretch>
+        </p:blipFill>
+        <p:spPr bwMode="auto">
+          <a:xfrm>
+            <a:off x="2053904" y="3309004"/>
+            <a:ext cx="321840" cy="434919"/>
+          </a:xfrm>
+          <a:prstGeom prst="rect">
+            <a:avLst/>
+          </a:prstGeom>
+          <a:noFill/>
+          <a:extLst>
+            <a:ext uri="{909E8E84-426E-40DD-AFC4-6F175D3DCCD1}">
+              <a14:hiddenFill xmlns:a14="http://schemas.microsoft.com/office/drawing/2010/main">
+                <a:solidFill>
+                  <a:srgbClr val="FFFFFF"/>
+                </a:solidFill>
+              </a14:hiddenFill>
+            </a:ext>
+          </a:extLst>
+        </p:spPr>
+      </p:pic>
+      <p:sp>
+        <p:nvSpPr>
+          <p:cNvPr id="21" name="TextBox 20"/>
+          <p:cNvSpPr txBox="1"/>
+          <p:nvPr/>
+        </p:nvSpPr>
+        <p:spPr>
+          <a:xfrm>
+            <a:off x="2375744" y="3309004"/>
+            <a:ext cx="2660857" cy="461665"/>
+          </a:xfrm>
+          <a:prstGeom prst="rect">
+            <a:avLst/>
+          </a:prstGeom>
+          <a:noFill/>
+        </p:spPr>
+        <p:txBody>
+          <a:bodyPr wrap="none" rtlCol="0">
+            <a:spAutoFit/>
+          </a:bodyPr>
+          <a:lstStyle/>
+          <a:p>
+            <a:r>
+              <a:rPr lang="en-US" sz="2400" dirty="0"/>
+              <a:t>productController.js</a:t>
+            </a:r>
+            <a:endParaRPr lang="en-US" dirty="0"/>
+          </a:p>
+        </p:txBody>
+      </p:sp>
+      <p:pic>
+        <p:nvPicPr>
+          <p:cNvPr id="22" name="Picture 2" descr="Image result for folder"/>
+          <p:cNvPicPr>
+            <a:picLocks noChangeAspect="1" noChangeArrowheads="1"/>
+          </p:cNvPicPr>
+          <p:nvPr/>
+        </p:nvPicPr>
+        <p:blipFill>
+          <a:blip r:embed="rId2">
+            <a:extLst>
+              <a:ext uri="{28A0092B-C50C-407E-A947-70E740481C1C}">
+                <a14:useLocalDpi xmlns:a14="http://schemas.microsoft.com/office/drawing/2010/main" val="0"/>
+              </a:ext>
+            </a:extLst>
+          </a:blip>
+          <a:srcRect/>
+          <a:stretch>
+            <a:fillRect/>
+          </a:stretch>
+        </p:blipFill>
+        <p:spPr bwMode="auto">
+          <a:xfrm>
+            <a:off x="2053904" y="5458786"/>
+            <a:ext cx="544585" cy="544585"/>
+          </a:xfrm>
+          <a:prstGeom prst="rect">
+            <a:avLst/>
+          </a:prstGeom>
+          <a:noFill/>
+          <a:extLst>
+            <a:ext uri="{909E8E84-426E-40DD-AFC4-6F175D3DCCD1}">
+              <a14:hiddenFill xmlns:a14="http://schemas.microsoft.com/office/drawing/2010/main">
+                <a:solidFill>
+                  <a:srgbClr val="FFFFFF"/>
+                </a:solidFill>
+              </a14:hiddenFill>
+            </a:ext>
+          </a:extLst>
+        </p:spPr>
+      </p:pic>
+      <p:sp>
+        <p:nvSpPr>
+          <p:cNvPr id="23" name="TextBox 22"/>
+          <p:cNvSpPr txBox="1"/>
+          <p:nvPr/>
+        </p:nvSpPr>
+        <p:spPr>
+          <a:xfrm>
+            <a:off x="2598489" y="5500245"/>
+            <a:ext cx="1309397" cy="461665"/>
+          </a:xfrm>
+          <a:prstGeom prst="rect">
+            <a:avLst/>
+          </a:prstGeom>
+          <a:noFill/>
+        </p:spPr>
+        <p:txBody>
+          <a:bodyPr wrap="none" rtlCol="0">
+            <a:spAutoFit/>
+          </a:bodyPr>
+          <a:lstStyle/>
+          <a:p>
+            <a:r>
+              <a:rPr lang="en-US" sz="2400" b="1" dirty="0"/>
+              <a:t>products</a:t>
+            </a:r>
+            <a:endParaRPr lang="en-US" b="1" dirty="0"/>
+          </a:p>
+        </p:txBody>
+      </p:sp>
+      <p:pic>
+        <p:nvPicPr>
+          <p:cNvPr id="24" name="Picture 4" descr="Image result for file"/>
+          <p:cNvPicPr>
+            <a:picLocks noChangeAspect="1" noChangeArrowheads="1"/>
+          </p:cNvPicPr>
+          <p:nvPr/>
+        </p:nvPicPr>
+        <p:blipFill>
+          <a:blip r:embed="rId3">
+            <a:extLst>
+              <a:ext uri="{28A0092B-C50C-407E-A947-70E740481C1C}">
+                <a14:useLocalDpi xmlns:a14="http://schemas.microsoft.com/office/drawing/2010/main" val="0"/>
+              </a:ext>
+            </a:extLst>
+          </a:blip>
+          <a:srcRect/>
+          <a:stretch>
+            <a:fillRect/>
+          </a:stretch>
+        </p:blipFill>
+        <p:spPr bwMode="auto">
+          <a:xfrm>
+            <a:off x="2642698" y="6082552"/>
+            <a:ext cx="321840" cy="434919"/>
+          </a:xfrm>
+          <a:prstGeom prst="rect">
+            <a:avLst/>
+          </a:prstGeom>
+          <a:noFill/>
+          <a:extLst>
+            <a:ext uri="{909E8E84-426E-40DD-AFC4-6F175D3DCCD1}">
+              <a14:hiddenFill xmlns:a14="http://schemas.microsoft.com/office/drawing/2010/main">
+                <a:solidFill>
+                  <a:srgbClr val="FFFFFF"/>
+                </a:solidFill>
+              </a14:hiddenFill>
+            </a:ext>
+          </a:extLst>
+        </p:spPr>
+      </p:pic>
+      <p:sp>
+        <p:nvSpPr>
+          <p:cNvPr id="25" name="TextBox 24"/>
+          <p:cNvSpPr txBox="1"/>
+          <p:nvPr/>
+        </p:nvSpPr>
+        <p:spPr>
+          <a:xfrm>
+            <a:off x="2964538" y="6082552"/>
+            <a:ext cx="1491242" cy="461665"/>
+          </a:xfrm>
+          <a:prstGeom prst="rect">
+            <a:avLst/>
+          </a:prstGeom>
+          <a:noFill/>
+        </p:spPr>
+        <p:txBody>
+          <a:bodyPr wrap="none" rtlCol="0">
+            <a:spAutoFit/>
+          </a:bodyPr>
+          <a:lstStyle/>
+          <a:p>
+            <a:r>
+              <a:rPr lang="en-US" sz="2400" dirty="0" err="1"/>
+              <a:t>index.vash</a:t>
+            </a:r>
+            <a:endParaRPr lang="en-US" dirty="0"/>
+          </a:p>
+        </p:txBody>
+      </p:sp>
+      <p:cxnSp>
+        <p:nvCxnSpPr>
+          <p:cNvPr id="8" name="Connector: Elbow 7"/>
+          <p:cNvCxnSpPr/>
+          <p:nvPr/>
+        </p:nvCxnSpPr>
+        <p:spPr>
+          <a:xfrm rot="10800000" flipV="1">
+            <a:off x="4572001" y="3743922"/>
+            <a:ext cx="4486275" cy="2599727"/>
+          </a:xfrm>
+          <a:prstGeom prst="bentConnector3">
+            <a:avLst>
+              <a:gd name="adj1" fmla="val -106"/>
+            </a:avLst>
+          </a:prstGeom>
+          <a:ln>
+            <a:solidFill>
+              <a:schemeClr val="tx1"/>
+            </a:solidFill>
+            <a:prstDash val="dash"/>
+          </a:ln>
+        </p:spPr>
+        <p:style>
+          <a:lnRef idx="1">
+            <a:schemeClr val="accent1"/>
+          </a:lnRef>
+          <a:fillRef idx="0">
+            <a:schemeClr val="accent1"/>
+          </a:fillRef>
+          <a:effectRef idx="0">
+            <a:schemeClr val="accent1"/>
+          </a:effectRef>
+          <a:fontRef idx="minor">
+            <a:schemeClr val="tx1"/>
+          </a:fontRef>
+        </p:style>
+      </p:cxnSp>
+      <p:pic>
+        <p:nvPicPr>
+          <p:cNvPr id="27" name="Picture 4" descr="Image result for file"/>
+          <p:cNvPicPr>
+            <a:picLocks noChangeAspect="1" noChangeArrowheads="1"/>
+          </p:cNvPicPr>
+          <p:nvPr/>
+        </p:nvPicPr>
+        <p:blipFill>
+          <a:blip r:embed="rId3">
+            <a:extLst>
+              <a:ext uri="{28A0092B-C50C-407E-A947-70E740481C1C}">
+                <a14:useLocalDpi xmlns:a14="http://schemas.microsoft.com/office/drawing/2010/main" val="0"/>
+              </a:ext>
+            </a:extLst>
+          </a:blip>
+          <a:srcRect/>
+          <a:stretch>
+            <a:fillRect/>
+          </a:stretch>
+        </p:blipFill>
+        <p:spPr bwMode="auto">
+          <a:xfrm>
+            <a:off x="2044954" y="2759159"/>
+            <a:ext cx="321840" cy="434919"/>
+          </a:xfrm>
+          <a:prstGeom prst="rect">
+            <a:avLst/>
+          </a:prstGeom>
+          <a:noFill/>
+          <a:extLst>
+            <a:ext uri="{909E8E84-426E-40DD-AFC4-6F175D3DCCD1}">
+              <a14:hiddenFill xmlns:a14="http://schemas.microsoft.com/office/drawing/2010/main">
+                <a:solidFill>
+                  <a:srgbClr val="FFFFFF"/>
+                </a:solidFill>
+              </a14:hiddenFill>
+            </a:ext>
+          </a:extLst>
+        </p:spPr>
+      </p:pic>
+      <p:sp>
+        <p:nvSpPr>
+          <p:cNvPr id="28" name="TextBox 27"/>
+          <p:cNvSpPr txBox="1"/>
+          <p:nvPr/>
+        </p:nvSpPr>
+        <p:spPr>
+          <a:xfrm>
+            <a:off x="2366794" y="2759159"/>
+            <a:ext cx="2401298" cy="461665"/>
+          </a:xfrm>
+          <a:prstGeom prst="rect">
+            <a:avLst/>
+          </a:prstGeom>
+          <a:noFill/>
+        </p:spPr>
+        <p:txBody>
+          <a:bodyPr wrap="none" rtlCol="0">
+            <a:spAutoFit/>
+          </a:bodyPr>
+          <a:lstStyle/>
+          <a:p>
+            <a:r>
+              <a:rPr lang="en-US" sz="2400" dirty="0"/>
+              <a:t>homeController.js</a:t>
+            </a:r>
+            <a:endParaRPr lang="en-US" dirty="0"/>
+          </a:p>
+        </p:txBody>
+      </p:sp>
+      <p:sp>
+        <p:nvSpPr>
+          <p:cNvPr id="29" name="Rectangle 28"/>
+          <p:cNvSpPr/>
+          <p:nvPr/>
+        </p:nvSpPr>
+        <p:spPr>
+          <a:xfrm>
+            <a:off x="2007412" y="2756756"/>
+            <a:ext cx="2769630" cy="504825"/>
+          </a:xfrm>
+          <a:prstGeom prst="rect">
+            <a:avLst/>
+          </a:prstGeom>
+          <a:solidFill>
+            <a:schemeClr val="bg1">
+              <a:alpha val="80000"/>
+            </a:schemeClr>
+          </a:solidFill>
+          <a:ln>
+            <a:solidFill>
+              <a:schemeClr val="bg1"/>
+            </a:solidFill>
+          </a:ln>
+        </p:spPr>
+        <p:style>
+          <a:lnRef idx="2">
+            <a:schemeClr val="accent1">
+              <a:shade val="50000"/>
+            </a:schemeClr>
+          </a:lnRef>
+          <a:fillRef idx="1">
+            <a:schemeClr val="accent1"/>
+          </a:fillRef>
+          <a:effectRef idx="0">
+            <a:schemeClr val="accent1"/>
+          </a:effectRef>
+          <a:fontRef idx="minor">
+            <a:schemeClr val="lt1"/>
+          </a:fontRef>
+        </p:style>
+        <p:txBody>
+          <a:bodyPr rtlCol="0" anchor="ctr"/>
+          <a:lstStyle/>
+          <a:p>
+            <a:pPr algn="ctr"/>
+            <a:endParaRPr lang="en-US"/>
+          </a:p>
+        </p:txBody>
+      </p:sp>
+      <p:pic>
+        <p:nvPicPr>
+          <p:cNvPr id="30" name="Picture 4" descr="Image result for file"/>
+          <p:cNvPicPr>
+            <a:picLocks noChangeAspect="1" noChangeArrowheads="1"/>
+          </p:cNvPicPr>
+          <p:nvPr/>
+        </p:nvPicPr>
+        <p:blipFill>
+          <a:blip r:embed="rId3">
+            <a:extLst>
+              <a:ext uri="{28A0092B-C50C-407E-A947-70E740481C1C}">
+                <a14:useLocalDpi xmlns:a14="http://schemas.microsoft.com/office/drawing/2010/main" val="0"/>
+              </a:ext>
+            </a:extLst>
+          </a:blip>
+          <a:srcRect/>
+          <a:stretch>
+            <a:fillRect/>
+          </a:stretch>
+        </p:blipFill>
+        <p:spPr bwMode="auto">
+          <a:xfrm>
+            <a:off x="2039509" y="4407362"/>
+            <a:ext cx="321840" cy="434919"/>
+          </a:xfrm>
+          <a:prstGeom prst="rect">
+            <a:avLst/>
+          </a:prstGeom>
+          <a:noFill/>
+          <a:extLst>
+            <a:ext uri="{909E8E84-426E-40DD-AFC4-6F175D3DCCD1}">
+              <a14:hiddenFill xmlns:a14="http://schemas.microsoft.com/office/drawing/2010/main">
+                <a:solidFill>
+                  <a:srgbClr val="FFFFFF"/>
+                </a:solidFill>
+              </a14:hiddenFill>
+            </a:ext>
+          </a:extLst>
+        </p:spPr>
+      </p:pic>
+      <p:sp>
+        <p:nvSpPr>
+          <p:cNvPr id="31" name="TextBox 30"/>
+          <p:cNvSpPr txBox="1"/>
+          <p:nvPr/>
+        </p:nvSpPr>
+        <p:spPr>
+          <a:xfrm>
+            <a:off x="2361349" y="4407362"/>
+            <a:ext cx="1138581" cy="461665"/>
+          </a:xfrm>
+          <a:prstGeom prst="rect">
+            <a:avLst/>
+          </a:prstGeom>
+          <a:noFill/>
+        </p:spPr>
+        <p:txBody>
+          <a:bodyPr wrap="none" rtlCol="0">
+            <a:spAutoFit/>
+          </a:bodyPr>
+          <a:lstStyle/>
+          <a:p>
+            <a:r>
+              <a:rPr lang="en-US" sz="2400" dirty="0"/>
+              <a:t>Index.js</a:t>
+            </a:r>
+            <a:endParaRPr lang="en-US" dirty="0"/>
+          </a:p>
+        </p:txBody>
+      </p:sp>
+      <p:sp>
+        <p:nvSpPr>
+          <p:cNvPr id="34" name="TextBox 33"/>
+          <p:cNvSpPr txBox="1"/>
+          <p:nvPr/>
+        </p:nvSpPr>
+        <p:spPr>
+          <a:xfrm>
+            <a:off x="4875887" y="4484063"/>
+            <a:ext cx="2193614" cy="369332"/>
+          </a:xfrm>
+          <a:prstGeom prst="rect">
+            <a:avLst/>
+          </a:prstGeom>
+          <a:noFill/>
+        </p:spPr>
+        <p:txBody>
+          <a:bodyPr wrap="none" rtlCol="0">
+            <a:spAutoFit/>
+          </a:bodyPr>
+          <a:lstStyle/>
+          <a:p>
+            <a:pPr marL="285750" indent="-285750">
+              <a:buFont typeface="Arial" panose="020B0604020202020204" pitchFamily="34" charset="0"/>
+              <a:buChar char="•"/>
+            </a:pPr>
+            <a:r>
+              <a:rPr lang="en-US" dirty="0"/>
+              <a:t>Creates the model</a:t>
+            </a:r>
+          </a:p>
+        </p:txBody>
+      </p:sp>
+      <p:cxnSp>
+        <p:nvCxnSpPr>
+          <p:cNvPr id="35" name="Straight Connector 34"/>
+          <p:cNvCxnSpPr/>
+          <p:nvPr/>
+        </p:nvCxnSpPr>
+        <p:spPr>
+          <a:xfrm>
+            <a:off x="4875887" y="4440155"/>
+            <a:ext cx="0" cy="477783"/>
+          </a:xfrm>
+          <a:prstGeom prst="line">
+            <a:avLst/>
+          </a:prstGeom>
+          <a:ln>
+            <a:solidFill>
+              <a:schemeClr val="tx1"/>
+            </a:solidFill>
+          </a:ln>
+        </p:spPr>
+        <p:style>
+          <a:lnRef idx="1">
+            <a:schemeClr val="accent1"/>
+          </a:lnRef>
+          <a:fillRef idx="0">
+            <a:schemeClr val="accent1"/>
+          </a:fillRef>
+          <a:effectRef idx="0">
+            <a:schemeClr val="accent1"/>
+          </a:effectRef>
+          <a:fontRef idx="minor">
+            <a:schemeClr val="tx1"/>
+          </a:fontRef>
+        </p:style>
+      </p:cxnSp>
+      <p:cxnSp>
+        <p:nvCxnSpPr>
+          <p:cNvPr id="36" name="Straight Connector 35"/>
+          <p:cNvCxnSpPr/>
+          <p:nvPr/>
+        </p:nvCxnSpPr>
+        <p:spPr>
+          <a:xfrm flipH="1">
+            <a:off x="3671891" y="4665799"/>
+            <a:ext cx="1203996" cy="13596"/>
+          </a:xfrm>
+          <a:prstGeom prst="line">
+            <a:avLst/>
+          </a:prstGeom>
+          <a:ln>
+            <a:solidFill>
+              <a:schemeClr val="tx1"/>
+            </a:solidFill>
+          </a:ln>
+        </p:spPr>
+        <p:style>
+          <a:lnRef idx="1">
+            <a:schemeClr val="accent1"/>
+          </a:lnRef>
+          <a:fillRef idx="0">
+            <a:schemeClr val="accent1"/>
+          </a:fillRef>
+          <a:effectRef idx="0">
+            <a:schemeClr val="accent1"/>
+          </a:effectRef>
+          <a:fontRef idx="minor">
+            <a:schemeClr val="tx1"/>
+          </a:fontRef>
+        </p:style>
+      </p:cxnSp>
+    </p:spTree>
+    <p:extLst>
+      <p:ext uri="{BB962C8B-B14F-4D97-AF65-F5344CB8AC3E}">
+        <p14:creationId xmlns:p14="http://schemas.microsoft.com/office/powerpoint/2010/main" val="911243076"/>
+      </p:ext>
+    </p:extLst>
+  </p:cSld>
+  <p:clrMapOvr>
+    <a:masterClrMapping/>
+  </p:clrMapOvr>
+  <mc:AlternateContent xmlns:mc="http://schemas.openxmlformats.org/markup-compatibility/2006" xmlns:p14="http://schemas.microsoft.com/office/powerpoint/2010/main">
+    <mc:Choice Requires="p14">
+      <p:transition spd="med" p14:dur="700">
+        <p:fade/>
+      </p:transition>
+    </mc:Choice>
+    <mc:Fallback xmlns="">
+      <p:transition spd="med">
+        <p:fade/>
+      </p:transition>
+    </mc:Fallback>
+  </mc:AlternateContent>
+</p:sld>
+</file>
+
+<file path=ppt/slides/slide72.xml><?xml version="1.0" encoding="utf-8"?>
+<p:sld xmlns:a="http://schemas.openxmlformats.org/drawingml/2006/main" xmlns:r="http://schemas.openxmlformats.org/officeDocument/2006/relationships" xmlns:p="http://schemas.openxmlformats.org/presentationml/2006/main">
+  <p:cSld>
+    <p:spTree>
+      <p:nvGrpSpPr>
+        <p:cNvPr id="1" name=""/>
+        <p:cNvGrpSpPr/>
+        <p:nvPr/>
+      </p:nvGrpSpPr>
+      <p:grpSpPr>
+        <a:xfrm>
+          <a:off x="0" y="0"/>
+          <a:ext cx="0" cy="0"/>
+          <a:chOff x="0" y="0"/>
+          <a:chExt cx="0" cy="0"/>
+        </a:xfrm>
+      </p:grpSpPr>
+      <p:sp>
+        <p:nvSpPr>
+          <p:cNvPr id="2" name="Title 1"/>
+          <p:cNvSpPr>
+            <a:spLocks noGrp="1"/>
+          </p:cNvSpPr>
+          <p:nvPr>
+            <p:ph type="title"/>
+          </p:nvPr>
+        </p:nvSpPr>
+        <p:spPr>
+          <a:xfrm>
+            <a:off x="838199" y="0"/>
+            <a:ext cx="10785049" cy="1325563"/>
+          </a:xfrm>
+        </p:spPr>
+        <p:txBody>
+          <a:bodyPr>
+            <a:normAutofit/>
+          </a:bodyPr>
+          <a:lstStyle/>
+          <a:p>
+            <a:r>
+              <a:rPr lang="en-US" sz="4000" dirty="0"/>
+              <a:t>HOL #7 Building Web apps using Node.js</a:t>
+            </a:r>
+            <a:endParaRPr lang="en-GB" sz="4000" dirty="0"/>
+          </a:p>
+        </p:txBody>
+      </p:sp>
+      <p:sp>
+        <p:nvSpPr>
+          <p:cNvPr id="3" name="Content Placeholder 2"/>
+          <p:cNvSpPr>
+            <a:spLocks noGrp="1"/>
+          </p:cNvSpPr>
+          <p:nvPr>
+            <p:ph idx="1"/>
+          </p:nvPr>
+        </p:nvSpPr>
+        <p:spPr/>
+        <p:txBody>
+          <a:bodyPr/>
+          <a:lstStyle/>
+          <a:p>
+            <a:r>
+              <a:rPr lang="en-US" dirty="0"/>
+              <a:t>Lab manual: /</a:t>
+            </a:r>
+            <a:r>
+              <a:rPr lang="en-US" b="1" dirty="0"/>
+              <a:t>documentation/hol7.md</a:t>
+            </a:r>
+          </a:p>
+          <a:p>
+            <a:r>
+              <a:rPr lang="sv-SE" dirty="0" err="1"/>
+              <a:t>Open</a:t>
+            </a:r>
+            <a:r>
+              <a:rPr lang="sv-SE" dirty="0"/>
+              <a:t> ./start/hol7 </a:t>
+            </a:r>
+            <a:r>
+              <a:rPr lang="sv-SE" dirty="0" err="1"/>
+              <a:t>using</a:t>
+            </a:r>
+            <a:r>
+              <a:rPr lang="sv-SE" dirty="0"/>
+              <a:t> VS </a:t>
+            </a:r>
+            <a:r>
+              <a:rPr lang="sv-SE" dirty="0" err="1"/>
+              <a:t>Code</a:t>
+            </a:r>
+            <a:endParaRPr lang="sv-SE" dirty="0"/>
+          </a:p>
+          <a:p>
+            <a:r>
+              <a:rPr lang="sv-SE" dirty="0" err="1"/>
+              <a:t>Install</a:t>
+            </a:r>
+            <a:r>
+              <a:rPr lang="sv-SE" dirty="0"/>
+              <a:t> </a:t>
+            </a:r>
+            <a:r>
+              <a:rPr lang="sv-SE" b="1" dirty="0"/>
+              <a:t>express, </a:t>
+            </a:r>
+            <a:r>
+              <a:rPr lang="sv-SE" b="1" dirty="0" err="1"/>
+              <a:t>mongodb</a:t>
+            </a:r>
+            <a:r>
+              <a:rPr lang="sv-SE" b="1" dirty="0"/>
+              <a:t> &amp; </a:t>
+            </a:r>
+            <a:r>
+              <a:rPr lang="sv-SE" b="1" dirty="0" err="1"/>
+              <a:t>vash</a:t>
+            </a:r>
+            <a:endParaRPr lang="en-US" b="1" dirty="0"/>
+          </a:p>
+        </p:txBody>
+      </p:sp>
+    </p:spTree>
+    <p:extLst>
+      <p:ext uri="{BB962C8B-B14F-4D97-AF65-F5344CB8AC3E}">
+        <p14:creationId xmlns:p14="http://schemas.microsoft.com/office/powerpoint/2010/main" val="197010953"/>
       </p:ext>
     </p:extLst>
   </p:cSld>
